--- a/backup.pptx
+++ b/backup.pptx
@@ -12,6 +12,8 @@
     <p:sldId id="270" r:id="rId6"/>
     <p:sldId id="274" r:id="rId7"/>
     <p:sldId id="283" r:id="rId8"/>
+    <p:sldId id="318" r:id="rId9"/>
+    <p:sldId id="380" r:id="rId10"/>
   </p:sldIdLst>
   <p:sldSz cx="12192000" cy="6858000"/>
   <p:notesSz cx="6858000" cy="9144000"/>
@@ -110,6 +112,11 @@
       </a:defRPr>
     </a:lvl9pPr>
   </p:defaultTextStyle>
+  <p:extLst>
+    <p:ext uri="{EFAFB233-063F-42B5-8137-9DF3F51BA10A}">
+      <p15:sldGuideLst xmlns:p15="http://schemas.microsoft.com/office/powerpoint/2012/main"/>
+    </p:ext>
+  </p:extLst>
 </p:presentation>
 </file>
 
@@ -7459,6 +7466,1087 @@
 </p:sld>
 </file>
 
+<file path=ppt/slides/slide8.xml><?xml version="1.0" encoding="utf-8"?>
+<p:sld xmlns:a="http://schemas.openxmlformats.org/drawingml/2006/main" xmlns:r="http://schemas.openxmlformats.org/officeDocument/2006/relationships" xmlns:p="http://schemas.openxmlformats.org/presentationml/2006/main">
+  <p:cSld>
+    <p:spTree>
+      <p:nvGrpSpPr>
+        <p:cNvPr id="1" name=""/>
+        <p:cNvGrpSpPr/>
+        <p:nvPr/>
+      </p:nvGrpSpPr>
+      <p:grpSpPr>
+        <a:xfrm>
+          <a:off x="0" y="0"/>
+          <a:ext cx="0" cy="0"/>
+          <a:chOff x="0" y="0"/>
+          <a:chExt cx="0" cy="0"/>
+        </a:xfrm>
+      </p:grpSpPr>
+      <p:pic>
+        <p:nvPicPr>
+          <p:cNvPr id="15" name="图片 14">
+            <a:extLst>
+              <a:ext uri="{FF2B5EF4-FFF2-40B4-BE49-F238E27FC236}">
+                <a16:creationId xmlns:a16="http://schemas.microsoft.com/office/drawing/2014/main" id="{55749599-2468-4144-8AC4-0C0E6F31F0C6}"/>
+              </a:ext>
+            </a:extLst>
+          </p:cNvPr>
+          <p:cNvPicPr>
+            <a:picLocks noChangeAspect="1"/>
+          </p:cNvPicPr>
+          <p:nvPr/>
+        </p:nvPicPr>
+        <p:blipFill>
+          <a:blip r:embed="rId2"/>
+          <a:stretch>
+            <a:fillRect/>
+          </a:stretch>
+        </p:blipFill>
+        <p:spPr>
+          <a:xfrm>
+            <a:off x="5281420" y="51797"/>
+            <a:ext cx="6912205" cy="1490895"/>
+          </a:xfrm>
+          <a:prstGeom prst="rect">
+            <a:avLst/>
+          </a:prstGeom>
+        </p:spPr>
+      </p:pic>
+      <p:pic>
+        <p:nvPicPr>
+          <p:cNvPr id="20" name="图片 19">
+            <a:extLst>
+              <a:ext uri="{FF2B5EF4-FFF2-40B4-BE49-F238E27FC236}">
+                <a16:creationId xmlns:a16="http://schemas.microsoft.com/office/drawing/2014/main" id="{29DFF50B-8BDD-4062-B5BF-8BFD3977D56C}"/>
+              </a:ext>
+            </a:extLst>
+          </p:cNvPr>
+          <p:cNvPicPr>
+            <a:picLocks noChangeAspect="1"/>
+          </p:cNvPicPr>
+          <p:nvPr/>
+        </p:nvPicPr>
+        <p:blipFill>
+          <a:blip r:embed="rId3"/>
+          <a:stretch>
+            <a:fillRect/>
+          </a:stretch>
+        </p:blipFill>
+        <p:spPr>
+          <a:xfrm>
+            <a:off x="5281424" y="1542692"/>
+            <a:ext cx="6731439" cy="902557"/>
+          </a:xfrm>
+          <a:prstGeom prst="rect">
+            <a:avLst/>
+          </a:prstGeom>
+        </p:spPr>
+      </p:pic>
+      <p:pic>
+        <p:nvPicPr>
+          <p:cNvPr id="21" name="图片 20">
+            <a:extLst>
+              <a:ext uri="{FF2B5EF4-FFF2-40B4-BE49-F238E27FC236}">
+                <a16:creationId xmlns:a16="http://schemas.microsoft.com/office/drawing/2014/main" id="{70397D3E-FA84-41DC-A53B-D09B6764603E}"/>
+              </a:ext>
+            </a:extLst>
+          </p:cNvPr>
+          <p:cNvPicPr>
+            <a:picLocks noChangeAspect="1"/>
+          </p:cNvPicPr>
+          <p:nvPr/>
+        </p:nvPicPr>
+        <p:blipFill>
+          <a:blip r:embed="rId4"/>
+          <a:stretch>
+            <a:fillRect/>
+          </a:stretch>
+        </p:blipFill>
+        <p:spPr>
+          <a:xfrm>
+            <a:off x="5281420" y="2951849"/>
+            <a:ext cx="6731443" cy="1573570"/>
+          </a:xfrm>
+          <a:prstGeom prst="rect">
+            <a:avLst/>
+          </a:prstGeom>
+        </p:spPr>
+      </p:pic>
+      <p:pic>
+        <p:nvPicPr>
+          <p:cNvPr id="22" name="图片 21">
+            <a:extLst>
+              <a:ext uri="{FF2B5EF4-FFF2-40B4-BE49-F238E27FC236}">
+                <a16:creationId xmlns:a16="http://schemas.microsoft.com/office/drawing/2014/main" id="{4D5BB9F3-CEF1-4B92-B22C-A3DA3E1CEE51}"/>
+              </a:ext>
+            </a:extLst>
+          </p:cNvPr>
+          <p:cNvPicPr>
+            <a:picLocks noChangeAspect="1"/>
+          </p:cNvPicPr>
+          <p:nvPr/>
+        </p:nvPicPr>
+        <p:blipFill>
+          <a:blip r:embed="rId5"/>
+          <a:stretch>
+            <a:fillRect/>
+          </a:stretch>
+        </p:blipFill>
+        <p:spPr>
+          <a:xfrm>
+            <a:off x="5310986" y="4836333"/>
+            <a:ext cx="6636462" cy="1520401"/>
+          </a:xfrm>
+          <a:prstGeom prst="rect">
+            <a:avLst/>
+          </a:prstGeom>
+        </p:spPr>
+      </p:pic>
+      <p:pic>
+        <p:nvPicPr>
+          <p:cNvPr id="23" name="图片 22">
+            <a:extLst>
+              <a:ext uri="{FF2B5EF4-FFF2-40B4-BE49-F238E27FC236}">
+                <a16:creationId xmlns:a16="http://schemas.microsoft.com/office/drawing/2014/main" id="{2010A422-0143-49EE-95B0-A35C66A70325}"/>
+              </a:ext>
+            </a:extLst>
+          </p:cNvPr>
+          <p:cNvPicPr>
+            <a:picLocks noChangeAspect="1"/>
+          </p:cNvPicPr>
+          <p:nvPr/>
+        </p:nvPicPr>
+        <p:blipFill>
+          <a:blip r:embed="rId6"/>
+          <a:stretch>
+            <a:fillRect/>
+          </a:stretch>
+        </p:blipFill>
+        <p:spPr>
+          <a:xfrm>
+            <a:off x="8057586" y="3647625"/>
+            <a:ext cx="1405187" cy="704254"/>
+          </a:xfrm>
+          <a:prstGeom prst="rect">
+            <a:avLst/>
+          </a:prstGeom>
+        </p:spPr>
+      </p:pic>
+      <p:pic>
+        <p:nvPicPr>
+          <p:cNvPr id="24" name="图片 23">
+            <a:extLst>
+              <a:ext uri="{FF2B5EF4-FFF2-40B4-BE49-F238E27FC236}">
+                <a16:creationId xmlns:a16="http://schemas.microsoft.com/office/drawing/2014/main" id="{3CC3551D-8E6F-4AEA-BAC4-1082C0996B16}"/>
+              </a:ext>
+            </a:extLst>
+          </p:cNvPr>
+          <p:cNvPicPr>
+            <a:picLocks noChangeAspect="1"/>
+          </p:cNvPicPr>
+          <p:nvPr/>
+        </p:nvPicPr>
+        <p:blipFill>
+          <a:blip r:embed="rId7"/>
+          <a:stretch>
+            <a:fillRect/>
+          </a:stretch>
+        </p:blipFill>
+        <p:spPr>
+          <a:xfrm>
+            <a:off x="10185049" y="3647625"/>
+            <a:ext cx="878539" cy="704254"/>
+          </a:xfrm>
+          <a:prstGeom prst="rect">
+            <a:avLst/>
+          </a:prstGeom>
+        </p:spPr>
+      </p:pic>
+      <p:pic>
+        <p:nvPicPr>
+          <p:cNvPr id="25" name="图片 24">
+            <a:extLst>
+              <a:ext uri="{FF2B5EF4-FFF2-40B4-BE49-F238E27FC236}">
+                <a16:creationId xmlns:a16="http://schemas.microsoft.com/office/drawing/2014/main" id="{3AC61908-060A-499F-8CF4-5B26A053240C}"/>
+              </a:ext>
+            </a:extLst>
+          </p:cNvPr>
+          <p:cNvPicPr>
+            <a:picLocks noChangeAspect="1"/>
+          </p:cNvPicPr>
+          <p:nvPr/>
+        </p:nvPicPr>
+        <p:blipFill>
+          <a:blip r:embed="rId8"/>
+          <a:stretch>
+            <a:fillRect/>
+          </a:stretch>
+        </p:blipFill>
+        <p:spPr>
+          <a:xfrm>
+            <a:off x="7655116" y="5590944"/>
+            <a:ext cx="4197285" cy="512925"/>
+          </a:xfrm>
+          <a:prstGeom prst="rect">
+            <a:avLst/>
+          </a:prstGeom>
+        </p:spPr>
+      </p:pic>
+      <p:pic>
+        <p:nvPicPr>
+          <p:cNvPr id="26" name="图片 25">
+            <a:extLst>
+              <a:ext uri="{FF2B5EF4-FFF2-40B4-BE49-F238E27FC236}">
+                <a16:creationId xmlns:a16="http://schemas.microsoft.com/office/drawing/2014/main" id="{68DB7FF4-55C2-4597-A951-2179E2D8403C}"/>
+              </a:ext>
+            </a:extLst>
+          </p:cNvPr>
+          <p:cNvPicPr>
+            <a:picLocks noChangeAspect="1"/>
+          </p:cNvPicPr>
+          <p:nvPr/>
+        </p:nvPicPr>
+        <p:blipFill>
+          <a:blip r:embed="rId9"/>
+          <a:stretch>
+            <a:fillRect/>
+          </a:stretch>
+        </p:blipFill>
+        <p:spPr>
+          <a:xfrm>
+            <a:off x="7881939" y="1927104"/>
+            <a:ext cx="1445838" cy="353805"/>
+          </a:xfrm>
+          <a:prstGeom prst="rect">
+            <a:avLst/>
+          </a:prstGeom>
+        </p:spPr>
+      </p:pic>
+      <p:pic>
+        <p:nvPicPr>
+          <p:cNvPr id="27" name="图片 26">
+            <a:extLst>
+              <a:ext uri="{FF2B5EF4-FFF2-40B4-BE49-F238E27FC236}">
+                <a16:creationId xmlns:a16="http://schemas.microsoft.com/office/drawing/2014/main" id="{A950FEBE-688A-41E2-B2EE-C0E59058A7C0}"/>
+              </a:ext>
+            </a:extLst>
+          </p:cNvPr>
+          <p:cNvPicPr>
+            <a:picLocks noChangeAspect="1"/>
+          </p:cNvPicPr>
+          <p:nvPr/>
+        </p:nvPicPr>
+        <p:blipFill>
+          <a:blip r:embed="rId10"/>
+          <a:stretch>
+            <a:fillRect/>
+          </a:stretch>
+        </p:blipFill>
+        <p:spPr>
+          <a:xfrm>
+            <a:off x="9753759" y="1927104"/>
+            <a:ext cx="647347" cy="353805"/>
+          </a:xfrm>
+          <a:prstGeom prst="rect">
+            <a:avLst/>
+          </a:prstGeom>
+        </p:spPr>
+      </p:pic>
+      <p:cxnSp>
+        <p:nvCxnSpPr>
+          <p:cNvPr id="28" name="直接连接符 27">
+            <a:extLst>
+              <a:ext uri="{FF2B5EF4-FFF2-40B4-BE49-F238E27FC236}">
+                <a16:creationId xmlns:a16="http://schemas.microsoft.com/office/drawing/2014/main" id="{AD217233-19C4-4F55-9FB7-946365F54A4F}"/>
+              </a:ext>
+            </a:extLst>
+          </p:cNvPr>
+          <p:cNvCxnSpPr>
+            <a:cxnSpLocks/>
+          </p:cNvCxnSpPr>
+          <p:nvPr/>
+        </p:nvCxnSpPr>
+        <p:spPr>
+          <a:xfrm>
+            <a:off x="5173804" y="50026"/>
+            <a:ext cx="0" cy="6720475"/>
+          </a:xfrm>
+          <a:prstGeom prst="line">
+            <a:avLst/>
+          </a:prstGeom>
+          <a:ln w="15875">
+            <a:solidFill>
+              <a:schemeClr val="tx1"/>
+            </a:solidFill>
+          </a:ln>
+        </p:spPr>
+        <p:style>
+          <a:lnRef idx="1">
+            <a:schemeClr val="dk1"/>
+          </a:lnRef>
+          <a:fillRef idx="0">
+            <a:schemeClr val="dk1"/>
+          </a:fillRef>
+          <a:effectRef idx="0">
+            <a:schemeClr val="dk1"/>
+          </a:effectRef>
+          <a:fontRef idx="minor">
+            <a:schemeClr val="tx1"/>
+          </a:fontRef>
+        </p:style>
+      </p:cxnSp>
+      <p:sp>
+        <p:nvSpPr>
+          <p:cNvPr id="5" name="椭圆 4">
+            <a:extLst>
+              <a:ext uri="{FF2B5EF4-FFF2-40B4-BE49-F238E27FC236}">
+                <a16:creationId xmlns:a16="http://schemas.microsoft.com/office/drawing/2014/main" id="{A31F3410-4C83-49FD-B9C2-E81C8CDB7197}"/>
+              </a:ext>
+            </a:extLst>
+          </p:cNvPr>
+          <p:cNvSpPr/>
+          <p:nvPr/>
+        </p:nvSpPr>
+        <p:spPr>
+          <a:xfrm>
+            <a:off x="5253306" y="256854"/>
+            <a:ext cx="2883828" cy="902556"/>
+          </a:xfrm>
+          <a:prstGeom prst="ellipse">
+            <a:avLst/>
+          </a:prstGeom>
+          <a:noFill/>
+          <a:ln w="12700">
+            <a:solidFill>
+              <a:srgbClr val="FF0000"/>
+            </a:solidFill>
+            <a:prstDash val="lgDash"/>
+          </a:ln>
+        </p:spPr>
+        <p:style>
+          <a:lnRef idx="2">
+            <a:schemeClr val="accent6"/>
+          </a:lnRef>
+          <a:fillRef idx="1">
+            <a:schemeClr val="lt1"/>
+          </a:fillRef>
+          <a:effectRef idx="0">
+            <a:schemeClr val="accent6"/>
+          </a:effectRef>
+          <a:fontRef idx="minor">
+            <a:schemeClr val="dk1"/>
+          </a:fontRef>
+        </p:style>
+        <p:txBody>
+          <a:bodyPr rtlCol="0" anchor="ctr"/>
+          <a:lstStyle/>
+          <a:p>
+            <a:pPr algn="ctr"/>
+            <a:endParaRPr lang="zh-CN" altLang="en-US"/>
+          </a:p>
+        </p:txBody>
+      </p:sp>
+      <p:pic>
+        <p:nvPicPr>
+          <p:cNvPr id="16" name="图片 15">
+            <a:extLst>
+              <a:ext uri="{FF2B5EF4-FFF2-40B4-BE49-F238E27FC236}">
+                <a16:creationId xmlns:a16="http://schemas.microsoft.com/office/drawing/2014/main" id="{0D55739B-EF77-4E02-B8E7-6A623738891E}"/>
+              </a:ext>
+            </a:extLst>
+          </p:cNvPr>
+          <p:cNvPicPr>
+            <a:picLocks noChangeAspect="1"/>
+          </p:cNvPicPr>
+          <p:nvPr/>
+        </p:nvPicPr>
+        <p:blipFill>
+          <a:blip r:embed="rId11"/>
+          <a:stretch>
+            <a:fillRect/>
+          </a:stretch>
+        </p:blipFill>
+        <p:spPr>
+          <a:xfrm>
+            <a:off x="449322" y="2221009"/>
+            <a:ext cx="4465835" cy="3661150"/>
+          </a:xfrm>
+          <a:prstGeom prst="rect">
+            <a:avLst/>
+          </a:prstGeom>
+        </p:spPr>
+      </p:pic>
+      <p:sp>
+        <p:nvSpPr>
+          <p:cNvPr id="17" name="文本框 16">
+            <a:extLst>
+              <a:ext uri="{FF2B5EF4-FFF2-40B4-BE49-F238E27FC236}">
+                <a16:creationId xmlns:a16="http://schemas.microsoft.com/office/drawing/2014/main" id="{D7048DE6-5BDD-4B67-8C4E-E8D601B44886}"/>
+              </a:ext>
+            </a:extLst>
+          </p:cNvPr>
+          <p:cNvSpPr txBox="1"/>
+          <p:nvPr/>
+        </p:nvSpPr>
+        <p:spPr>
+          <a:xfrm>
+            <a:off x="162560" y="87499"/>
+            <a:ext cx="5039360" cy="923330"/>
+          </a:xfrm>
+          <a:prstGeom prst="rect">
+            <a:avLst/>
+          </a:prstGeom>
+          <a:solidFill>
+            <a:schemeClr val="tx2">
+              <a:lumMod val="20000"/>
+              <a:lumOff val="80000"/>
+            </a:schemeClr>
+          </a:solidFill>
+        </p:spPr>
+        <p:txBody>
+          <a:bodyPr wrap="square" rtlCol="0">
+            <a:spAutoFit/>
+          </a:bodyPr>
+          <a:lstStyle/>
+          <a:p>
+            <a:r>
+              <a:rPr lang="en-US" altLang="zh-CN" b="1" dirty="0" err="1">
+                <a:latin typeface="微软雅黑" panose="020B0503020204020204" pitchFamily="34" charset="-122"/>
+                <a:ea typeface="微软雅黑" panose="020B0503020204020204" pitchFamily="34" charset="-122"/>
+              </a:rPr>
+              <a:t>ConSERT</a:t>
+            </a:r>
+            <a:r>
+              <a:rPr lang="en-US" altLang="zh-CN" dirty="0">
+                <a:latin typeface="微软雅黑" panose="020B0503020204020204" pitchFamily="34" charset="-122"/>
+                <a:ea typeface="微软雅黑" panose="020B0503020204020204" pitchFamily="34" charset="-122"/>
+              </a:rPr>
+              <a:t>: A Contrastive Framework for Self-Supervised Sentence Representation Transfer</a:t>
+            </a:r>
+            <a:endParaRPr lang="zh-CN" altLang="en-US" dirty="0">
+              <a:latin typeface="微软雅黑" panose="020B0503020204020204" pitchFamily="34" charset="-122"/>
+              <a:ea typeface="微软雅黑" panose="020B0503020204020204" pitchFamily="34" charset="-122"/>
+            </a:endParaRPr>
+          </a:p>
+        </p:txBody>
+      </p:sp>
+      <p:sp>
+        <p:nvSpPr>
+          <p:cNvPr id="18" name="矩形: 圆角 17">
+            <a:extLst>
+              <a:ext uri="{FF2B5EF4-FFF2-40B4-BE49-F238E27FC236}">
+                <a16:creationId xmlns:a16="http://schemas.microsoft.com/office/drawing/2014/main" id="{C20C3939-357E-48AD-8CEB-8DAF9DDE54FB}"/>
+              </a:ext>
+            </a:extLst>
+          </p:cNvPr>
+          <p:cNvSpPr/>
+          <p:nvPr/>
+        </p:nvSpPr>
+        <p:spPr>
+          <a:xfrm>
+            <a:off x="701040" y="1493520"/>
+            <a:ext cx="1595120" cy="589280"/>
+          </a:xfrm>
+          <a:prstGeom prst="roundRect">
+            <a:avLst/>
+          </a:prstGeom>
+          <a:solidFill>
+            <a:schemeClr val="bg1">
+              <a:lumMod val="95000"/>
+            </a:schemeClr>
+          </a:solidFill>
+        </p:spPr>
+        <p:style>
+          <a:lnRef idx="2">
+            <a:schemeClr val="accent1">
+              <a:shade val="50000"/>
+            </a:schemeClr>
+          </a:lnRef>
+          <a:fillRef idx="1">
+            <a:schemeClr val="accent1"/>
+          </a:fillRef>
+          <a:effectRef idx="0">
+            <a:schemeClr val="accent1"/>
+          </a:effectRef>
+          <a:fontRef idx="minor">
+            <a:schemeClr val="lt1"/>
+          </a:fontRef>
+        </p:style>
+        <p:txBody>
+          <a:bodyPr rot="0" spcFirstLastPara="0" vertOverflow="overflow" horzOverflow="overflow" vert="horz" wrap="square" lIns="91440" tIns="45720" rIns="91440" bIns="45720" numCol="1" spcCol="0" rtlCol="0" fromWordArt="0" anchor="ctr" anchorCtr="0" forceAA="0" compatLnSpc="1">
+            <a:prstTxWarp prst="textNoShape">
+              <a:avLst/>
+            </a:prstTxWarp>
+            <a:noAutofit/>
+          </a:bodyPr>
+          <a:lstStyle/>
+          <a:p>
+            <a:pPr algn="ctr"/>
+            <a:r>
+              <a:rPr lang="en-US" altLang="zh-CN" dirty="0">
+                <a:ln w="0"/>
+                <a:solidFill>
+                  <a:schemeClr val="tx1"/>
+                </a:solidFill>
+                <a:effectLst>
+                  <a:outerShdw blurRad="38100" dist="19050" dir="2700000" algn="tl" rotWithShape="0">
+                    <a:schemeClr val="dk1">
+                      <a:alpha val="40000"/>
+                    </a:schemeClr>
+                  </a:outerShdw>
+                </a:effectLst>
+              </a:rPr>
+              <a:t>shuffle</a:t>
+            </a:r>
+            <a:endParaRPr lang="zh-CN" altLang="en-US" dirty="0">
+              <a:ln w="0"/>
+              <a:solidFill>
+                <a:schemeClr val="tx1"/>
+              </a:solidFill>
+              <a:effectLst>
+                <a:outerShdw blurRad="38100" dist="19050" dir="2700000" algn="tl" rotWithShape="0">
+                  <a:schemeClr val="dk1">
+                    <a:alpha val="40000"/>
+                  </a:schemeClr>
+                </a:outerShdw>
+              </a:effectLst>
+            </a:endParaRPr>
+          </a:p>
+        </p:txBody>
+      </p:sp>
+      <p:sp>
+        <p:nvSpPr>
+          <p:cNvPr id="19" name="加号 18">
+            <a:extLst>
+              <a:ext uri="{FF2B5EF4-FFF2-40B4-BE49-F238E27FC236}">
+                <a16:creationId xmlns:a16="http://schemas.microsoft.com/office/drawing/2014/main" id="{73022680-034B-410E-AE4B-6BB21448822C}"/>
+              </a:ext>
+            </a:extLst>
+          </p:cNvPr>
+          <p:cNvSpPr/>
+          <p:nvPr/>
+        </p:nvSpPr>
+        <p:spPr>
+          <a:xfrm>
+            <a:off x="2296160" y="1493520"/>
+            <a:ext cx="680720" cy="589280"/>
+          </a:xfrm>
+          <a:prstGeom prst="mathPlus">
+            <a:avLst/>
+          </a:prstGeom>
+          <a:solidFill>
+            <a:schemeClr val="tx1">
+              <a:lumMod val="65000"/>
+              <a:lumOff val="35000"/>
+            </a:schemeClr>
+          </a:solidFill>
+        </p:spPr>
+        <p:style>
+          <a:lnRef idx="2">
+            <a:schemeClr val="accent1">
+              <a:shade val="50000"/>
+            </a:schemeClr>
+          </a:lnRef>
+          <a:fillRef idx="1">
+            <a:schemeClr val="accent1"/>
+          </a:fillRef>
+          <a:effectRef idx="0">
+            <a:schemeClr val="accent1"/>
+          </a:effectRef>
+          <a:fontRef idx="minor">
+            <a:schemeClr val="lt1"/>
+          </a:fontRef>
+        </p:style>
+        <p:txBody>
+          <a:bodyPr rtlCol="0" anchor="ctr"/>
+          <a:lstStyle/>
+          <a:p>
+            <a:pPr algn="ctr"/>
+            <a:endParaRPr lang="zh-CN" altLang="en-US"/>
+          </a:p>
+        </p:txBody>
+      </p:sp>
+      <p:sp>
+        <p:nvSpPr>
+          <p:cNvPr id="29" name="矩形: 圆角 28">
+            <a:extLst>
+              <a:ext uri="{FF2B5EF4-FFF2-40B4-BE49-F238E27FC236}">
+                <a16:creationId xmlns:a16="http://schemas.microsoft.com/office/drawing/2014/main" id="{E8402E05-C8D5-4AC5-AEC8-AF9FD3D6C9D1}"/>
+              </a:ext>
+            </a:extLst>
+          </p:cNvPr>
+          <p:cNvSpPr/>
+          <p:nvPr/>
+        </p:nvSpPr>
+        <p:spPr>
+          <a:xfrm>
+            <a:off x="2976880" y="1493520"/>
+            <a:ext cx="1595120" cy="589280"/>
+          </a:xfrm>
+          <a:prstGeom prst="roundRect">
+            <a:avLst/>
+          </a:prstGeom>
+          <a:solidFill>
+            <a:schemeClr val="bg1">
+              <a:lumMod val="95000"/>
+            </a:schemeClr>
+          </a:solidFill>
+        </p:spPr>
+        <p:style>
+          <a:lnRef idx="2">
+            <a:schemeClr val="accent1">
+              <a:shade val="50000"/>
+            </a:schemeClr>
+          </a:lnRef>
+          <a:fillRef idx="1">
+            <a:schemeClr val="accent1"/>
+          </a:fillRef>
+          <a:effectRef idx="0">
+            <a:schemeClr val="accent1"/>
+          </a:effectRef>
+          <a:fontRef idx="minor">
+            <a:schemeClr val="lt1"/>
+          </a:fontRef>
+        </p:style>
+        <p:txBody>
+          <a:bodyPr rot="0" spcFirstLastPara="0" vertOverflow="overflow" horzOverflow="overflow" vert="horz" wrap="square" lIns="91440" tIns="45720" rIns="91440" bIns="45720" numCol="1" spcCol="0" rtlCol="0" fromWordArt="0" anchor="ctr" anchorCtr="0" forceAA="0" compatLnSpc="1">
+            <a:prstTxWarp prst="textNoShape">
+              <a:avLst/>
+            </a:prstTxWarp>
+            <a:noAutofit/>
+          </a:bodyPr>
+          <a:lstStyle/>
+          <a:p>
+            <a:pPr algn="ctr"/>
+            <a:r>
+              <a:rPr lang="en-US" altLang="zh-CN" dirty="0">
+                <a:ln w="0"/>
+                <a:solidFill>
+                  <a:schemeClr val="tx1"/>
+                </a:solidFill>
+                <a:effectLst>
+                  <a:outerShdw blurRad="38100" dist="19050" dir="2700000" algn="tl" rotWithShape="0">
+                    <a:schemeClr val="dk1">
+                      <a:alpha val="40000"/>
+                    </a:schemeClr>
+                  </a:outerShdw>
+                </a:effectLst>
+              </a:rPr>
+              <a:t>cutoff</a:t>
+            </a:r>
+            <a:endParaRPr lang="zh-CN" altLang="en-US" dirty="0">
+              <a:ln w="0"/>
+              <a:solidFill>
+                <a:schemeClr val="tx1"/>
+              </a:solidFill>
+              <a:effectLst>
+                <a:outerShdw blurRad="38100" dist="19050" dir="2700000" algn="tl" rotWithShape="0">
+                  <a:schemeClr val="dk1">
+                    <a:alpha val="40000"/>
+                  </a:schemeClr>
+                </a:outerShdw>
+              </a:effectLst>
+            </a:endParaRPr>
+          </a:p>
+        </p:txBody>
+      </p:sp>
+      <p:sp>
+        <p:nvSpPr>
+          <p:cNvPr id="2" name="矩形 1">
+            <a:extLst>
+              <a:ext uri="{FF2B5EF4-FFF2-40B4-BE49-F238E27FC236}">
+                <a16:creationId xmlns:a16="http://schemas.microsoft.com/office/drawing/2014/main" id="{600B1221-99B0-418B-B4A6-59F250D28032}"/>
+              </a:ext>
+            </a:extLst>
+          </p:cNvPr>
+          <p:cNvSpPr/>
+          <p:nvPr/>
+        </p:nvSpPr>
+        <p:spPr>
+          <a:xfrm>
+            <a:off x="3048000" y="3105835"/>
+            <a:ext cx="6096000" cy="646331"/>
+          </a:xfrm>
+          <a:prstGeom prst="rect">
+            <a:avLst/>
+          </a:prstGeom>
+        </p:spPr>
+        <p:txBody>
+          <a:bodyPr>
+            <a:spAutoFit/>
+          </a:bodyPr>
+          <a:lstStyle/>
+          <a:p>
+            <a:r>
+              <a:rPr lang="zh-CN" altLang="en-US" dirty="0"/>
+              <a:t>sentences1_list=[sen[0] for sen in test_sentences]</a:t>
+            </a:r>
+          </a:p>
+          <a:p>
+            <a:r>
+              <a:rPr lang="zh-CN" altLang="en-US" dirty="0"/>
+              <a:t>sentences2_list=[sen[1] for sen in test_sentences]</a:t>
+            </a:r>
+          </a:p>
+        </p:txBody>
+      </p:sp>
+    </p:spTree>
+    <p:extLst>
+      <p:ext uri="{BB962C8B-B14F-4D97-AF65-F5344CB8AC3E}">
+        <p14:creationId xmlns:p14="http://schemas.microsoft.com/office/powerpoint/2010/main" val="3925136739"/>
+      </p:ext>
+    </p:extLst>
+  </p:cSld>
+  <p:clrMapOvr>
+    <a:masterClrMapping/>
+  </p:clrMapOvr>
+</p:sld>
+</file>
+
+<file path=ppt/slides/slide9.xml><?xml version="1.0" encoding="utf-8"?>
+<p:sld xmlns:a="http://schemas.openxmlformats.org/drawingml/2006/main" xmlns:r="http://schemas.openxmlformats.org/officeDocument/2006/relationships" xmlns:p="http://schemas.openxmlformats.org/presentationml/2006/main">
+  <p:cSld>
+    <p:spTree>
+      <p:nvGrpSpPr>
+        <p:cNvPr id="1" name=""/>
+        <p:cNvGrpSpPr/>
+        <p:nvPr/>
+      </p:nvGrpSpPr>
+      <p:grpSpPr>
+        <a:xfrm>
+          <a:off x="0" y="0"/>
+          <a:ext cx="0" cy="0"/>
+          <a:chOff x="0" y="0"/>
+          <a:chExt cx="0" cy="0"/>
+        </a:xfrm>
+      </p:grpSpPr>
+      <p:sp>
+        <p:nvSpPr>
+          <p:cNvPr id="4" name="文本框 3">
+            <a:extLst>
+              <a:ext uri="{FF2B5EF4-FFF2-40B4-BE49-F238E27FC236}">
+                <a16:creationId xmlns:a16="http://schemas.microsoft.com/office/drawing/2014/main" id="{B285EA4A-9E0F-4C5B-A9D8-68F3D328BE2C}"/>
+              </a:ext>
+            </a:extLst>
+          </p:cNvPr>
+          <p:cNvSpPr txBox="1"/>
+          <p:nvPr/>
+        </p:nvSpPr>
+        <p:spPr>
+          <a:xfrm>
+            <a:off x="680720" y="322235"/>
+            <a:ext cx="10566400" cy="707886"/>
+          </a:xfrm>
+          <a:prstGeom prst="rect">
+            <a:avLst/>
+          </a:prstGeom>
+          <a:noFill/>
+        </p:spPr>
+        <p:txBody>
+          <a:bodyPr wrap="square" rtlCol="0">
+            <a:spAutoFit/>
+          </a:bodyPr>
+          <a:lstStyle/>
+          <a:p>
+            <a:r>
+              <a:rPr lang="en-US" altLang="zh-CN" sz="2000" b="1" dirty="0">
+                <a:latin typeface="微软雅黑" panose="020B0503020204020204" pitchFamily="34" charset="-122"/>
+                <a:ea typeface="微软雅黑" panose="020B0503020204020204" pitchFamily="34" charset="-122"/>
+              </a:rPr>
+              <a:t>Understanding Contrastive Representation Learning through </a:t>
+            </a:r>
+            <a:r>
+              <a:rPr lang="en-US" altLang="zh-CN" sz="2000" b="1" dirty="0">
+                <a:solidFill>
+                  <a:srgbClr val="FF0000"/>
+                </a:solidFill>
+                <a:latin typeface="微软雅黑" panose="020B0503020204020204" pitchFamily="34" charset="-122"/>
+                <a:ea typeface="微软雅黑" panose="020B0503020204020204" pitchFamily="34" charset="-122"/>
+              </a:rPr>
+              <a:t>Alignment</a:t>
+            </a:r>
+            <a:r>
+              <a:rPr lang="en-US" altLang="zh-CN" sz="2000" b="1" dirty="0">
+                <a:latin typeface="微软雅黑" panose="020B0503020204020204" pitchFamily="34" charset="-122"/>
+                <a:ea typeface="微软雅黑" panose="020B0503020204020204" pitchFamily="34" charset="-122"/>
+              </a:rPr>
+              <a:t> and </a:t>
+            </a:r>
+            <a:r>
+              <a:rPr lang="en-US" altLang="zh-CN" sz="2000" b="1" dirty="0">
+                <a:solidFill>
+                  <a:srgbClr val="FF0000"/>
+                </a:solidFill>
+                <a:latin typeface="微软雅黑" panose="020B0503020204020204" pitchFamily="34" charset="-122"/>
+                <a:ea typeface="微软雅黑" panose="020B0503020204020204" pitchFamily="34" charset="-122"/>
+              </a:rPr>
+              <a:t>Uniformity</a:t>
+            </a:r>
+            <a:r>
+              <a:rPr lang="en-US" altLang="zh-CN" sz="2000" b="1" dirty="0">
+                <a:latin typeface="微软雅黑" panose="020B0503020204020204" pitchFamily="34" charset="-122"/>
+                <a:ea typeface="微软雅黑" panose="020B0503020204020204" pitchFamily="34" charset="-122"/>
+              </a:rPr>
+              <a:t> on the Hypersphere    ICML2020</a:t>
+            </a:r>
+            <a:endParaRPr lang="zh-CN" altLang="en-US" sz="2000" b="1" dirty="0">
+              <a:latin typeface="微软雅黑" panose="020B0503020204020204" pitchFamily="34" charset="-122"/>
+              <a:ea typeface="微软雅黑" panose="020B0503020204020204" pitchFamily="34" charset="-122"/>
+            </a:endParaRPr>
+          </a:p>
+        </p:txBody>
+      </p:sp>
+      <p:pic>
+        <p:nvPicPr>
+          <p:cNvPr id="5" name="图片 4">
+            <a:extLst>
+              <a:ext uri="{FF2B5EF4-FFF2-40B4-BE49-F238E27FC236}">
+                <a16:creationId xmlns:a16="http://schemas.microsoft.com/office/drawing/2014/main" id="{5BF870F2-2557-40EC-B5C5-86CB72D1EC2D}"/>
+              </a:ext>
+            </a:extLst>
+          </p:cNvPr>
+          <p:cNvPicPr>
+            <a:picLocks noChangeAspect="1"/>
+          </p:cNvPicPr>
+          <p:nvPr/>
+        </p:nvPicPr>
+        <p:blipFill>
+          <a:blip r:embed="rId2"/>
+          <a:stretch>
+            <a:fillRect/>
+          </a:stretch>
+        </p:blipFill>
+        <p:spPr>
+          <a:xfrm>
+            <a:off x="995680" y="1624517"/>
+            <a:ext cx="4140100" cy="2892811"/>
+          </a:xfrm>
+          <a:prstGeom prst="rect">
+            <a:avLst/>
+          </a:prstGeom>
+        </p:spPr>
+      </p:pic>
+      <p:pic>
+        <p:nvPicPr>
+          <p:cNvPr id="6" name="图片 5">
+            <a:extLst>
+              <a:ext uri="{FF2B5EF4-FFF2-40B4-BE49-F238E27FC236}">
+                <a16:creationId xmlns:a16="http://schemas.microsoft.com/office/drawing/2014/main" id="{19062F37-B8CA-4FAE-BDA6-06414C5549D2}"/>
+              </a:ext>
+            </a:extLst>
+          </p:cNvPr>
+          <p:cNvPicPr>
+            <a:picLocks noChangeAspect="1"/>
+          </p:cNvPicPr>
+          <p:nvPr/>
+        </p:nvPicPr>
+        <p:blipFill>
+          <a:blip r:embed="rId3"/>
+          <a:stretch>
+            <a:fillRect/>
+          </a:stretch>
+        </p:blipFill>
+        <p:spPr>
+          <a:xfrm>
+            <a:off x="6299200" y="1675891"/>
+            <a:ext cx="3698240" cy="2841438"/>
+          </a:xfrm>
+          <a:prstGeom prst="rect">
+            <a:avLst/>
+          </a:prstGeom>
+        </p:spPr>
+      </p:pic>
+      <p:pic>
+        <p:nvPicPr>
+          <p:cNvPr id="7" name="图片 6">
+            <a:extLst>
+              <a:ext uri="{FF2B5EF4-FFF2-40B4-BE49-F238E27FC236}">
+                <a16:creationId xmlns:a16="http://schemas.microsoft.com/office/drawing/2014/main" id="{847DBC50-639D-4393-91C8-5018FBDDCB9E}"/>
+              </a:ext>
+            </a:extLst>
+          </p:cNvPr>
+          <p:cNvPicPr>
+            <a:picLocks noChangeAspect="1"/>
+          </p:cNvPicPr>
+          <p:nvPr/>
+        </p:nvPicPr>
+        <p:blipFill>
+          <a:blip r:embed="rId4"/>
+          <a:stretch>
+            <a:fillRect/>
+          </a:stretch>
+        </p:blipFill>
+        <p:spPr>
+          <a:xfrm>
+            <a:off x="1447800" y="4847555"/>
+            <a:ext cx="3200503" cy="528337"/>
+          </a:xfrm>
+          <a:prstGeom prst="rect">
+            <a:avLst/>
+          </a:prstGeom>
+        </p:spPr>
+      </p:pic>
+      <p:sp>
+        <p:nvSpPr>
+          <p:cNvPr id="8" name="文本框 7">
+            <a:extLst>
+              <a:ext uri="{FF2B5EF4-FFF2-40B4-BE49-F238E27FC236}">
+                <a16:creationId xmlns:a16="http://schemas.microsoft.com/office/drawing/2014/main" id="{F9837136-7B5A-4A61-987E-E1899E0E7855}"/>
+              </a:ext>
+            </a:extLst>
+          </p:cNvPr>
+          <p:cNvSpPr txBox="1"/>
+          <p:nvPr/>
+        </p:nvSpPr>
+        <p:spPr>
+          <a:xfrm>
+            <a:off x="1316214" y="5562039"/>
+            <a:ext cx="3672345" cy="369332"/>
+          </a:xfrm>
+          <a:prstGeom prst="rect">
+            <a:avLst/>
+          </a:prstGeom>
+          <a:noFill/>
+        </p:spPr>
+        <p:txBody>
+          <a:bodyPr wrap="square" rtlCol="0">
+            <a:spAutoFit/>
+          </a:bodyPr>
+          <a:lstStyle/>
+          <a:p>
+            <a:r>
+              <a:rPr lang="en-US" altLang="zh-CN" dirty="0">
+                <a:latin typeface="微软雅黑" panose="020B0503020204020204" pitchFamily="34" charset="-122"/>
+                <a:ea typeface="微软雅黑" panose="020B0503020204020204" pitchFamily="34" charset="-122"/>
+              </a:rPr>
+              <a:t>Alignment: </a:t>
+            </a:r>
+            <a:r>
+              <a:rPr lang="zh-CN" altLang="en-US" dirty="0">
+                <a:latin typeface="微软雅黑" panose="020B0503020204020204" pitchFamily="34" charset="-122"/>
+                <a:ea typeface="微软雅黑" panose="020B0503020204020204" pitchFamily="34" charset="-122"/>
+              </a:rPr>
+              <a:t>衡量正例之间的距离</a:t>
+            </a:r>
+          </a:p>
+        </p:txBody>
+      </p:sp>
+      <p:pic>
+        <p:nvPicPr>
+          <p:cNvPr id="9" name="图片 8">
+            <a:extLst>
+              <a:ext uri="{FF2B5EF4-FFF2-40B4-BE49-F238E27FC236}">
+                <a16:creationId xmlns:a16="http://schemas.microsoft.com/office/drawing/2014/main" id="{8946BD30-BA97-40F3-94EA-69F7F35407B8}"/>
+              </a:ext>
+            </a:extLst>
+          </p:cNvPr>
+          <p:cNvPicPr>
+            <a:picLocks noChangeAspect="1"/>
+          </p:cNvPicPr>
+          <p:nvPr/>
+        </p:nvPicPr>
+        <p:blipFill>
+          <a:blip r:embed="rId5"/>
+          <a:stretch>
+            <a:fillRect/>
+          </a:stretch>
+        </p:blipFill>
+        <p:spPr>
+          <a:xfrm>
+            <a:off x="6553199" y="4753675"/>
+            <a:ext cx="3063343" cy="669865"/>
+          </a:xfrm>
+          <a:prstGeom prst="rect">
+            <a:avLst/>
+          </a:prstGeom>
+        </p:spPr>
+      </p:pic>
+      <p:sp>
+        <p:nvSpPr>
+          <p:cNvPr id="10" name="文本框 9">
+            <a:extLst>
+              <a:ext uri="{FF2B5EF4-FFF2-40B4-BE49-F238E27FC236}">
+                <a16:creationId xmlns:a16="http://schemas.microsoft.com/office/drawing/2014/main" id="{1ACEE4EA-2DEA-4A2D-B391-930464E64E13}"/>
+              </a:ext>
+            </a:extLst>
+          </p:cNvPr>
+          <p:cNvSpPr txBox="1"/>
+          <p:nvPr/>
+        </p:nvSpPr>
+        <p:spPr>
+          <a:xfrm>
+            <a:off x="6385559" y="5423540"/>
+            <a:ext cx="3816069" cy="646331"/>
+          </a:xfrm>
+          <a:prstGeom prst="rect">
+            <a:avLst/>
+          </a:prstGeom>
+          <a:noFill/>
+        </p:spPr>
+        <p:txBody>
+          <a:bodyPr wrap="square" rtlCol="0">
+            <a:spAutoFit/>
+          </a:bodyPr>
+          <a:lstStyle/>
+          <a:p>
+            <a:r>
+              <a:rPr lang="en-US" altLang="zh-CN" dirty="0">
+                <a:latin typeface="微软雅黑" panose="020B0503020204020204" pitchFamily="34" charset="-122"/>
+                <a:ea typeface="微软雅黑" panose="020B0503020204020204" pitchFamily="34" charset="-122"/>
+              </a:rPr>
+              <a:t>Uniformity: </a:t>
+            </a:r>
+            <a:r>
+              <a:rPr lang="zh-CN" altLang="en-US" dirty="0">
+                <a:latin typeface="微软雅黑" panose="020B0503020204020204" pitchFamily="34" charset="-122"/>
+                <a:ea typeface="微软雅黑" panose="020B0503020204020204" pitchFamily="34" charset="-122"/>
+              </a:rPr>
+              <a:t>衡量整体分布的均匀性</a:t>
+            </a:r>
+            <a:endParaRPr lang="en-US" altLang="zh-CN" dirty="0">
+              <a:latin typeface="微软雅黑" panose="020B0503020204020204" pitchFamily="34" charset="-122"/>
+              <a:ea typeface="微软雅黑" panose="020B0503020204020204" pitchFamily="34" charset="-122"/>
+            </a:endParaRPr>
+          </a:p>
+          <a:p>
+            <a:r>
+              <a:rPr lang="zh-CN" altLang="en-US" dirty="0">
+                <a:latin typeface="微软雅黑" panose="020B0503020204020204" pitchFamily="34" charset="-122"/>
+                <a:ea typeface="微软雅黑" panose="020B0503020204020204" pitchFamily="34" charset="-122"/>
+              </a:rPr>
+              <a:t>（</a:t>
+            </a:r>
+            <a:r>
+              <a:rPr lang="zh-CN" altLang="en-US" b="1" dirty="0">
+                <a:latin typeface="微软雅黑" panose="020B0503020204020204" pitchFamily="34" charset="-122"/>
+                <a:ea typeface="微软雅黑" panose="020B0503020204020204" pitchFamily="34" charset="-122"/>
+              </a:rPr>
+              <a:t>分布越均匀保留的信息越多</a:t>
+            </a:r>
+            <a:r>
+              <a:rPr lang="zh-CN" altLang="en-US" dirty="0">
+                <a:latin typeface="微软雅黑" panose="020B0503020204020204" pitchFamily="34" charset="-122"/>
+                <a:ea typeface="微软雅黑" panose="020B0503020204020204" pitchFamily="34" charset="-122"/>
+              </a:rPr>
+              <a:t>）</a:t>
+            </a:r>
+          </a:p>
+        </p:txBody>
+      </p:sp>
+    </p:spTree>
+    <p:extLst>
+      <p:ext uri="{BB962C8B-B14F-4D97-AF65-F5344CB8AC3E}">
+        <p14:creationId xmlns:p14="http://schemas.microsoft.com/office/powerpoint/2010/main" val="2658957211"/>
+      </p:ext>
+    </p:extLst>
+  </p:cSld>
+  <p:clrMapOvr>
+    <a:masterClrMapping/>
+  </p:clrMapOvr>
+</p:sld>
+</file>
+
 <file path=ppt/theme/theme1.xml><?xml version="1.0" encoding="utf-8"?>
 <a:theme xmlns:a="http://schemas.openxmlformats.org/drawingml/2006/main" name="Office 主题​​">
   <a:themeElements>

--- a/backup.pptx
+++ b/backup.pptx
@@ -14,6 +14,10 @@
     <p:sldId id="283" r:id="rId8"/>
     <p:sldId id="318" r:id="rId9"/>
     <p:sldId id="380" r:id="rId10"/>
+    <p:sldId id="285" r:id="rId11"/>
+    <p:sldId id="286" r:id="rId12"/>
+    <p:sldId id="376" r:id="rId13"/>
+    <p:sldId id="389" r:id="rId14"/>
   </p:sldIdLst>
   <p:sldSz cx="12192000" cy="6858000"/>
   <p:notesSz cx="6858000" cy="9144000"/>
@@ -267,7 +271,7 @@
           <a:p>
             <a:fld id="{105BE9A4-137F-4039-9594-71C2BA89BAC3}" type="datetimeFigureOut">
               <a:rPr lang="zh-CN" altLang="en-US" smtClean="0"/>
-              <a:t>2021/10/18</a:t>
+              <a:t>2021/10/19</a:t>
             </a:fld>
             <a:endParaRPr lang="zh-CN" altLang="en-US"/>
           </a:p>
@@ -465,7 +469,7 @@
           <a:p>
             <a:fld id="{105BE9A4-137F-4039-9594-71C2BA89BAC3}" type="datetimeFigureOut">
               <a:rPr lang="zh-CN" altLang="en-US" smtClean="0"/>
-              <a:t>2021/10/18</a:t>
+              <a:t>2021/10/19</a:t>
             </a:fld>
             <a:endParaRPr lang="zh-CN" altLang="en-US"/>
           </a:p>
@@ -673,7 +677,7 @@
           <a:p>
             <a:fld id="{105BE9A4-137F-4039-9594-71C2BA89BAC3}" type="datetimeFigureOut">
               <a:rPr lang="zh-CN" altLang="en-US" smtClean="0"/>
-              <a:t>2021/10/18</a:t>
+              <a:t>2021/10/19</a:t>
             </a:fld>
             <a:endParaRPr lang="zh-CN" altLang="en-US"/>
           </a:p>
@@ -871,7 +875,7 @@
           <a:p>
             <a:fld id="{105BE9A4-137F-4039-9594-71C2BA89BAC3}" type="datetimeFigureOut">
               <a:rPr lang="zh-CN" altLang="en-US" smtClean="0"/>
-              <a:t>2021/10/18</a:t>
+              <a:t>2021/10/19</a:t>
             </a:fld>
             <a:endParaRPr lang="zh-CN" altLang="en-US"/>
           </a:p>
@@ -1146,7 +1150,7 @@
           <a:p>
             <a:fld id="{105BE9A4-137F-4039-9594-71C2BA89BAC3}" type="datetimeFigureOut">
               <a:rPr lang="zh-CN" altLang="en-US" smtClean="0"/>
-              <a:t>2021/10/18</a:t>
+              <a:t>2021/10/19</a:t>
             </a:fld>
             <a:endParaRPr lang="zh-CN" altLang="en-US"/>
           </a:p>
@@ -1411,7 +1415,7 @@
           <a:p>
             <a:fld id="{105BE9A4-137F-4039-9594-71C2BA89BAC3}" type="datetimeFigureOut">
               <a:rPr lang="zh-CN" altLang="en-US" smtClean="0"/>
-              <a:t>2021/10/18</a:t>
+              <a:t>2021/10/19</a:t>
             </a:fld>
             <a:endParaRPr lang="zh-CN" altLang="en-US"/>
           </a:p>
@@ -1823,7 +1827,7 @@
           <a:p>
             <a:fld id="{105BE9A4-137F-4039-9594-71C2BA89BAC3}" type="datetimeFigureOut">
               <a:rPr lang="zh-CN" altLang="en-US" smtClean="0"/>
-              <a:t>2021/10/18</a:t>
+              <a:t>2021/10/19</a:t>
             </a:fld>
             <a:endParaRPr lang="zh-CN" altLang="en-US"/>
           </a:p>
@@ -1964,7 +1968,7 @@
           <a:p>
             <a:fld id="{105BE9A4-137F-4039-9594-71C2BA89BAC3}" type="datetimeFigureOut">
               <a:rPr lang="zh-CN" altLang="en-US" smtClean="0"/>
-              <a:t>2021/10/18</a:t>
+              <a:t>2021/10/19</a:t>
             </a:fld>
             <a:endParaRPr lang="zh-CN" altLang="en-US"/>
           </a:p>
@@ -2077,7 +2081,7 @@
           <a:p>
             <a:fld id="{105BE9A4-137F-4039-9594-71C2BA89BAC3}" type="datetimeFigureOut">
               <a:rPr lang="zh-CN" altLang="en-US" smtClean="0"/>
-              <a:t>2021/10/18</a:t>
+              <a:t>2021/10/19</a:t>
             </a:fld>
             <a:endParaRPr lang="zh-CN" altLang="en-US"/>
           </a:p>
@@ -2388,7 +2392,7 @@
           <a:p>
             <a:fld id="{105BE9A4-137F-4039-9594-71C2BA89BAC3}" type="datetimeFigureOut">
               <a:rPr lang="zh-CN" altLang="en-US" smtClean="0"/>
-              <a:t>2021/10/18</a:t>
+              <a:t>2021/10/19</a:t>
             </a:fld>
             <a:endParaRPr lang="zh-CN" altLang="en-US"/>
           </a:p>
@@ -2676,7 +2680,7 @@
           <a:p>
             <a:fld id="{105BE9A4-137F-4039-9594-71C2BA89BAC3}" type="datetimeFigureOut">
               <a:rPr lang="zh-CN" altLang="en-US" smtClean="0"/>
-              <a:t>2021/10/18</a:t>
+              <a:t>2021/10/19</a:t>
             </a:fld>
             <a:endParaRPr lang="zh-CN" altLang="en-US"/>
           </a:p>
@@ -2917,7 +2921,7 @@
           <a:p>
             <a:fld id="{105BE9A4-137F-4039-9594-71C2BA89BAC3}" type="datetimeFigureOut">
               <a:rPr lang="zh-CN" altLang="en-US" smtClean="0"/>
-              <a:t>2021/10/18</a:t>
+              <a:t>2021/10/19</a:t>
             </a:fld>
             <a:endParaRPr lang="zh-CN" altLang="en-US"/>
           </a:p>
@@ -3397,6 +3401,4924 @@
 </p:sld>
 </file>
 
+<file path=ppt/slides/slide10.xml><?xml version="1.0" encoding="utf-8"?>
+<p:sld xmlns:a="http://schemas.openxmlformats.org/drawingml/2006/main" xmlns:r="http://schemas.openxmlformats.org/officeDocument/2006/relationships" xmlns:p="http://schemas.openxmlformats.org/presentationml/2006/main">
+  <p:cSld>
+    <p:spTree>
+      <p:nvGrpSpPr>
+        <p:cNvPr id="1" name=""/>
+        <p:cNvGrpSpPr/>
+        <p:nvPr/>
+      </p:nvGrpSpPr>
+      <p:grpSpPr>
+        <a:xfrm>
+          <a:off x="0" y="0"/>
+          <a:ext cx="0" cy="0"/>
+          <a:chOff x="0" y="0"/>
+          <a:chExt cx="0" cy="0"/>
+        </a:xfrm>
+      </p:grpSpPr>
+      <p:graphicFrame>
+        <p:nvGraphicFramePr>
+          <p:cNvPr id="4" name="表格 3">
+            <a:extLst>
+              <a:ext uri="{FF2B5EF4-FFF2-40B4-BE49-F238E27FC236}">
+                <a16:creationId xmlns:a16="http://schemas.microsoft.com/office/drawing/2014/main" id="{CA0E3234-015C-4AC8-B6DE-CF78FC8C1DDD}"/>
+              </a:ext>
+            </a:extLst>
+          </p:cNvPr>
+          <p:cNvGraphicFramePr>
+            <a:graphicFrameLocks noGrp="1"/>
+          </p:cNvGraphicFramePr>
+          <p:nvPr>
+            <p:extLst/>
+          </p:nvPr>
+        </p:nvGraphicFramePr>
+        <p:xfrm>
+          <a:off x="1239520" y="2131060"/>
+          <a:ext cx="9001760" cy="2595880"/>
+        </p:xfrm>
+        <a:graphic>
+          <a:graphicData uri="http://schemas.openxmlformats.org/drawingml/2006/table">
+            <a:tbl>
+              <a:tblPr firstRow="1" bandRow="1">
+                <a:tableStyleId>{5C22544A-7EE6-4342-B048-85BDC9FD1C3A}</a:tableStyleId>
+              </a:tblPr>
+              <a:tblGrid>
+                <a:gridCol w="2709333">
+                  <a:extLst>
+                    <a:ext uri="{9D8B030D-6E8A-4147-A177-3AD203B41FA5}">
+                      <a16:colId xmlns:a16="http://schemas.microsoft.com/office/drawing/2014/main" val="654597449"/>
+                    </a:ext>
+                  </a:extLst>
+                </a:gridCol>
+                <a:gridCol w="2709333">
+                  <a:extLst>
+                    <a:ext uri="{9D8B030D-6E8A-4147-A177-3AD203B41FA5}">
+                      <a16:colId xmlns:a16="http://schemas.microsoft.com/office/drawing/2014/main" val="1322954820"/>
+                    </a:ext>
+                  </a:extLst>
+                </a:gridCol>
+                <a:gridCol w="3583094">
+                  <a:extLst>
+                    <a:ext uri="{9D8B030D-6E8A-4147-A177-3AD203B41FA5}">
+                      <a16:colId xmlns:a16="http://schemas.microsoft.com/office/drawing/2014/main" val="3787036729"/>
+                    </a:ext>
+                  </a:extLst>
+                </a:gridCol>
+              </a:tblGrid>
+              <a:tr h="370840">
+                <a:tc>
+                  <a:txBody>
+                    <a:bodyPr/>
+                    <a:lstStyle/>
+                    <a:p>
+                      <a:r>
+                        <a:rPr lang="zh-CN" altLang="en-US" dirty="0"/>
+                        <a:t>模型</a:t>
+                      </a:r>
+                    </a:p>
+                  </a:txBody>
+                  <a:tcPr/>
+                </a:tc>
+                <a:tc>
+                  <a:txBody>
+                    <a:bodyPr/>
+                    <a:lstStyle/>
+                    <a:p>
+                      <a:r>
+                        <a:rPr lang="zh-CN" altLang="en-US" dirty="0"/>
+                        <a:t>皮尔逊系数</a:t>
+                      </a:r>
+                      <a:r>
+                        <a:rPr lang="en-US" altLang="zh-CN" dirty="0"/>
+                        <a:t>(Pearson)</a:t>
+                      </a:r>
+                      <a:endParaRPr lang="zh-CN" altLang="en-US" dirty="0"/>
+                    </a:p>
+                  </a:txBody>
+                  <a:tcPr/>
+                </a:tc>
+                <a:tc>
+                  <a:txBody>
+                    <a:bodyPr/>
+                    <a:lstStyle/>
+                    <a:p>
+                      <a:r>
+                        <a:rPr lang="zh-CN" altLang="en-US" dirty="0"/>
+                        <a:t>斯皮尔曼等级系数</a:t>
+                      </a:r>
+                      <a:r>
+                        <a:rPr lang="en-US" altLang="zh-CN" dirty="0"/>
+                        <a:t>(Spearman)</a:t>
+                      </a:r>
+                      <a:endParaRPr lang="zh-CN" altLang="en-US" dirty="0"/>
+                    </a:p>
+                  </a:txBody>
+                  <a:tcPr/>
+                </a:tc>
+                <a:extLst>
+                  <a:ext uri="{0D108BD9-81ED-4DB2-BD59-A6C34878D82A}">
+                    <a16:rowId xmlns:a16="http://schemas.microsoft.com/office/drawing/2014/main" val="3487242806"/>
+                  </a:ext>
+                </a:extLst>
+              </a:tr>
+              <a:tr h="370840">
+                <a:tc>
+                  <a:txBody>
+                    <a:bodyPr/>
+                    <a:lstStyle/>
+                    <a:p>
+                      <a:r>
+                        <a:rPr lang="en-US" altLang="zh-CN" dirty="0" err="1"/>
+                        <a:t>chinese-roberta-wwm</a:t>
+                      </a:r>
+                      <a:endParaRPr lang="zh-CN" altLang="en-US" dirty="0"/>
+                    </a:p>
+                  </a:txBody>
+                  <a:tcPr>
+                    <a:solidFill>
+                      <a:schemeClr val="accent2">
+                        <a:lumMod val="20000"/>
+                        <a:lumOff val="80000"/>
+                      </a:schemeClr>
+                    </a:solidFill>
+                  </a:tcPr>
+                </a:tc>
+                <a:tc>
+                  <a:txBody>
+                    <a:bodyPr/>
+                    <a:lstStyle/>
+                    <a:p>
+                      <a:r>
+                        <a:rPr lang="en-US" altLang="zh-CN" dirty="0"/>
+                        <a:t>0.6641</a:t>
+                      </a:r>
+                      <a:endParaRPr lang="zh-CN" altLang="en-US" dirty="0"/>
+                    </a:p>
+                  </a:txBody>
+                  <a:tcPr>
+                    <a:solidFill>
+                      <a:schemeClr val="accent2">
+                        <a:lumMod val="20000"/>
+                        <a:lumOff val="80000"/>
+                      </a:schemeClr>
+                    </a:solidFill>
+                  </a:tcPr>
+                </a:tc>
+                <a:tc>
+                  <a:txBody>
+                    <a:bodyPr/>
+                    <a:lstStyle/>
+                    <a:p>
+                      <a:r>
+                        <a:rPr lang="en-US" altLang="zh-CN" dirty="0"/>
+                        <a:t>0.6808</a:t>
+                      </a:r>
+                      <a:endParaRPr lang="zh-CN" altLang="en-US" dirty="0"/>
+                    </a:p>
+                  </a:txBody>
+                  <a:tcPr>
+                    <a:solidFill>
+                      <a:schemeClr val="accent2">
+                        <a:lumMod val="20000"/>
+                        <a:lumOff val="80000"/>
+                      </a:schemeClr>
+                    </a:solidFill>
+                  </a:tcPr>
+                </a:tc>
+                <a:extLst>
+                  <a:ext uri="{0D108BD9-81ED-4DB2-BD59-A6C34878D82A}">
+                    <a16:rowId xmlns:a16="http://schemas.microsoft.com/office/drawing/2014/main" val="2338810451"/>
+                  </a:ext>
+                </a:extLst>
+              </a:tr>
+              <a:tr h="370840">
+                <a:tc>
+                  <a:txBody>
+                    <a:bodyPr/>
+                    <a:lstStyle/>
+                    <a:p>
+                      <a:r>
+                        <a:rPr lang="en-US" altLang="zh-CN" dirty="0" err="1"/>
+                        <a:t>SimCSE</a:t>
+                      </a:r>
+                      <a:endParaRPr lang="zh-CN" altLang="en-US" dirty="0"/>
+                    </a:p>
+                  </a:txBody>
+                  <a:tcPr>
+                    <a:solidFill>
+                      <a:schemeClr val="accent3">
+                        <a:lumMod val="60000"/>
+                        <a:lumOff val="40000"/>
+                      </a:schemeClr>
+                    </a:solidFill>
+                  </a:tcPr>
+                </a:tc>
+                <a:tc>
+                  <a:txBody>
+                    <a:bodyPr/>
+                    <a:lstStyle/>
+                    <a:p>
+                      <a:r>
+                        <a:rPr lang="en-US" altLang="zh-CN" dirty="0"/>
+                        <a:t>0.7585</a:t>
+                      </a:r>
+                      <a:endParaRPr lang="zh-CN" altLang="en-US" dirty="0"/>
+                    </a:p>
+                  </a:txBody>
+                  <a:tcPr>
+                    <a:solidFill>
+                      <a:schemeClr val="accent3">
+                        <a:lumMod val="60000"/>
+                        <a:lumOff val="40000"/>
+                      </a:schemeClr>
+                    </a:solidFill>
+                  </a:tcPr>
+                </a:tc>
+                <a:tc>
+                  <a:txBody>
+                    <a:bodyPr/>
+                    <a:lstStyle/>
+                    <a:p>
+                      <a:r>
+                        <a:rPr lang="en-US" altLang="zh-CN" dirty="0"/>
+                        <a:t>0.7632</a:t>
+                      </a:r>
+                      <a:endParaRPr lang="zh-CN" altLang="en-US" dirty="0"/>
+                    </a:p>
+                  </a:txBody>
+                  <a:tcPr>
+                    <a:solidFill>
+                      <a:schemeClr val="accent3">
+                        <a:lumMod val="60000"/>
+                        <a:lumOff val="40000"/>
+                      </a:schemeClr>
+                    </a:solidFill>
+                  </a:tcPr>
+                </a:tc>
+                <a:extLst>
+                  <a:ext uri="{0D108BD9-81ED-4DB2-BD59-A6C34878D82A}">
+                    <a16:rowId xmlns:a16="http://schemas.microsoft.com/office/drawing/2014/main" val="3021426463"/>
+                  </a:ext>
+                </a:extLst>
+              </a:tr>
+              <a:tr h="370840">
+                <a:tc>
+                  <a:txBody>
+                    <a:bodyPr/>
+                    <a:lstStyle/>
+                    <a:p>
+                      <a:r>
+                        <a:rPr lang="en-US" altLang="zh-CN" dirty="0" err="1"/>
+                        <a:t>ConSERT</a:t>
+                      </a:r>
+                      <a:r>
+                        <a:rPr lang="en-US" altLang="zh-CN" dirty="0"/>
+                        <a:t>(</a:t>
+                      </a:r>
+                      <a:r>
+                        <a:rPr lang="zh-CN" altLang="en-US" dirty="0"/>
+                        <a:t>关闭</a:t>
+                      </a:r>
+                      <a:r>
+                        <a:rPr lang="en-US" altLang="zh-CN" dirty="0"/>
+                        <a:t>dropout)</a:t>
+                      </a:r>
+                      <a:endParaRPr lang="zh-CN" altLang="en-US" dirty="0"/>
+                    </a:p>
+                  </a:txBody>
+                  <a:tcPr>
+                    <a:solidFill>
+                      <a:schemeClr val="accent5">
+                        <a:lumMod val="60000"/>
+                        <a:lumOff val="40000"/>
+                      </a:schemeClr>
+                    </a:solidFill>
+                  </a:tcPr>
+                </a:tc>
+                <a:tc>
+                  <a:txBody>
+                    <a:bodyPr/>
+                    <a:lstStyle/>
+                    <a:p>
+                      <a:r>
+                        <a:rPr lang="en-US" altLang="zh-CN" dirty="0"/>
+                        <a:t>0.7792</a:t>
+                      </a:r>
+                      <a:endParaRPr lang="zh-CN" altLang="en-US" dirty="0"/>
+                    </a:p>
+                  </a:txBody>
+                  <a:tcPr>
+                    <a:solidFill>
+                      <a:schemeClr val="accent5">
+                        <a:lumMod val="60000"/>
+                        <a:lumOff val="40000"/>
+                      </a:schemeClr>
+                    </a:solidFill>
+                  </a:tcPr>
+                </a:tc>
+                <a:tc>
+                  <a:txBody>
+                    <a:bodyPr/>
+                    <a:lstStyle/>
+                    <a:p>
+                      <a:r>
+                        <a:rPr lang="en-US" altLang="zh-CN" dirty="0"/>
+                        <a:t>0.7808</a:t>
+                      </a:r>
+                      <a:endParaRPr lang="zh-CN" altLang="en-US" dirty="0"/>
+                    </a:p>
+                  </a:txBody>
+                  <a:tcPr>
+                    <a:solidFill>
+                      <a:schemeClr val="accent5">
+                        <a:lumMod val="60000"/>
+                        <a:lumOff val="40000"/>
+                      </a:schemeClr>
+                    </a:solidFill>
+                  </a:tcPr>
+                </a:tc>
+                <a:extLst>
+                  <a:ext uri="{0D108BD9-81ED-4DB2-BD59-A6C34878D82A}">
+                    <a16:rowId xmlns:a16="http://schemas.microsoft.com/office/drawing/2014/main" val="1335318417"/>
+                  </a:ext>
+                </a:extLst>
+              </a:tr>
+              <a:tr h="370840">
+                <a:tc>
+                  <a:txBody>
+                    <a:bodyPr/>
+                    <a:lstStyle/>
+                    <a:p>
+                      <a:r>
+                        <a:rPr lang="en-US" altLang="zh-CN" dirty="0" err="1"/>
+                        <a:t>ConSERT</a:t>
+                      </a:r>
+                      <a:r>
+                        <a:rPr lang="en-US" altLang="zh-CN" dirty="0"/>
+                        <a:t>(</a:t>
+                      </a:r>
+                      <a:r>
+                        <a:rPr lang="zh-CN" altLang="en-US" dirty="0"/>
+                        <a:t>不关闭</a:t>
+                      </a:r>
+                      <a:r>
+                        <a:rPr lang="en-US" altLang="zh-CN" dirty="0"/>
+                        <a:t>dropout)</a:t>
+                      </a:r>
+                      <a:endParaRPr lang="zh-CN" altLang="en-US" dirty="0"/>
+                    </a:p>
+                  </a:txBody>
+                  <a:tcPr>
+                    <a:solidFill>
+                      <a:schemeClr val="accent5">
+                        <a:lumMod val="60000"/>
+                        <a:lumOff val="40000"/>
+                      </a:schemeClr>
+                    </a:solidFill>
+                  </a:tcPr>
+                </a:tc>
+                <a:tc>
+                  <a:txBody>
+                    <a:bodyPr/>
+                    <a:lstStyle/>
+                    <a:p>
+                      <a:r>
+                        <a:rPr lang="en-US" altLang="zh-CN" dirty="0"/>
+                        <a:t>0.7764</a:t>
+                      </a:r>
+                      <a:endParaRPr lang="zh-CN" altLang="en-US" dirty="0"/>
+                    </a:p>
+                  </a:txBody>
+                  <a:tcPr>
+                    <a:solidFill>
+                      <a:schemeClr val="accent5">
+                        <a:lumMod val="60000"/>
+                        <a:lumOff val="40000"/>
+                      </a:schemeClr>
+                    </a:solidFill>
+                  </a:tcPr>
+                </a:tc>
+                <a:tc>
+                  <a:txBody>
+                    <a:bodyPr/>
+                    <a:lstStyle/>
+                    <a:p>
+                      <a:r>
+                        <a:rPr lang="en-US" altLang="zh-CN" dirty="0"/>
+                        <a:t>0.7783</a:t>
+                      </a:r>
+                      <a:endParaRPr lang="zh-CN" altLang="en-US" dirty="0"/>
+                    </a:p>
+                  </a:txBody>
+                  <a:tcPr>
+                    <a:solidFill>
+                      <a:schemeClr val="accent5">
+                        <a:lumMod val="60000"/>
+                        <a:lumOff val="40000"/>
+                      </a:schemeClr>
+                    </a:solidFill>
+                  </a:tcPr>
+                </a:tc>
+                <a:extLst>
+                  <a:ext uri="{0D108BD9-81ED-4DB2-BD59-A6C34878D82A}">
+                    <a16:rowId xmlns:a16="http://schemas.microsoft.com/office/drawing/2014/main" val="2971160845"/>
+                  </a:ext>
+                </a:extLst>
+              </a:tr>
+              <a:tr h="370840">
+                <a:tc>
+                  <a:txBody>
+                    <a:bodyPr/>
+                    <a:lstStyle/>
+                    <a:p>
+                      <a:r>
+                        <a:rPr lang="en-US" altLang="zh-CN" dirty="0" err="1"/>
+                        <a:t>SimCSE+word</a:t>
+                      </a:r>
+                      <a:r>
+                        <a:rPr lang="en-US" altLang="zh-CN" dirty="0"/>
+                        <a:t> repetition</a:t>
+                      </a:r>
+                      <a:endParaRPr lang="zh-CN" altLang="en-US" dirty="0"/>
+                    </a:p>
+                  </a:txBody>
+                  <a:tcPr/>
+                </a:tc>
+                <a:tc>
+                  <a:txBody>
+                    <a:bodyPr/>
+                    <a:lstStyle/>
+                    <a:p>
+                      <a:r>
+                        <a:rPr lang="en-US" altLang="zh-CN" dirty="0"/>
+                        <a:t>0.7754</a:t>
+                      </a:r>
+                      <a:endParaRPr lang="zh-CN" altLang="en-US" dirty="0"/>
+                    </a:p>
+                  </a:txBody>
+                  <a:tcPr/>
+                </a:tc>
+                <a:tc>
+                  <a:txBody>
+                    <a:bodyPr/>
+                    <a:lstStyle/>
+                    <a:p>
+                      <a:r>
+                        <a:rPr lang="en-US" altLang="zh-CN" dirty="0"/>
+                        <a:t>0.7784</a:t>
+                      </a:r>
+                      <a:endParaRPr lang="zh-CN" altLang="en-US" dirty="0"/>
+                    </a:p>
+                  </a:txBody>
+                  <a:tcPr/>
+                </a:tc>
+                <a:extLst>
+                  <a:ext uri="{0D108BD9-81ED-4DB2-BD59-A6C34878D82A}">
+                    <a16:rowId xmlns:a16="http://schemas.microsoft.com/office/drawing/2014/main" val="221015655"/>
+                  </a:ext>
+                </a:extLst>
+              </a:tr>
+              <a:tr h="370840">
+                <a:tc>
+                  <a:txBody>
+                    <a:bodyPr/>
+                    <a:lstStyle/>
+                    <a:p>
+                      <a:r>
+                        <a:rPr lang="en-US" altLang="zh-CN" dirty="0" err="1"/>
+                        <a:t>ESimCSE</a:t>
+                      </a:r>
+                      <a:endParaRPr lang="zh-CN" altLang="en-US" dirty="0"/>
+                    </a:p>
+                  </a:txBody>
+                  <a:tcPr>
+                    <a:solidFill>
+                      <a:schemeClr val="accent2">
+                        <a:lumMod val="60000"/>
+                        <a:lumOff val="40000"/>
+                      </a:schemeClr>
+                    </a:solidFill>
+                  </a:tcPr>
+                </a:tc>
+                <a:tc>
+                  <a:txBody>
+                    <a:bodyPr/>
+                    <a:lstStyle/>
+                    <a:p>
+                      <a:r>
+                        <a:rPr lang="en-US" altLang="zh-CN" dirty="0"/>
+                        <a:t>0.7900</a:t>
+                      </a:r>
+                      <a:endParaRPr lang="zh-CN" altLang="en-US" dirty="0"/>
+                    </a:p>
+                  </a:txBody>
+                  <a:tcPr>
+                    <a:solidFill>
+                      <a:schemeClr val="accent2">
+                        <a:lumMod val="60000"/>
+                        <a:lumOff val="40000"/>
+                      </a:schemeClr>
+                    </a:solidFill>
+                  </a:tcPr>
+                </a:tc>
+                <a:tc>
+                  <a:txBody>
+                    <a:bodyPr/>
+                    <a:lstStyle/>
+                    <a:p>
+                      <a:r>
+                        <a:rPr lang="en-US" altLang="zh-CN" dirty="0">
+                          <a:effectLst/>
+                        </a:rPr>
+                        <a:t>0.7929</a:t>
+                      </a:r>
+                    </a:p>
+                  </a:txBody>
+                  <a:tcPr marL="82550" marR="82550" marT="38100" marB="38100" anchor="ctr">
+                    <a:solidFill>
+                      <a:schemeClr val="accent2">
+                        <a:lumMod val="60000"/>
+                        <a:lumOff val="40000"/>
+                      </a:schemeClr>
+                    </a:solidFill>
+                  </a:tcPr>
+                </a:tc>
+                <a:extLst>
+                  <a:ext uri="{0D108BD9-81ED-4DB2-BD59-A6C34878D82A}">
+                    <a16:rowId xmlns:a16="http://schemas.microsoft.com/office/drawing/2014/main" val="1564880782"/>
+                  </a:ext>
+                </a:extLst>
+              </a:tr>
+            </a:tbl>
+          </a:graphicData>
+        </a:graphic>
+      </p:graphicFrame>
+    </p:spTree>
+    <p:extLst>
+      <p:ext uri="{BB962C8B-B14F-4D97-AF65-F5344CB8AC3E}">
+        <p14:creationId xmlns:p14="http://schemas.microsoft.com/office/powerpoint/2010/main" val="3886104131"/>
+      </p:ext>
+    </p:extLst>
+  </p:cSld>
+  <p:clrMapOvr>
+    <a:masterClrMapping/>
+  </p:clrMapOvr>
+</p:sld>
+</file>
+
+<file path=ppt/slides/slide11.xml><?xml version="1.0" encoding="utf-8"?>
+<p:sld xmlns:a="http://schemas.openxmlformats.org/drawingml/2006/main" xmlns:r="http://schemas.openxmlformats.org/officeDocument/2006/relationships" xmlns:p="http://schemas.openxmlformats.org/presentationml/2006/main">
+  <p:cSld>
+    <p:spTree>
+      <p:nvGrpSpPr>
+        <p:cNvPr id="1" name=""/>
+        <p:cNvGrpSpPr/>
+        <p:nvPr/>
+      </p:nvGrpSpPr>
+      <p:grpSpPr>
+        <a:xfrm>
+          <a:off x="0" y="0"/>
+          <a:ext cx="0" cy="0"/>
+          <a:chOff x="0" y="0"/>
+          <a:chExt cx="0" cy="0"/>
+        </a:xfrm>
+      </p:grpSpPr>
+      <p:pic>
+        <p:nvPicPr>
+          <p:cNvPr id="6" name="Google Shape;159;p34">
+            <a:extLst>
+              <a:ext uri="{FF2B5EF4-FFF2-40B4-BE49-F238E27FC236}">
+                <a16:creationId xmlns:a16="http://schemas.microsoft.com/office/drawing/2014/main" id="{8E8335AB-139D-45B0-A3C4-3B66EC0B839E}"/>
+              </a:ext>
+            </a:extLst>
+          </p:cNvPr>
+          <p:cNvPicPr preferRelativeResize="0"/>
+          <p:nvPr/>
+        </p:nvPicPr>
+        <p:blipFill rotWithShape="1">
+          <a:blip r:embed="rId2">
+            <a:alphaModFix/>
+          </a:blip>
+          <a:srcRect/>
+          <a:stretch/>
+        </p:blipFill>
+        <p:spPr>
+          <a:xfrm flipH="1">
+            <a:off x="0" y="10633"/>
+            <a:ext cx="12188825" cy="6818650"/>
+          </a:xfrm>
+          <a:prstGeom prst="rect">
+            <a:avLst/>
+          </a:prstGeom>
+          <a:noFill/>
+          <a:ln>
+            <a:noFill/>
+          </a:ln>
+        </p:spPr>
+      </p:pic>
+      <p:graphicFrame>
+        <p:nvGraphicFramePr>
+          <p:cNvPr id="4" name="表格 3">
+            <a:extLst>
+              <a:ext uri="{FF2B5EF4-FFF2-40B4-BE49-F238E27FC236}">
+                <a16:creationId xmlns:a16="http://schemas.microsoft.com/office/drawing/2014/main" id="{CA0E3234-015C-4AC8-B6DE-CF78FC8C1DDD}"/>
+              </a:ext>
+            </a:extLst>
+          </p:cNvPr>
+          <p:cNvGraphicFramePr>
+            <a:graphicFrameLocks noGrp="1"/>
+          </p:cNvGraphicFramePr>
+          <p:nvPr>
+            <p:extLst/>
+          </p:nvPr>
+        </p:nvGraphicFramePr>
+        <p:xfrm>
+          <a:off x="1239520" y="2131060"/>
+          <a:ext cx="9001760" cy="2598420"/>
+        </p:xfrm>
+        <a:graphic>
+          <a:graphicData uri="http://schemas.openxmlformats.org/drawingml/2006/table">
+            <a:tbl>
+              <a:tblPr firstRow="1" bandRow="1">
+                <a:tableStyleId>{5C22544A-7EE6-4342-B048-85BDC9FD1C3A}</a:tableStyleId>
+              </a:tblPr>
+              <a:tblGrid>
+                <a:gridCol w="2709333">
+                  <a:extLst>
+                    <a:ext uri="{9D8B030D-6E8A-4147-A177-3AD203B41FA5}">
+                      <a16:colId xmlns:a16="http://schemas.microsoft.com/office/drawing/2014/main" val="654597449"/>
+                    </a:ext>
+                  </a:extLst>
+                </a:gridCol>
+                <a:gridCol w="2709333">
+                  <a:extLst>
+                    <a:ext uri="{9D8B030D-6E8A-4147-A177-3AD203B41FA5}">
+                      <a16:colId xmlns:a16="http://schemas.microsoft.com/office/drawing/2014/main" val="1322954820"/>
+                    </a:ext>
+                  </a:extLst>
+                </a:gridCol>
+                <a:gridCol w="3583094">
+                  <a:extLst>
+                    <a:ext uri="{9D8B030D-6E8A-4147-A177-3AD203B41FA5}">
+                      <a16:colId xmlns:a16="http://schemas.microsoft.com/office/drawing/2014/main" val="3787036729"/>
+                    </a:ext>
+                  </a:extLst>
+                </a:gridCol>
+              </a:tblGrid>
+              <a:tr h="370840">
+                <a:tc>
+                  <a:txBody>
+                    <a:bodyPr/>
+                    <a:lstStyle/>
+                    <a:p>
+                      <a:r>
+                        <a:rPr lang="zh-CN" altLang="en-US" dirty="0"/>
+                        <a:t>模型</a:t>
+                      </a:r>
+                    </a:p>
+                  </a:txBody>
+                  <a:tcPr/>
+                </a:tc>
+                <a:tc>
+                  <a:txBody>
+                    <a:bodyPr/>
+                    <a:lstStyle/>
+                    <a:p>
+                      <a:r>
+                        <a:rPr lang="zh-CN" altLang="en-US" dirty="0"/>
+                        <a:t>皮尔逊系数</a:t>
+                      </a:r>
+                      <a:r>
+                        <a:rPr lang="en-US" altLang="zh-CN" dirty="0"/>
+                        <a:t>(Pearson)</a:t>
+                      </a:r>
+                      <a:endParaRPr lang="zh-CN" altLang="en-US" dirty="0"/>
+                    </a:p>
+                  </a:txBody>
+                  <a:tcPr/>
+                </a:tc>
+                <a:tc>
+                  <a:txBody>
+                    <a:bodyPr/>
+                    <a:lstStyle/>
+                    <a:p>
+                      <a:r>
+                        <a:rPr lang="zh-CN" altLang="en-US" dirty="0"/>
+                        <a:t>斯皮尔曼等级系数</a:t>
+                      </a:r>
+                      <a:r>
+                        <a:rPr lang="en-US" altLang="zh-CN" dirty="0"/>
+                        <a:t>(Spearman)</a:t>
+                      </a:r>
+                      <a:endParaRPr lang="zh-CN" altLang="en-US" dirty="0"/>
+                    </a:p>
+                  </a:txBody>
+                  <a:tcPr/>
+                </a:tc>
+                <a:extLst>
+                  <a:ext uri="{0D108BD9-81ED-4DB2-BD59-A6C34878D82A}">
+                    <a16:rowId xmlns:a16="http://schemas.microsoft.com/office/drawing/2014/main" val="3487242806"/>
+                  </a:ext>
+                </a:extLst>
+              </a:tr>
+              <a:tr h="373380">
+                <a:tc>
+                  <a:txBody>
+                    <a:bodyPr/>
+                    <a:lstStyle/>
+                    <a:p>
+                      <a:r>
+                        <a:rPr lang="en-US" altLang="zh-CN" dirty="0" err="1"/>
+                        <a:t>chinese-roberta-wwm</a:t>
+                      </a:r>
+                      <a:endParaRPr lang="zh-CN" altLang="en-US" dirty="0"/>
+                    </a:p>
+                  </a:txBody>
+                  <a:tcPr>
+                    <a:solidFill>
+                      <a:schemeClr val="accent2">
+                        <a:lumMod val="20000"/>
+                        <a:lumOff val="80000"/>
+                      </a:schemeClr>
+                    </a:solidFill>
+                  </a:tcPr>
+                </a:tc>
+                <a:tc>
+                  <a:txBody>
+                    <a:bodyPr/>
+                    <a:lstStyle/>
+                    <a:p>
+                      <a:r>
+                        <a:rPr lang="en-US" altLang="zh-CN" dirty="0"/>
+                        <a:t>0.6641</a:t>
+                      </a:r>
+                      <a:endParaRPr lang="zh-CN" altLang="en-US" dirty="0"/>
+                    </a:p>
+                  </a:txBody>
+                  <a:tcPr>
+                    <a:solidFill>
+                      <a:schemeClr val="accent2">
+                        <a:lumMod val="20000"/>
+                        <a:lumOff val="80000"/>
+                      </a:schemeClr>
+                    </a:solidFill>
+                  </a:tcPr>
+                </a:tc>
+                <a:tc>
+                  <a:txBody>
+                    <a:bodyPr/>
+                    <a:lstStyle/>
+                    <a:p>
+                      <a:r>
+                        <a:rPr lang="en-US" altLang="zh-CN" dirty="0"/>
+                        <a:t>0.6808</a:t>
+                      </a:r>
+                      <a:endParaRPr lang="zh-CN" altLang="en-US" dirty="0"/>
+                    </a:p>
+                  </a:txBody>
+                  <a:tcPr>
+                    <a:solidFill>
+                      <a:schemeClr val="accent2">
+                        <a:lumMod val="20000"/>
+                        <a:lumOff val="80000"/>
+                      </a:schemeClr>
+                    </a:solidFill>
+                  </a:tcPr>
+                </a:tc>
+                <a:extLst>
+                  <a:ext uri="{0D108BD9-81ED-4DB2-BD59-A6C34878D82A}">
+                    <a16:rowId xmlns:a16="http://schemas.microsoft.com/office/drawing/2014/main" val="2338810451"/>
+                  </a:ext>
+                </a:extLst>
+              </a:tr>
+              <a:tr h="370840">
+                <a:tc>
+                  <a:txBody>
+                    <a:bodyPr/>
+                    <a:lstStyle/>
+                    <a:p>
+                      <a:r>
+                        <a:rPr lang="en-US" altLang="zh-CN" dirty="0" err="1"/>
+                        <a:t>SimCSE</a:t>
+                      </a:r>
+                      <a:endParaRPr lang="zh-CN" altLang="en-US" dirty="0"/>
+                    </a:p>
+                  </a:txBody>
+                  <a:tcPr>
+                    <a:solidFill>
+                      <a:schemeClr val="accent3">
+                        <a:lumMod val="60000"/>
+                        <a:lumOff val="40000"/>
+                      </a:schemeClr>
+                    </a:solidFill>
+                  </a:tcPr>
+                </a:tc>
+                <a:tc>
+                  <a:txBody>
+                    <a:bodyPr/>
+                    <a:lstStyle/>
+                    <a:p>
+                      <a:r>
+                        <a:rPr lang="en-US" altLang="zh-CN" dirty="0"/>
+                        <a:t>0.7585</a:t>
+                      </a:r>
+                      <a:endParaRPr lang="zh-CN" altLang="en-US" dirty="0"/>
+                    </a:p>
+                  </a:txBody>
+                  <a:tcPr>
+                    <a:solidFill>
+                      <a:schemeClr val="accent3">
+                        <a:lumMod val="60000"/>
+                        <a:lumOff val="40000"/>
+                      </a:schemeClr>
+                    </a:solidFill>
+                  </a:tcPr>
+                </a:tc>
+                <a:tc>
+                  <a:txBody>
+                    <a:bodyPr/>
+                    <a:lstStyle/>
+                    <a:p>
+                      <a:r>
+                        <a:rPr lang="en-US" altLang="zh-CN" dirty="0"/>
+                        <a:t>0.7632</a:t>
+                      </a:r>
+                      <a:endParaRPr lang="zh-CN" altLang="en-US" dirty="0"/>
+                    </a:p>
+                  </a:txBody>
+                  <a:tcPr>
+                    <a:solidFill>
+                      <a:schemeClr val="accent3">
+                        <a:lumMod val="60000"/>
+                        <a:lumOff val="40000"/>
+                      </a:schemeClr>
+                    </a:solidFill>
+                  </a:tcPr>
+                </a:tc>
+                <a:extLst>
+                  <a:ext uri="{0D108BD9-81ED-4DB2-BD59-A6C34878D82A}">
+                    <a16:rowId xmlns:a16="http://schemas.microsoft.com/office/drawing/2014/main" val="3021426463"/>
+                  </a:ext>
+                </a:extLst>
+              </a:tr>
+              <a:tr h="370840">
+                <a:tc>
+                  <a:txBody>
+                    <a:bodyPr/>
+                    <a:lstStyle/>
+                    <a:p>
+                      <a:r>
+                        <a:rPr lang="en-US" altLang="zh-CN" dirty="0" err="1"/>
+                        <a:t>ConSERT</a:t>
+                      </a:r>
+                      <a:r>
+                        <a:rPr lang="en-US" altLang="zh-CN" dirty="0"/>
+                        <a:t>(</a:t>
+                      </a:r>
+                      <a:r>
+                        <a:rPr lang="zh-CN" altLang="en-US" dirty="0"/>
+                        <a:t>关闭</a:t>
+                      </a:r>
+                      <a:r>
+                        <a:rPr lang="en-US" altLang="zh-CN" dirty="0"/>
+                        <a:t>dropout)</a:t>
+                      </a:r>
+                      <a:endParaRPr lang="zh-CN" altLang="en-US" dirty="0"/>
+                    </a:p>
+                  </a:txBody>
+                  <a:tcPr>
+                    <a:solidFill>
+                      <a:schemeClr val="accent5">
+                        <a:lumMod val="60000"/>
+                        <a:lumOff val="40000"/>
+                      </a:schemeClr>
+                    </a:solidFill>
+                  </a:tcPr>
+                </a:tc>
+                <a:tc>
+                  <a:txBody>
+                    <a:bodyPr/>
+                    <a:lstStyle/>
+                    <a:p>
+                      <a:r>
+                        <a:rPr lang="en-US" altLang="zh-CN" dirty="0"/>
+                        <a:t>0.7792</a:t>
+                      </a:r>
+                      <a:endParaRPr lang="zh-CN" altLang="en-US" dirty="0"/>
+                    </a:p>
+                  </a:txBody>
+                  <a:tcPr>
+                    <a:solidFill>
+                      <a:schemeClr val="accent5">
+                        <a:lumMod val="60000"/>
+                        <a:lumOff val="40000"/>
+                      </a:schemeClr>
+                    </a:solidFill>
+                  </a:tcPr>
+                </a:tc>
+                <a:tc>
+                  <a:txBody>
+                    <a:bodyPr/>
+                    <a:lstStyle/>
+                    <a:p>
+                      <a:r>
+                        <a:rPr lang="en-US" altLang="zh-CN" dirty="0"/>
+                        <a:t>0.7808</a:t>
+                      </a:r>
+                      <a:endParaRPr lang="zh-CN" altLang="en-US" dirty="0"/>
+                    </a:p>
+                  </a:txBody>
+                  <a:tcPr>
+                    <a:solidFill>
+                      <a:schemeClr val="accent5">
+                        <a:lumMod val="60000"/>
+                        <a:lumOff val="40000"/>
+                      </a:schemeClr>
+                    </a:solidFill>
+                  </a:tcPr>
+                </a:tc>
+                <a:extLst>
+                  <a:ext uri="{0D108BD9-81ED-4DB2-BD59-A6C34878D82A}">
+                    <a16:rowId xmlns:a16="http://schemas.microsoft.com/office/drawing/2014/main" val="1335318417"/>
+                  </a:ext>
+                </a:extLst>
+              </a:tr>
+              <a:tr h="370840">
+                <a:tc>
+                  <a:txBody>
+                    <a:bodyPr/>
+                    <a:lstStyle/>
+                    <a:p>
+                      <a:r>
+                        <a:rPr lang="en-US" altLang="zh-CN" dirty="0" err="1"/>
+                        <a:t>ConSERT</a:t>
+                      </a:r>
+                      <a:r>
+                        <a:rPr lang="en-US" altLang="zh-CN" dirty="0"/>
+                        <a:t>(</a:t>
+                      </a:r>
+                      <a:r>
+                        <a:rPr lang="zh-CN" altLang="en-US" dirty="0"/>
+                        <a:t>不关闭</a:t>
+                      </a:r>
+                      <a:r>
+                        <a:rPr lang="en-US" altLang="zh-CN" dirty="0"/>
+                        <a:t>dropout)</a:t>
+                      </a:r>
+                      <a:endParaRPr lang="zh-CN" altLang="en-US" dirty="0"/>
+                    </a:p>
+                  </a:txBody>
+                  <a:tcPr>
+                    <a:solidFill>
+                      <a:schemeClr val="accent5">
+                        <a:lumMod val="60000"/>
+                        <a:lumOff val="40000"/>
+                      </a:schemeClr>
+                    </a:solidFill>
+                  </a:tcPr>
+                </a:tc>
+                <a:tc>
+                  <a:txBody>
+                    <a:bodyPr/>
+                    <a:lstStyle/>
+                    <a:p>
+                      <a:r>
+                        <a:rPr lang="en-US" altLang="zh-CN" dirty="0"/>
+                        <a:t>0.7764</a:t>
+                      </a:r>
+                      <a:endParaRPr lang="zh-CN" altLang="en-US" dirty="0"/>
+                    </a:p>
+                  </a:txBody>
+                  <a:tcPr>
+                    <a:solidFill>
+                      <a:schemeClr val="accent5">
+                        <a:lumMod val="60000"/>
+                        <a:lumOff val="40000"/>
+                      </a:schemeClr>
+                    </a:solidFill>
+                  </a:tcPr>
+                </a:tc>
+                <a:tc>
+                  <a:txBody>
+                    <a:bodyPr/>
+                    <a:lstStyle/>
+                    <a:p>
+                      <a:r>
+                        <a:rPr lang="en-US" altLang="zh-CN" dirty="0"/>
+                        <a:t>0.7783</a:t>
+                      </a:r>
+                      <a:endParaRPr lang="zh-CN" altLang="en-US" dirty="0"/>
+                    </a:p>
+                  </a:txBody>
+                  <a:tcPr>
+                    <a:solidFill>
+                      <a:schemeClr val="accent5">
+                        <a:lumMod val="60000"/>
+                        <a:lumOff val="40000"/>
+                      </a:schemeClr>
+                    </a:solidFill>
+                  </a:tcPr>
+                </a:tc>
+                <a:extLst>
+                  <a:ext uri="{0D108BD9-81ED-4DB2-BD59-A6C34878D82A}">
+                    <a16:rowId xmlns:a16="http://schemas.microsoft.com/office/drawing/2014/main" val="2971160845"/>
+                  </a:ext>
+                </a:extLst>
+              </a:tr>
+              <a:tr h="370840">
+                <a:tc>
+                  <a:txBody>
+                    <a:bodyPr/>
+                    <a:lstStyle/>
+                    <a:p>
+                      <a:r>
+                        <a:rPr lang="en-US" altLang="zh-CN" dirty="0" err="1"/>
+                        <a:t>SimCSE+word</a:t>
+                      </a:r>
+                      <a:r>
+                        <a:rPr lang="en-US" altLang="zh-CN" dirty="0"/>
+                        <a:t> repetition</a:t>
+                      </a:r>
+                      <a:endParaRPr lang="zh-CN" altLang="en-US" dirty="0"/>
+                    </a:p>
+                  </a:txBody>
+                  <a:tcPr/>
+                </a:tc>
+                <a:tc>
+                  <a:txBody>
+                    <a:bodyPr/>
+                    <a:lstStyle/>
+                    <a:p>
+                      <a:r>
+                        <a:rPr lang="en-US" altLang="zh-CN" dirty="0"/>
+                        <a:t>0.7754</a:t>
+                      </a:r>
+                      <a:endParaRPr lang="zh-CN" altLang="en-US" dirty="0"/>
+                    </a:p>
+                  </a:txBody>
+                  <a:tcPr/>
+                </a:tc>
+                <a:tc>
+                  <a:txBody>
+                    <a:bodyPr/>
+                    <a:lstStyle/>
+                    <a:p>
+                      <a:r>
+                        <a:rPr lang="en-US" altLang="zh-CN" dirty="0"/>
+                        <a:t>0.7784</a:t>
+                      </a:r>
+                      <a:endParaRPr lang="zh-CN" altLang="en-US" dirty="0"/>
+                    </a:p>
+                  </a:txBody>
+                  <a:tcPr/>
+                </a:tc>
+                <a:extLst>
+                  <a:ext uri="{0D108BD9-81ED-4DB2-BD59-A6C34878D82A}">
+                    <a16:rowId xmlns:a16="http://schemas.microsoft.com/office/drawing/2014/main" val="221015655"/>
+                  </a:ext>
+                </a:extLst>
+              </a:tr>
+              <a:tr h="370840">
+                <a:tc>
+                  <a:txBody>
+                    <a:bodyPr/>
+                    <a:lstStyle/>
+                    <a:p>
+                      <a:r>
+                        <a:rPr lang="en-US" altLang="zh-CN" dirty="0" err="1"/>
+                        <a:t>ESimCSE</a:t>
+                      </a:r>
+                      <a:endParaRPr lang="zh-CN" altLang="en-US" dirty="0"/>
+                    </a:p>
+                  </a:txBody>
+                  <a:tcPr>
+                    <a:solidFill>
+                      <a:schemeClr val="accent2">
+                        <a:lumMod val="60000"/>
+                        <a:lumOff val="40000"/>
+                      </a:schemeClr>
+                    </a:solidFill>
+                  </a:tcPr>
+                </a:tc>
+                <a:tc>
+                  <a:txBody>
+                    <a:bodyPr/>
+                    <a:lstStyle/>
+                    <a:p>
+                      <a:r>
+                        <a:rPr lang="en-US" altLang="zh-CN" dirty="0"/>
+                        <a:t>0.7900</a:t>
+                      </a:r>
+                      <a:endParaRPr lang="zh-CN" altLang="en-US" dirty="0"/>
+                    </a:p>
+                  </a:txBody>
+                  <a:tcPr>
+                    <a:solidFill>
+                      <a:schemeClr val="accent2">
+                        <a:lumMod val="60000"/>
+                        <a:lumOff val="40000"/>
+                      </a:schemeClr>
+                    </a:solidFill>
+                  </a:tcPr>
+                </a:tc>
+                <a:tc>
+                  <a:txBody>
+                    <a:bodyPr/>
+                    <a:lstStyle/>
+                    <a:p>
+                      <a:r>
+                        <a:rPr lang="en-US" altLang="zh-CN" dirty="0">
+                          <a:effectLst/>
+                        </a:rPr>
+                        <a:t>0.7929</a:t>
+                      </a:r>
+                    </a:p>
+                  </a:txBody>
+                  <a:tcPr marL="82550" marR="82550" marT="38100" marB="38100" anchor="ctr">
+                    <a:solidFill>
+                      <a:schemeClr val="accent2">
+                        <a:lumMod val="60000"/>
+                        <a:lumOff val="40000"/>
+                      </a:schemeClr>
+                    </a:solidFill>
+                  </a:tcPr>
+                </a:tc>
+                <a:extLst>
+                  <a:ext uri="{0D108BD9-81ED-4DB2-BD59-A6C34878D82A}">
+                    <a16:rowId xmlns:a16="http://schemas.microsoft.com/office/drawing/2014/main" val="1564880782"/>
+                  </a:ext>
+                </a:extLst>
+              </a:tr>
+            </a:tbl>
+          </a:graphicData>
+        </a:graphic>
+      </p:graphicFrame>
+      <p:sp>
+        <p:nvSpPr>
+          <p:cNvPr id="3" name="矩形 2">
+            <a:extLst>
+              <a:ext uri="{FF2B5EF4-FFF2-40B4-BE49-F238E27FC236}">
+                <a16:creationId xmlns:a16="http://schemas.microsoft.com/office/drawing/2014/main" id="{43CDAD31-2386-4AA9-BDBC-8196114EA955}"/>
+              </a:ext>
+            </a:extLst>
+          </p:cNvPr>
+          <p:cNvSpPr/>
+          <p:nvPr/>
+        </p:nvSpPr>
+        <p:spPr>
+          <a:xfrm>
+            <a:off x="1239520" y="2479040"/>
+            <a:ext cx="8966200" cy="386080"/>
+          </a:xfrm>
+          <a:prstGeom prst="rect">
+            <a:avLst/>
+          </a:prstGeom>
+          <a:noFill/>
+          <a:ln w="28575">
+            <a:solidFill>
+              <a:srgbClr val="FF0000"/>
+            </a:solidFill>
+          </a:ln>
+        </p:spPr>
+        <p:style>
+          <a:lnRef idx="2">
+            <a:schemeClr val="accent1">
+              <a:shade val="50000"/>
+            </a:schemeClr>
+          </a:lnRef>
+          <a:fillRef idx="1">
+            <a:schemeClr val="accent1"/>
+          </a:fillRef>
+          <a:effectRef idx="0">
+            <a:schemeClr val="accent1"/>
+          </a:effectRef>
+          <a:fontRef idx="minor">
+            <a:schemeClr val="lt1"/>
+          </a:fontRef>
+        </p:style>
+        <p:txBody>
+          <a:bodyPr rtlCol="0" anchor="ctr"/>
+          <a:lstStyle/>
+          <a:p>
+            <a:pPr algn="ctr"/>
+            <a:endParaRPr lang="zh-CN" altLang="en-US"/>
+          </a:p>
+        </p:txBody>
+      </p:sp>
+      <p:sp>
+        <p:nvSpPr>
+          <p:cNvPr id="5" name="矩形 4">
+            <a:extLst>
+              <a:ext uri="{FF2B5EF4-FFF2-40B4-BE49-F238E27FC236}">
+                <a16:creationId xmlns:a16="http://schemas.microsoft.com/office/drawing/2014/main" id="{7C458798-F658-4A49-B7A4-90C7FCDE31AC}"/>
+              </a:ext>
+            </a:extLst>
+          </p:cNvPr>
+          <p:cNvSpPr/>
+          <p:nvPr/>
+        </p:nvSpPr>
+        <p:spPr>
+          <a:xfrm>
+            <a:off x="1239520" y="2865120"/>
+            <a:ext cx="9001760" cy="1864360"/>
+          </a:xfrm>
+          <a:prstGeom prst="rect">
+            <a:avLst/>
+          </a:prstGeom>
+          <a:solidFill>
+            <a:schemeClr val="tx1">
+              <a:lumMod val="95000"/>
+              <a:lumOff val="5000"/>
+              <a:alpha val="50000"/>
+            </a:schemeClr>
+          </a:solidFill>
+          <a:ln>
+            <a:noFill/>
+          </a:ln>
+        </p:spPr>
+        <p:style>
+          <a:lnRef idx="0">
+            <a:scrgbClr r="0" g="0" b="0"/>
+          </a:lnRef>
+          <a:fillRef idx="0">
+            <a:scrgbClr r="0" g="0" b="0"/>
+          </a:fillRef>
+          <a:effectRef idx="0">
+            <a:scrgbClr r="0" g="0" b="0"/>
+          </a:effectRef>
+          <a:fontRef idx="minor">
+            <a:schemeClr val="lt1"/>
+          </a:fontRef>
+        </p:style>
+        <p:txBody>
+          <a:bodyPr rtlCol="0" anchor="ctr"/>
+          <a:lstStyle/>
+          <a:p>
+            <a:pPr algn="ctr"/>
+            <a:endParaRPr lang="zh-CN" altLang="en-US"/>
+          </a:p>
+        </p:txBody>
+      </p:sp>
+      <p:sp>
+        <p:nvSpPr>
+          <p:cNvPr id="2" name="文本框 1">
+            <a:extLst>
+              <a:ext uri="{FF2B5EF4-FFF2-40B4-BE49-F238E27FC236}">
+                <a16:creationId xmlns:a16="http://schemas.microsoft.com/office/drawing/2014/main" id="{BB233B37-814A-49B1-9ED2-755B7358C81D}"/>
+              </a:ext>
+            </a:extLst>
+          </p:cNvPr>
+          <p:cNvSpPr txBox="1"/>
+          <p:nvPr/>
+        </p:nvSpPr>
+        <p:spPr>
+          <a:xfrm>
+            <a:off x="10307320" y="2479040"/>
+            <a:ext cx="1524000" cy="369332"/>
+          </a:xfrm>
+          <a:prstGeom prst="rect">
+            <a:avLst/>
+          </a:prstGeom>
+          <a:noFill/>
+        </p:spPr>
+        <p:txBody>
+          <a:bodyPr wrap="square" rtlCol="0">
+            <a:spAutoFit/>
+          </a:bodyPr>
+          <a:lstStyle/>
+          <a:p>
+            <a:pPr algn="l"/>
+            <a:r>
+              <a:rPr lang="en-US" altLang="zh-CN" dirty="0">
+                <a:solidFill>
+                  <a:srgbClr val="FF0000"/>
+                </a:solidFill>
+                <a:latin typeface="微软雅黑" panose="020B0503020204020204" pitchFamily="34" charset="-122"/>
+                <a:ea typeface="微软雅黑" panose="020B0503020204020204" pitchFamily="34" charset="-122"/>
+              </a:rPr>
+              <a:t>baseline</a:t>
+            </a:r>
+            <a:endParaRPr lang="zh-CN" altLang="en-US" dirty="0">
+              <a:solidFill>
+                <a:srgbClr val="FF0000"/>
+              </a:solidFill>
+              <a:latin typeface="微软雅黑" panose="020B0503020204020204" pitchFamily="34" charset="-122"/>
+              <a:ea typeface="微软雅黑" panose="020B0503020204020204" pitchFamily="34" charset="-122"/>
+            </a:endParaRPr>
+          </a:p>
+        </p:txBody>
+      </p:sp>
+      <p:pic>
+        <p:nvPicPr>
+          <p:cNvPr id="7" name="图片 6">
+            <a:extLst>
+              <a:ext uri="{FF2B5EF4-FFF2-40B4-BE49-F238E27FC236}">
+                <a16:creationId xmlns:a16="http://schemas.microsoft.com/office/drawing/2014/main" id="{DCF2125A-A6D1-417C-885F-D302B5FA0D3F}"/>
+              </a:ext>
+            </a:extLst>
+          </p:cNvPr>
+          <p:cNvPicPr>
+            <a:picLocks noChangeAspect="1"/>
+          </p:cNvPicPr>
+          <p:nvPr/>
+        </p:nvPicPr>
+        <p:blipFill>
+          <a:blip r:embed="rId3"/>
+          <a:stretch>
+            <a:fillRect/>
+          </a:stretch>
+        </p:blipFill>
+        <p:spPr>
+          <a:xfrm>
+            <a:off x="3402418" y="1321816"/>
+            <a:ext cx="3755017" cy="653080"/>
+          </a:xfrm>
+          <a:prstGeom prst="rect">
+            <a:avLst/>
+          </a:prstGeom>
+        </p:spPr>
+      </p:pic>
+      <p:pic>
+        <p:nvPicPr>
+          <p:cNvPr id="8" name="图片 7">
+            <a:extLst>
+              <a:ext uri="{FF2B5EF4-FFF2-40B4-BE49-F238E27FC236}">
+                <a16:creationId xmlns:a16="http://schemas.microsoft.com/office/drawing/2014/main" id="{6F2EAC3D-FA0B-4A7C-B456-17BD5007704B}"/>
+              </a:ext>
+            </a:extLst>
+          </p:cNvPr>
+          <p:cNvPicPr>
+            <a:picLocks noChangeAspect="1"/>
+          </p:cNvPicPr>
+          <p:nvPr/>
+        </p:nvPicPr>
+        <p:blipFill>
+          <a:blip r:embed="rId4"/>
+          <a:stretch>
+            <a:fillRect/>
+          </a:stretch>
+        </p:blipFill>
+        <p:spPr>
+          <a:xfrm>
+            <a:off x="7508295" y="1314587"/>
+            <a:ext cx="2307676" cy="660309"/>
+          </a:xfrm>
+          <a:prstGeom prst="rect">
+            <a:avLst/>
+          </a:prstGeom>
+        </p:spPr>
+      </p:pic>
+      <mc:AlternateContent xmlns:mc="http://schemas.openxmlformats.org/markup-compatibility/2006">
+        <mc:Choice xmlns:a14="http://schemas.microsoft.com/office/drawing/2010/main" Requires="a14">
+          <p:sp>
+            <p:nvSpPr>
+              <p:cNvPr id="9" name="文本框 8">
+                <a:extLst>
+                  <a:ext uri="{FF2B5EF4-FFF2-40B4-BE49-F238E27FC236}">
+                    <a16:creationId xmlns:a16="http://schemas.microsoft.com/office/drawing/2014/main" id="{5D1DEC99-49AD-4EA9-A385-ADE404317D24}"/>
+                  </a:ext>
+                </a:extLst>
+              </p:cNvPr>
+              <p:cNvSpPr txBox="1"/>
+              <p:nvPr/>
+            </p:nvSpPr>
+            <p:spPr>
+              <a:xfrm>
+                <a:off x="2690037" y="5029200"/>
+                <a:ext cx="5358810" cy="830997"/>
+              </a:xfrm>
+              <a:prstGeom prst="rect">
+                <a:avLst/>
+              </a:prstGeom>
+              <a:noFill/>
+            </p:spPr>
+            <p:txBody>
+              <a:bodyPr wrap="square" rtlCol="0">
+                <a:spAutoFit/>
+              </a:bodyPr>
+              <a:lstStyle/>
+              <a:p>
+                <a:pPr algn="l"/>
+                <a14:m>
+                  <m:oMath xmlns:m="http://schemas.openxmlformats.org/officeDocument/2006/math">
+                    <m:sSub>
+                      <m:sSubPr>
+                        <m:ctrlPr>
+                          <a:rPr lang="en-US" altLang="zh-CN" sz="2400" b="0" i="1" smtClean="0">
+                            <a:latin typeface="Cambria Math" panose="02040503050406030204" pitchFamily="18" charset="0"/>
+                            <a:ea typeface="微软雅黑" panose="020B0503020204020204" pitchFamily="34" charset="-122"/>
+                          </a:rPr>
+                        </m:ctrlPr>
+                      </m:sSubPr>
+                      <m:e>
+                        <m:r>
+                          <a:rPr lang="en-US" altLang="zh-CN" sz="2400" b="0" i="1" smtClean="0">
+                            <a:latin typeface="Cambria Math" panose="02040503050406030204" pitchFamily="18" charset="0"/>
+                            <a:ea typeface="微软雅黑" panose="020B0503020204020204" pitchFamily="34" charset="-122"/>
+                          </a:rPr>
+                          <m:t>𝑥</m:t>
+                        </m:r>
+                      </m:e>
+                      <m:sub>
+                        <m:r>
+                          <a:rPr lang="en-US" altLang="zh-CN" sz="2400" b="0" i="1" smtClean="0">
+                            <a:latin typeface="Cambria Math" panose="02040503050406030204" pitchFamily="18" charset="0"/>
+                            <a:ea typeface="微软雅黑" panose="020B0503020204020204" pitchFamily="34" charset="-122"/>
+                          </a:rPr>
+                          <m:t>𝑖</m:t>
+                        </m:r>
+                      </m:sub>
+                    </m:sSub>
+                  </m:oMath>
+                </a14:m>
+                <a:r>
+                  <a:rPr lang="zh-CN" altLang="en-US" sz="2400" dirty="0">
+                    <a:latin typeface="微软雅黑" panose="020B0503020204020204" pitchFamily="34" charset="-122"/>
+                    <a:ea typeface="微软雅黑" panose="020B0503020204020204" pitchFamily="34" charset="-122"/>
+                  </a:rPr>
+                  <a:t>指的是模型预测测试集中第</a:t>
+                </a:r>
+                <a14:m>
+                  <m:oMath xmlns:m="http://schemas.openxmlformats.org/officeDocument/2006/math">
+                    <m:r>
+                      <a:rPr lang="en-US" altLang="zh-CN" sz="2400" b="0" i="1" smtClean="0">
+                        <a:latin typeface="Cambria Math" panose="02040503050406030204" pitchFamily="18" charset="0"/>
+                        <a:ea typeface="微软雅黑" panose="020B0503020204020204" pitchFamily="34" charset="-122"/>
+                      </a:rPr>
+                      <m:t>𝑖</m:t>
+                    </m:r>
+                  </m:oMath>
+                </a14:m>
+                <a:r>
+                  <a:rPr lang="zh-CN" altLang="en-US" sz="2400" dirty="0">
+                    <a:latin typeface="微软雅黑" panose="020B0503020204020204" pitchFamily="34" charset="-122"/>
+                    <a:ea typeface="微软雅黑" panose="020B0503020204020204" pitchFamily="34" charset="-122"/>
+                  </a:rPr>
+                  <a:t>个句子对之间的余弦相似度分数</a:t>
+                </a:r>
+              </a:p>
+            </p:txBody>
+          </p:sp>
+        </mc:Choice>
+        <mc:Fallback>
+          <p:sp>
+            <p:nvSpPr>
+              <p:cNvPr id="9" name="文本框 8">
+                <a:extLst>
+                  <a:ext uri="{FF2B5EF4-FFF2-40B4-BE49-F238E27FC236}">
+                    <a16:creationId xmlns:a16="http://schemas.microsoft.com/office/drawing/2014/main" id="{5D1DEC99-49AD-4EA9-A385-ADE404317D24}"/>
+                  </a:ext>
+                </a:extLst>
+              </p:cNvPr>
+              <p:cNvSpPr txBox="1">
+                <a:spLocks noRot="1" noChangeAspect="1" noMove="1" noResize="1" noEditPoints="1" noAdjustHandles="1" noChangeArrowheads="1" noChangeShapeType="1" noTextEdit="1"/>
+              </p:cNvSpPr>
+              <p:nvPr/>
+            </p:nvSpPr>
+            <p:spPr>
+              <a:xfrm>
+                <a:off x="2690037" y="5029200"/>
+                <a:ext cx="5358810" cy="830997"/>
+              </a:xfrm>
+              <a:prstGeom prst="rect">
+                <a:avLst/>
+              </a:prstGeom>
+              <a:blipFill>
+                <a:blip r:embed="rId5"/>
+                <a:stretch>
+                  <a:fillRect l="-1706" t="-5882" b="-16176"/>
+                </a:stretch>
+              </a:blipFill>
+            </p:spPr>
+            <p:txBody>
+              <a:bodyPr/>
+              <a:lstStyle/>
+              <a:p>
+                <a:r>
+                  <a:rPr lang="zh-CN" altLang="en-US">
+                    <a:noFill/>
+                  </a:rPr>
+                  <a:t> </a:t>
+                </a:r>
+              </a:p>
+            </p:txBody>
+          </p:sp>
+        </mc:Fallback>
+      </mc:AlternateContent>
+    </p:spTree>
+    <p:extLst>
+      <p:ext uri="{BB962C8B-B14F-4D97-AF65-F5344CB8AC3E}">
+        <p14:creationId xmlns:p14="http://schemas.microsoft.com/office/powerpoint/2010/main" val="3631515691"/>
+      </p:ext>
+    </p:extLst>
+  </p:cSld>
+  <p:clrMapOvr>
+    <a:masterClrMapping/>
+  </p:clrMapOvr>
+</p:sld>
+</file>
+
+<file path=ppt/slides/slide12.xml><?xml version="1.0" encoding="utf-8"?>
+<p:sld xmlns:a="http://schemas.openxmlformats.org/drawingml/2006/main" xmlns:r="http://schemas.openxmlformats.org/officeDocument/2006/relationships" xmlns:p="http://schemas.openxmlformats.org/presentationml/2006/main">
+  <p:cSld>
+    <p:spTree>
+      <p:nvGrpSpPr>
+        <p:cNvPr id="1" name=""/>
+        <p:cNvGrpSpPr/>
+        <p:nvPr/>
+      </p:nvGrpSpPr>
+      <p:grpSpPr>
+        <a:xfrm>
+          <a:off x="0" y="0"/>
+          <a:ext cx="0" cy="0"/>
+          <a:chOff x="0" y="0"/>
+          <a:chExt cx="0" cy="0"/>
+        </a:xfrm>
+      </p:grpSpPr>
+      <p:sp>
+        <p:nvSpPr>
+          <p:cNvPr id="12" name="椭圆 11">
+            <a:extLst>
+              <a:ext uri="{FF2B5EF4-FFF2-40B4-BE49-F238E27FC236}">
+                <a16:creationId xmlns:a16="http://schemas.microsoft.com/office/drawing/2014/main" id="{22B371A5-7801-48AF-8291-1E4FC2944016}"/>
+              </a:ext>
+            </a:extLst>
+          </p:cNvPr>
+          <p:cNvSpPr/>
+          <p:nvPr/>
+        </p:nvSpPr>
+        <p:spPr>
+          <a:xfrm>
+            <a:off x="2428240" y="2343233"/>
+            <a:ext cx="1605280" cy="670560"/>
+          </a:xfrm>
+          <a:prstGeom prst="ellipse">
+            <a:avLst/>
+          </a:prstGeom>
+          <a:solidFill>
+            <a:schemeClr val="accent4">
+              <a:lumMod val="40000"/>
+              <a:lumOff val="60000"/>
+            </a:schemeClr>
+          </a:solidFill>
+        </p:spPr>
+        <p:style>
+          <a:lnRef idx="2">
+            <a:schemeClr val="accent1">
+              <a:shade val="50000"/>
+            </a:schemeClr>
+          </a:lnRef>
+          <a:fillRef idx="1">
+            <a:schemeClr val="accent1"/>
+          </a:fillRef>
+          <a:effectRef idx="0">
+            <a:schemeClr val="accent1"/>
+          </a:effectRef>
+          <a:fontRef idx="minor">
+            <a:schemeClr val="lt1"/>
+          </a:fontRef>
+        </p:style>
+        <p:txBody>
+          <a:bodyPr rtlCol="0" anchor="ctr"/>
+          <a:lstStyle/>
+          <a:p>
+            <a:pPr algn="ctr"/>
+            <a:r>
+              <a:rPr lang="en-US" altLang="zh-CN" sz="1400" dirty="0">
+                <a:ln w="0"/>
+                <a:solidFill>
+                  <a:schemeClr val="tx1"/>
+                </a:solidFill>
+                <a:effectLst>
+                  <a:outerShdw blurRad="38100" dist="19050" dir="2700000" algn="tl" rotWithShape="0">
+                    <a:schemeClr val="dk1">
+                      <a:alpha val="40000"/>
+                    </a:schemeClr>
+                  </a:outerShdw>
+                </a:effectLst>
+              </a:rPr>
+              <a:t>Contrastive loss</a:t>
+            </a:r>
+            <a:endParaRPr lang="zh-CN" altLang="en-US" sz="1400" dirty="0">
+              <a:ln w="0"/>
+              <a:solidFill>
+                <a:schemeClr val="tx1"/>
+              </a:solidFill>
+              <a:effectLst>
+                <a:outerShdw blurRad="38100" dist="19050" dir="2700000" algn="tl" rotWithShape="0">
+                  <a:schemeClr val="dk1">
+                    <a:alpha val="40000"/>
+                  </a:schemeClr>
+                </a:outerShdw>
+              </a:effectLst>
+            </a:endParaRPr>
+          </a:p>
+        </p:txBody>
+      </p:sp>
+      <p:cxnSp>
+        <p:nvCxnSpPr>
+          <p:cNvPr id="13" name="直接箭头连接符 12">
+            <a:extLst>
+              <a:ext uri="{FF2B5EF4-FFF2-40B4-BE49-F238E27FC236}">
+                <a16:creationId xmlns:a16="http://schemas.microsoft.com/office/drawing/2014/main" id="{8B811C52-4F0A-4A19-8A04-AB1A5FC69BE0}"/>
+              </a:ext>
+            </a:extLst>
+          </p:cNvPr>
+          <p:cNvCxnSpPr>
+            <a:cxnSpLocks/>
+          </p:cNvCxnSpPr>
+          <p:nvPr/>
+        </p:nvCxnSpPr>
+        <p:spPr>
+          <a:xfrm flipV="1">
+            <a:off x="1726268" y="5650381"/>
+            <a:ext cx="0" cy="562135"/>
+          </a:xfrm>
+          <a:prstGeom prst="straightConnector1">
+            <a:avLst/>
+          </a:prstGeom>
+          <a:ln>
+            <a:tailEnd type="triangle"/>
+          </a:ln>
+        </p:spPr>
+        <p:style>
+          <a:lnRef idx="1">
+            <a:schemeClr val="dk1"/>
+          </a:lnRef>
+          <a:fillRef idx="0">
+            <a:schemeClr val="dk1"/>
+          </a:fillRef>
+          <a:effectRef idx="0">
+            <a:schemeClr val="dk1"/>
+          </a:effectRef>
+          <a:fontRef idx="minor">
+            <a:schemeClr val="tx1"/>
+          </a:fontRef>
+        </p:style>
+      </p:cxnSp>
+      <p:sp>
+        <p:nvSpPr>
+          <p:cNvPr id="18" name="矩形 17">
+            <a:extLst>
+              <a:ext uri="{FF2B5EF4-FFF2-40B4-BE49-F238E27FC236}">
+                <a16:creationId xmlns:a16="http://schemas.microsoft.com/office/drawing/2014/main" id="{3DA81C02-6319-4A94-9FF9-420825B524F8}"/>
+              </a:ext>
+            </a:extLst>
+          </p:cNvPr>
+          <p:cNvSpPr/>
+          <p:nvPr/>
+        </p:nvSpPr>
+        <p:spPr>
+          <a:xfrm>
+            <a:off x="1360151" y="3560194"/>
+            <a:ext cx="732234" cy="162560"/>
+          </a:xfrm>
+          <a:prstGeom prst="rect">
+            <a:avLst/>
+          </a:prstGeom>
+          <a:solidFill>
+            <a:schemeClr val="accent6">
+              <a:lumMod val="40000"/>
+              <a:lumOff val="60000"/>
+            </a:schemeClr>
+          </a:solidFill>
+        </p:spPr>
+        <p:style>
+          <a:lnRef idx="2">
+            <a:schemeClr val="accent1">
+              <a:shade val="50000"/>
+            </a:schemeClr>
+          </a:lnRef>
+          <a:fillRef idx="1">
+            <a:schemeClr val="accent1"/>
+          </a:fillRef>
+          <a:effectRef idx="0">
+            <a:schemeClr val="accent1"/>
+          </a:effectRef>
+          <a:fontRef idx="minor">
+            <a:schemeClr val="lt1"/>
+          </a:fontRef>
+        </p:style>
+        <p:txBody>
+          <a:bodyPr rtlCol="0" anchor="ctr"/>
+          <a:lstStyle/>
+          <a:p>
+            <a:pPr algn="ctr"/>
+            <a:endParaRPr lang="zh-CN" altLang="en-US"/>
+          </a:p>
+        </p:txBody>
+      </p:sp>
+      <p:sp>
+        <p:nvSpPr>
+          <p:cNvPr id="19" name="矩形 18">
+            <a:extLst>
+              <a:ext uri="{FF2B5EF4-FFF2-40B4-BE49-F238E27FC236}">
+                <a16:creationId xmlns:a16="http://schemas.microsoft.com/office/drawing/2014/main" id="{06BE92E1-EAEC-4CBC-A610-A1D8CCC31FFA}"/>
+              </a:ext>
+            </a:extLst>
+          </p:cNvPr>
+          <p:cNvSpPr/>
+          <p:nvPr/>
+        </p:nvSpPr>
+        <p:spPr>
+          <a:xfrm>
+            <a:off x="1360416" y="3814194"/>
+            <a:ext cx="732234" cy="162560"/>
+          </a:xfrm>
+          <a:prstGeom prst="rect">
+            <a:avLst/>
+          </a:prstGeom>
+          <a:solidFill>
+            <a:schemeClr val="tx2">
+              <a:lumMod val="40000"/>
+              <a:lumOff val="60000"/>
+            </a:schemeClr>
+          </a:solidFill>
+        </p:spPr>
+        <p:style>
+          <a:lnRef idx="2">
+            <a:schemeClr val="accent1">
+              <a:shade val="50000"/>
+            </a:schemeClr>
+          </a:lnRef>
+          <a:fillRef idx="1">
+            <a:schemeClr val="accent1"/>
+          </a:fillRef>
+          <a:effectRef idx="0">
+            <a:schemeClr val="accent1"/>
+          </a:effectRef>
+          <a:fontRef idx="minor">
+            <a:schemeClr val="lt1"/>
+          </a:fontRef>
+        </p:style>
+        <p:txBody>
+          <a:bodyPr rtlCol="0" anchor="ctr"/>
+          <a:lstStyle/>
+          <a:p>
+            <a:pPr algn="ctr"/>
+            <a:endParaRPr lang="zh-CN" altLang="en-US"/>
+          </a:p>
+        </p:txBody>
+      </p:sp>
+      <p:sp>
+        <p:nvSpPr>
+          <p:cNvPr id="28" name="矩形: 圆角 27">
+            <a:extLst>
+              <a:ext uri="{FF2B5EF4-FFF2-40B4-BE49-F238E27FC236}">
+                <a16:creationId xmlns:a16="http://schemas.microsoft.com/office/drawing/2014/main" id="{7C9E0140-1D60-4892-8847-1DC3DAF24BF4}"/>
+              </a:ext>
+            </a:extLst>
+          </p:cNvPr>
+          <p:cNvSpPr/>
+          <p:nvPr/>
+        </p:nvSpPr>
+        <p:spPr>
+          <a:xfrm>
+            <a:off x="702511" y="4544320"/>
+            <a:ext cx="2062480" cy="1085758"/>
+          </a:xfrm>
+          <a:prstGeom prst="roundRect">
+            <a:avLst/>
+          </a:prstGeom>
+          <a:solidFill>
+            <a:schemeClr val="accent6">
+              <a:lumMod val="20000"/>
+              <a:lumOff val="80000"/>
+            </a:schemeClr>
+          </a:solidFill>
+        </p:spPr>
+        <p:style>
+          <a:lnRef idx="2">
+            <a:schemeClr val="accent1">
+              <a:shade val="50000"/>
+            </a:schemeClr>
+          </a:lnRef>
+          <a:fillRef idx="1">
+            <a:schemeClr val="accent1"/>
+          </a:fillRef>
+          <a:effectRef idx="0">
+            <a:schemeClr val="accent1"/>
+          </a:effectRef>
+          <a:fontRef idx="minor">
+            <a:schemeClr val="lt1"/>
+          </a:fontRef>
+        </p:style>
+        <p:txBody>
+          <a:bodyPr rtlCol="0" anchor="ctr"/>
+          <a:lstStyle/>
+          <a:p>
+            <a:pPr algn="ctr"/>
+            <a:r>
+              <a:rPr lang="en-US" altLang="zh-CN" sz="2400" dirty="0" err="1">
+                <a:solidFill>
+                  <a:schemeClr val="tx1"/>
+                </a:solidFill>
+                <a:latin typeface="微软雅黑" panose="020B0503020204020204" pitchFamily="34" charset="-122"/>
+                <a:ea typeface="微软雅黑" panose="020B0503020204020204" pitchFamily="34" charset="-122"/>
+              </a:rPr>
+              <a:t>BERTq</a:t>
+            </a:r>
+            <a:endParaRPr lang="zh-CN" altLang="en-US" sz="2400" dirty="0">
+              <a:solidFill>
+                <a:schemeClr val="tx1"/>
+              </a:solidFill>
+              <a:latin typeface="微软雅黑" panose="020B0503020204020204" pitchFamily="34" charset="-122"/>
+              <a:ea typeface="微软雅黑" panose="020B0503020204020204" pitchFamily="34" charset="-122"/>
+            </a:endParaRPr>
+          </a:p>
+        </p:txBody>
+      </p:sp>
+      <p:cxnSp>
+        <p:nvCxnSpPr>
+          <p:cNvPr id="33" name="直接箭头连接符 32">
+            <a:extLst>
+              <a:ext uri="{FF2B5EF4-FFF2-40B4-BE49-F238E27FC236}">
+                <a16:creationId xmlns:a16="http://schemas.microsoft.com/office/drawing/2014/main" id="{4CEB84A4-1568-4C17-A7C1-12D318E58351}"/>
+              </a:ext>
+            </a:extLst>
+          </p:cNvPr>
+          <p:cNvCxnSpPr>
+            <a:cxnSpLocks/>
+          </p:cNvCxnSpPr>
+          <p:nvPr/>
+        </p:nvCxnSpPr>
+        <p:spPr>
+          <a:xfrm flipV="1">
+            <a:off x="5068702" y="5630078"/>
+            <a:ext cx="0" cy="562135"/>
+          </a:xfrm>
+          <a:prstGeom prst="straightConnector1">
+            <a:avLst/>
+          </a:prstGeom>
+          <a:ln>
+            <a:tailEnd type="triangle"/>
+          </a:ln>
+        </p:spPr>
+        <p:style>
+          <a:lnRef idx="1">
+            <a:schemeClr val="dk1"/>
+          </a:lnRef>
+          <a:fillRef idx="0">
+            <a:schemeClr val="dk1"/>
+          </a:fillRef>
+          <a:effectRef idx="0">
+            <a:schemeClr val="dk1"/>
+          </a:effectRef>
+          <a:fontRef idx="minor">
+            <a:schemeClr val="tx1"/>
+          </a:fontRef>
+        </p:style>
+      </p:cxnSp>
+      <p:cxnSp>
+        <p:nvCxnSpPr>
+          <p:cNvPr id="36" name="直接箭头连接符 35">
+            <a:extLst>
+              <a:ext uri="{FF2B5EF4-FFF2-40B4-BE49-F238E27FC236}">
+                <a16:creationId xmlns:a16="http://schemas.microsoft.com/office/drawing/2014/main" id="{604944CA-0449-433C-9DD8-BFC1F51E3F38}"/>
+              </a:ext>
+            </a:extLst>
+          </p:cNvPr>
+          <p:cNvCxnSpPr>
+            <a:cxnSpLocks/>
+          </p:cNvCxnSpPr>
+          <p:nvPr/>
+        </p:nvCxnSpPr>
+        <p:spPr>
+          <a:xfrm flipV="1">
+            <a:off x="1726268" y="3983066"/>
+            <a:ext cx="0" cy="562135"/>
+          </a:xfrm>
+          <a:prstGeom prst="straightConnector1">
+            <a:avLst/>
+          </a:prstGeom>
+          <a:ln>
+            <a:tailEnd type="triangle"/>
+          </a:ln>
+        </p:spPr>
+        <p:style>
+          <a:lnRef idx="1">
+            <a:schemeClr val="dk1"/>
+          </a:lnRef>
+          <a:fillRef idx="0">
+            <a:schemeClr val="dk1"/>
+          </a:fillRef>
+          <a:effectRef idx="0">
+            <a:schemeClr val="dk1"/>
+          </a:effectRef>
+          <a:fontRef idx="minor">
+            <a:schemeClr val="tx1"/>
+          </a:fontRef>
+        </p:style>
+      </p:cxnSp>
+      <p:cxnSp>
+        <p:nvCxnSpPr>
+          <p:cNvPr id="43" name="直接箭头连接符 42">
+            <a:extLst>
+              <a:ext uri="{FF2B5EF4-FFF2-40B4-BE49-F238E27FC236}">
+                <a16:creationId xmlns:a16="http://schemas.microsoft.com/office/drawing/2014/main" id="{DD4CBC82-F477-49B4-97BB-21C18D6C2009}"/>
+              </a:ext>
+            </a:extLst>
+          </p:cNvPr>
+          <p:cNvCxnSpPr>
+            <a:cxnSpLocks/>
+          </p:cNvCxnSpPr>
+          <p:nvPr/>
+        </p:nvCxnSpPr>
+        <p:spPr>
+          <a:xfrm flipV="1">
+            <a:off x="5068728" y="3963091"/>
+            <a:ext cx="0" cy="562135"/>
+          </a:xfrm>
+          <a:prstGeom prst="straightConnector1">
+            <a:avLst/>
+          </a:prstGeom>
+          <a:ln>
+            <a:tailEnd type="triangle"/>
+          </a:ln>
+        </p:spPr>
+        <p:style>
+          <a:lnRef idx="1">
+            <a:schemeClr val="dk1"/>
+          </a:lnRef>
+          <a:fillRef idx="0">
+            <a:schemeClr val="dk1"/>
+          </a:fillRef>
+          <a:effectRef idx="0">
+            <a:schemeClr val="dk1"/>
+          </a:effectRef>
+          <a:fontRef idx="minor">
+            <a:schemeClr val="tx1"/>
+          </a:fontRef>
+        </p:style>
+      </p:cxnSp>
+      <p:cxnSp>
+        <p:nvCxnSpPr>
+          <p:cNvPr id="47" name="直接箭头连接符 46">
+            <a:extLst>
+              <a:ext uri="{FF2B5EF4-FFF2-40B4-BE49-F238E27FC236}">
+                <a16:creationId xmlns:a16="http://schemas.microsoft.com/office/drawing/2014/main" id="{3C5541EF-0E30-407E-A84E-8A08317C91A1}"/>
+              </a:ext>
+            </a:extLst>
+          </p:cNvPr>
+          <p:cNvCxnSpPr>
+            <a:cxnSpLocks/>
+            <a:stCxn id="18" idx="0"/>
+            <a:endCxn id="12" idx="4"/>
+          </p:cNvCxnSpPr>
+          <p:nvPr/>
+        </p:nvCxnSpPr>
+        <p:spPr>
+          <a:xfrm flipV="1">
+            <a:off x="1726268" y="3013793"/>
+            <a:ext cx="1504612" cy="546401"/>
+          </a:xfrm>
+          <a:prstGeom prst="straightConnector1">
+            <a:avLst/>
+          </a:prstGeom>
+          <a:ln>
+            <a:tailEnd type="triangle"/>
+          </a:ln>
+        </p:spPr>
+        <p:style>
+          <a:lnRef idx="1">
+            <a:schemeClr val="dk1"/>
+          </a:lnRef>
+          <a:fillRef idx="0">
+            <a:schemeClr val="dk1"/>
+          </a:fillRef>
+          <a:effectRef idx="0">
+            <a:schemeClr val="dk1"/>
+          </a:effectRef>
+          <a:fontRef idx="minor">
+            <a:schemeClr val="tx1"/>
+          </a:fontRef>
+        </p:style>
+      </p:cxnSp>
+      <p:sp>
+        <p:nvSpPr>
+          <p:cNvPr id="50" name="矩形: 圆角 49">
+            <a:extLst>
+              <a:ext uri="{FF2B5EF4-FFF2-40B4-BE49-F238E27FC236}">
+                <a16:creationId xmlns:a16="http://schemas.microsoft.com/office/drawing/2014/main" id="{F3F8AC26-3BF8-4303-AA27-549E62523C96}"/>
+              </a:ext>
+            </a:extLst>
+          </p:cNvPr>
+          <p:cNvSpPr/>
+          <p:nvPr/>
+        </p:nvSpPr>
+        <p:spPr>
+          <a:xfrm>
+            <a:off x="4033520" y="4544320"/>
+            <a:ext cx="2062480" cy="1085758"/>
+          </a:xfrm>
+          <a:prstGeom prst="roundRect">
+            <a:avLst/>
+          </a:prstGeom>
+          <a:solidFill>
+            <a:schemeClr val="accent2">
+              <a:lumMod val="20000"/>
+              <a:lumOff val="80000"/>
+            </a:schemeClr>
+          </a:solidFill>
+        </p:spPr>
+        <p:style>
+          <a:lnRef idx="2">
+            <a:schemeClr val="accent1">
+              <a:shade val="50000"/>
+            </a:schemeClr>
+          </a:lnRef>
+          <a:fillRef idx="1">
+            <a:schemeClr val="accent1"/>
+          </a:fillRef>
+          <a:effectRef idx="0">
+            <a:schemeClr val="accent1"/>
+          </a:effectRef>
+          <a:fontRef idx="minor">
+            <a:schemeClr val="lt1"/>
+          </a:fontRef>
+        </p:style>
+        <p:txBody>
+          <a:bodyPr rtlCol="0" anchor="ctr"/>
+          <a:lstStyle/>
+          <a:p>
+            <a:pPr algn="ctr"/>
+            <a:r>
+              <a:rPr lang="en-US" altLang="zh-CN" sz="2400" dirty="0" err="1">
+                <a:solidFill>
+                  <a:schemeClr val="tx1"/>
+                </a:solidFill>
+                <a:latin typeface="微软雅黑" panose="020B0503020204020204" pitchFamily="34" charset="-122"/>
+                <a:ea typeface="微软雅黑" panose="020B0503020204020204" pitchFamily="34" charset="-122"/>
+              </a:rPr>
+              <a:t>BERTk</a:t>
+            </a:r>
+            <a:endParaRPr lang="zh-CN" altLang="en-US" sz="2400" dirty="0">
+              <a:solidFill>
+                <a:schemeClr val="tx1"/>
+              </a:solidFill>
+              <a:latin typeface="微软雅黑" panose="020B0503020204020204" pitchFamily="34" charset="-122"/>
+              <a:ea typeface="微软雅黑" panose="020B0503020204020204" pitchFamily="34" charset="-122"/>
+            </a:endParaRPr>
+          </a:p>
+        </p:txBody>
+      </p:sp>
+      <p:sp>
+        <p:nvSpPr>
+          <p:cNvPr id="24" name="文本框 23">
+            <a:extLst>
+              <a:ext uri="{FF2B5EF4-FFF2-40B4-BE49-F238E27FC236}">
+                <a16:creationId xmlns:a16="http://schemas.microsoft.com/office/drawing/2014/main" id="{85A40CCF-0426-4A3C-B56E-FCDD8E05853B}"/>
+              </a:ext>
+            </a:extLst>
+          </p:cNvPr>
+          <p:cNvSpPr txBox="1"/>
+          <p:nvPr/>
+        </p:nvSpPr>
+        <p:spPr>
+          <a:xfrm>
+            <a:off x="459783" y="6157031"/>
+            <a:ext cx="3281675" cy="461665"/>
+          </a:xfrm>
+          <a:prstGeom prst="rect">
+            <a:avLst/>
+          </a:prstGeom>
+          <a:noFill/>
+        </p:spPr>
+        <p:txBody>
+          <a:bodyPr wrap="square" rtlCol="0">
+            <a:spAutoFit/>
+          </a:bodyPr>
+          <a:lstStyle/>
+          <a:p>
+            <a:r>
+              <a:rPr lang="zh-CN" altLang="en-US" sz="1200" dirty="0">
+                <a:latin typeface="微软雅黑" panose="020B0503020204020204" pitchFamily="34" charset="-122"/>
+                <a:ea typeface="微软雅黑" panose="020B0503020204020204" pitchFamily="34" charset="-122"/>
+              </a:rPr>
+              <a:t>网易新闻和腾讯新闻哪个强</a:t>
+            </a:r>
+            <a:endParaRPr lang="en-US" altLang="zh-CN" sz="1200" dirty="0">
+              <a:latin typeface="微软雅黑" panose="020B0503020204020204" pitchFamily="34" charset="-122"/>
+              <a:ea typeface="微软雅黑" panose="020B0503020204020204" pitchFamily="34" charset="-122"/>
+            </a:endParaRPr>
+          </a:p>
+          <a:p>
+            <a:r>
+              <a:rPr lang="zh-CN" altLang="en-US" sz="1200" dirty="0">
+                <a:latin typeface="微软雅黑" panose="020B0503020204020204" pitchFamily="34" charset="-122"/>
+                <a:ea typeface="微软雅黑" panose="020B0503020204020204" pitchFamily="34" charset="-122"/>
+              </a:rPr>
+              <a:t>去哪儿网特价机票怎样订	</a:t>
+            </a:r>
+            <a:endParaRPr lang="en-US" altLang="zh-CN" sz="1200" dirty="0">
+              <a:latin typeface="微软雅黑" panose="020B0503020204020204" pitchFamily="34" charset="-122"/>
+              <a:ea typeface="微软雅黑" panose="020B0503020204020204" pitchFamily="34" charset="-122"/>
+            </a:endParaRPr>
+          </a:p>
+        </p:txBody>
+      </p:sp>
+      <p:sp>
+        <p:nvSpPr>
+          <p:cNvPr id="38" name="矩形 37">
+            <a:extLst>
+              <a:ext uri="{FF2B5EF4-FFF2-40B4-BE49-F238E27FC236}">
+                <a16:creationId xmlns:a16="http://schemas.microsoft.com/office/drawing/2014/main" id="{A52B223D-5FE7-4E40-8B84-1B49F19E54E3}"/>
+              </a:ext>
+            </a:extLst>
+          </p:cNvPr>
+          <p:cNvSpPr/>
+          <p:nvPr/>
+        </p:nvSpPr>
+        <p:spPr>
+          <a:xfrm>
+            <a:off x="4702320" y="3539161"/>
+            <a:ext cx="732234" cy="162560"/>
+          </a:xfrm>
+          <a:prstGeom prst="rect">
+            <a:avLst/>
+          </a:prstGeom>
+          <a:solidFill>
+            <a:schemeClr val="accent2">
+              <a:lumMod val="75000"/>
+            </a:schemeClr>
+          </a:solidFill>
+        </p:spPr>
+        <p:style>
+          <a:lnRef idx="2">
+            <a:schemeClr val="accent1">
+              <a:shade val="50000"/>
+            </a:schemeClr>
+          </a:lnRef>
+          <a:fillRef idx="1">
+            <a:schemeClr val="accent1"/>
+          </a:fillRef>
+          <a:effectRef idx="0">
+            <a:schemeClr val="accent1"/>
+          </a:effectRef>
+          <a:fontRef idx="minor">
+            <a:schemeClr val="lt1"/>
+          </a:fontRef>
+        </p:style>
+        <p:txBody>
+          <a:bodyPr rtlCol="0" anchor="ctr"/>
+          <a:lstStyle/>
+          <a:p>
+            <a:pPr algn="ctr"/>
+            <a:endParaRPr lang="zh-CN" altLang="en-US"/>
+          </a:p>
+        </p:txBody>
+      </p:sp>
+      <p:sp>
+        <p:nvSpPr>
+          <p:cNvPr id="39" name="矩形 38">
+            <a:extLst>
+              <a:ext uri="{FF2B5EF4-FFF2-40B4-BE49-F238E27FC236}">
+                <a16:creationId xmlns:a16="http://schemas.microsoft.com/office/drawing/2014/main" id="{25B06C1E-4D01-46CA-A7A4-1048D047556A}"/>
+              </a:ext>
+            </a:extLst>
+          </p:cNvPr>
+          <p:cNvSpPr/>
+          <p:nvPr/>
+        </p:nvSpPr>
+        <p:spPr>
+          <a:xfrm>
+            <a:off x="4702585" y="3793161"/>
+            <a:ext cx="732234" cy="162560"/>
+          </a:xfrm>
+          <a:prstGeom prst="rect">
+            <a:avLst/>
+          </a:prstGeom>
+          <a:solidFill>
+            <a:schemeClr val="accent1">
+              <a:lumMod val="75000"/>
+            </a:schemeClr>
+          </a:solidFill>
+        </p:spPr>
+        <p:style>
+          <a:lnRef idx="2">
+            <a:schemeClr val="accent1">
+              <a:shade val="50000"/>
+            </a:schemeClr>
+          </a:lnRef>
+          <a:fillRef idx="1">
+            <a:schemeClr val="accent1"/>
+          </a:fillRef>
+          <a:effectRef idx="0">
+            <a:schemeClr val="accent1"/>
+          </a:effectRef>
+          <a:fontRef idx="minor">
+            <a:schemeClr val="lt1"/>
+          </a:fontRef>
+        </p:style>
+        <p:txBody>
+          <a:bodyPr rtlCol="0" anchor="ctr"/>
+          <a:lstStyle/>
+          <a:p>
+            <a:pPr algn="ctr"/>
+            <a:endParaRPr lang="zh-CN" altLang="en-US" b="1" dirty="0"/>
+          </a:p>
+        </p:txBody>
+      </p:sp>
+      <p:sp>
+        <p:nvSpPr>
+          <p:cNvPr id="42" name="文本框 41">
+            <a:extLst>
+              <a:ext uri="{FF2B5EF4-FFF2-40B4-BE49-F238E27FC236}">
+                <a16:creationId xmlns:a16="http://schemas.microsoft.com/office/drawing/2014/main" id="{92E25C4F-4A11-4D4A-A2A9-F70F19AAE19F}"/>
+              </a:ext>
+            </a:extLst>
+          </p:cNvPr>
+          <p:cNvSpPr txBox="1"/>
+          <p:nvPr/>
+        </p:nvSpPr>
+        <p:spPr>
+          <a:xfrm>
+            <a:off x="3776380" y="6157031"/>
+            <a:ext cx="3194008" cy="461665"/>
+          </a:xfrm>
+          <a:prstGeom prst="rect">
+            <a:avLst/>
+          </a:prstGeom>
+          <a:noFill/>
+        </p:spPr>
+        <p:txBody>
+          <a:bodyPr wrap="square" rtlCol="0">
+            <a:spAutoFit/>
+          </a:bodyPr>
+          <a:lstStyle/>
+          <a:p>
+            <a:r>
+              <a:rPr lang="zh-CN" altLang="en-US" sz="1200" dirty="0">
+                <a:latin typeface="微软雅黑" panose="020B0503020204020204" pitchFamily="34" charset="-122"/>
+                <a:ea typeface="微软雅黑" panose="020B0503020204020204" pitchFamily="34" charset="-122"/>
+              </a:rPr>
+              <a:t>网易新闻闻和和腾讯新闻哪哪个强强</a:t>
+            </a:r>
+            <a:endParaRPr lang="en-US" altLang="zh-CN" sz="1200" dirty="0">
+              <a:latin typeface="微软雅黑" panose="020B0503020204020204" pitchFamily="34" charset="-122"/>
+              <a:ea typeface="微软雅黑" panose="020B0503020204020204" pitchFamily="34" charset="-122"/>
+            </a:endParaRPr>
+          </a:p>
+          <a:p>
+            <a:r>
+              <a:rPr lang="zh-CN" altLang="en-US" sz="1200" dirty="0">
+                <a:latin typeface="微软雅黑" panose="020B0503020204020204" pitchFamily="34" charset="-122"/>
+                <a:ea typeface="微软雅黑" panose="020B0503020204020204" pitchFamily="34" charset="-122"/>
+              </a:rPr>
+              <a:t>去去哪儿网网特特价机票怎样订订	</a:t>
+            </a:r>
+            <a:endParaRPr lang="en-US" altLang="zh-CN" sz="1200" dirty="0">
+              <a:latin typeface="微软雅黑" panose="020B0503020204020204" pitchFamily="34" charset="-122"/>
+              <a:ea typeface="微软雅黑" panose="020B0503020204020204" pitchFamily="34" charset="-122"/>
+            </a:endParaRPr>
+          </a:p>
+        </p:txBody>
+      </p:sp>
+      <p:sp>
+        <p:nvSpPr>
+          <p:cNvPr id="34" name="文本框 33">
+            <a:extLst>
+              <a:ext uri="{FF2B5EF4-FFF2-40B4-BE49-F238E27FC236}">
+                <a16:creationId xmlns:a16="http://schemas.microsoft.com/office/drawing/2014/main" id="{8F4DA72E-9BA4-4E70-A534-495A4445BA19}"/>
+              </a:ext>
+            </a:extLst>
+          </p:cNvPr>
+          <p:cNvSpPr txBox="1"/>
+          <p:nvPr/>
+        </p:nvSpPr>
+        <p:spPr>
+          <a:xfrm>
+            <a:off x="200781" y="204017"/>
+            <a:ext cx="3281675" cy="1631216"/>
+          </a:xfrm>
+          <a:prstGeom prst="rect">
+            <a:avLst/>
+          </a:prstGeom>
+          <a:solidFill>
+            <a:schemeClr val="bg1">
+              <a:lumMod val="95000"/>
+            </a:schemeClr>
+          </a:solidFill>
+        </p:spPr>
+        <p:txBody>
+          <a:bodyPr wrap="square" rtlCol="0">
+            <a:spAutoFit/>
+          </a:bodyPr>
+          <a:lstStyle/>
+          <a:p>
+            <a:r>
+              <a:rPr lang="zh-CN" altLang="en-US" sz="1600" b="1" dirty="0">
+                <a:latin typeface="微软雅黑" panose="020B0503020204020204" pitchFamily="34" charset="-122"/>
+                <a:ea typeface="微软雅黑" panose="020B0503020204020204" pitchFamily="34" charset="-122"/>
+              </a:rPr>
+              <a:t>所有数据</a:t>
+            </a:r>
+            <a:r>
+              <a:rPr lang="zh-CN" altLang="en-US" sz="1200" dirty="0">
+                <a:latin typeface="微软雅黑" panose="020B0503020204020204" pitchFamily="34" charset="-122"/>
+                <a:ea typeface="微软雅黑" panose="020B0503020204020204" pitchFamily="34" charset="-122"/>
+              </a:rPr>
+              <a:t>：</a:t>
+            </a:r>
+            <a:endParaRPr lang="en-US" altLang="zh-CN" sz="1200" dirty="0">
+              <a:latin typeface="微软雅黑" panose="020B0503020204020204" pitchFamily="34" charset="-122"/>
+              <a:ea typeface="微软雅黑" panose="020B0503020204020204" pitchFamily="34" charset="-122"/>
+            </a:endParaRPr>
+          </a:p>
+          <a:p>
+            <a:r>
+              <a:rPr lang="zh-CN" altLang="en-US" sz="1200" dirty="0">
+                <a:latin typeface="微软雅黑" panose="020B0503020204020204" pitchFamily="34" charset="-122"/>
+                <a:ea typeface="微软雅黑" panose="020B0503020204020204" pitchFamily="34" charset="-122"/>
+              </a:rPr>
+              <a:t>喜欢打篮球的男生喜欢什么样的女生	</a:t>
+            </a:r>
+            <a:endParaRPr lang="en-US" altLang="zh-CN" sz="1200" dirty="0">
+              <a:latin typeface="微软雅黑" panose="020B0503020204020204" pitchFamily="34" charset="-122"/>
+              <a:ea typeface="微软雅黑" panose="020B0503020204020204" pitchFamily="34" charset="-122"/>
+            </a:endParaRPr>
+          </a:p>
+          <a:p>
+            <a:r>
+              <a:rPr lang="zh-CN" altLang="en-US" sz="1200" dirty="0">
+                <a:latin typeface="微软雅黑" panose="020B0503020204020204" pitchFamily="34" charset="-122"/>
+                <a:ea typeface="微软雅黑" panose="020B0503020204020204" pitchFamily="34" charset="-122"/>
+              </a:rPr>
+              <a:t>我手机丢了，我想换个手机	</a:t>
+            </a:r>
+            <a:endParaRPr lang="en-US" altLang="zh-CN" sz="1200" dirty="0">
+              <a:latin typeface="微软雅黑" panose="020B0503020204020204" pitchFamily="34" charset="-122"/>
+              <a:ea typeface="微软雅黑" panose="020B0503020204020204" pitchFamily="34" charset="-122"/>
+            </a:endParaRPr>
+          </a:p>
+          <a:p>
+            <a:r>
+              <a:rPr lang="zh-CN" altLang="en-US" sz="1200" dirty="0">
+                <a:latin typeface="微软雅黑" panose="020B0503020204020204" pitchFamily="34" charset="-122"/>
+                <a:ea typeface="微软雅黑" panose="020B0503020204020204" pitchFamily="34" charset="-122"/>
+              </a:rPr>
+              <a:t>红豆薏米粥减肥靠谱吗	</a:t>
+            </a:r>
+            <a:endParaRPr lang="en-US" altLang="zh-CN" sz="1200" dirty="0">
+              <a:latin typeface="微软雅黑" panose="020B0503020204020204" pitchFamily="34" charset="-122"/>
+              <a:ea typeface="微软雅黑" panose="020B0503020204020204" pitchFamily="34" charset="-122"/>
+            </a:endParaRPr>
+          </a:p>
+          <a:p>
+            <a:r>
+              <a:rPr lang="zh-CN" altLang="en-US" sz="1200" dirty="0">
+                <a:latin typeface="微软雅黑" panose="020B0503020204020204" pitchFamily="34" charset="-122"/>
+                <a:ea typeface="微软雅黑" panose="020B0503020204020204" pitchFamily="34" charset="-122"/>
+              </a:rPr>
+              <a:t>大写的万字，怎么写？	</a:t>
+            </a:r>
+            <a:endParaRPr lang="en-US" altLang="zh-CN" sz="1200" dirty="0">
+              <a:latin typeface="微软雅黑" panose="020B0503020204020204" pitchFamily="34" charset="-122"/>
+              <a:ea typeface="微软雅黑" panose="020B0503020204020204" pitchFamily="34" charset="-122"/>
+            </a:endParaRPr>
+          </a:p>
+          <a:p>
+            <a:r>
+              <a:rPr lang="zh-CN" altLang="en-US" sz="1200" dirty="0">
+                <a:latin typeface="微软雅黑" panose="020B0503020204020204" pitchFamily="34" charset="-122"/>
+                <a:ea typeface="微软雅黑" panose="020B0503020204020204" pitchFamily="34" charset="-122"/>
+              </a:rPr>
+              <a:t>网易新闻和腾讯新闻哪个强</a:t>
+            </a:r>
+            <a:endParaRPr lang="en-US" altLang="zh-CN" sz="1200" dirty="0">
+              <a:latin typeface="微软雅黑" panose="020B0503020204020204" pitchFamily="34" charset="-122"/>
+              <a:ea typeface="微软雅黑" panose="020B0503020204020204" pitchFamily="34" charset="-122"/>
+            </a:endParaRPr>
+          </a:p>
+          <a:p>
+            <a:r>
+              <a:rPr lang="zh-CN" altLang="en-US" sz="1200" dirty="0">
+                <a:latin typeface="微软雅黑" panose="020B0503020204020204" pitchFamily="34" charset="-122"/>
+                <a:ea typeface="微软雅黑" panose="020B0503020204020204" pitchFamily="34" charset="-122"/>
+              </a:rPr>
+              <a:t>去哪儿网特价机票怎样订	</a:t>
+            </a:r>
+            <a:endParaRPr lang="en-US" altLang="zh-CN" sz="1200" dirty="0">
+              <a:latin typeface="微软雅黑" panose="020B0503020204020204" pitchFamily="34" charset="-122"/>
+              <a:ea typeface="微软雅黑" panose="020B0503020204020204" pitchFamily="34" charset="-122"/>
+            </a:endParaRPr>
+          </a:p>
+          <a:p>
+            <a:r>
+              <a:rPr lang="zh-CN" altLang="en-US" sz="1200" dirty="0">
+                <a:latin typeface="微软雅黑" panose="020B0503020204020204" pitchFamily="34" charset="-122"/>
+                <a:ea typeface="微软雅黑" panose="020B0503020204020204" pitchFamily="34" charset="-122"/>
+              </a:rPr>
+              <a:t>时空猎人腾讯版怎么刷龙影</a:t>
+            </a:r>
+          </a:p>
+        </p:txBody>
+      </p:sp>
+      <p:cxnSp>
+        <p:nvCxnSpPr>
+          <p:cNvPr id="35" name="直接箭头连接符 34">
+            <a:extLst>
+              <a:ext uri="{FF2B5EF4-FFF2-40B4-BE49-F238E27FC236}">
+                <a16:creationId xmlns:a16="http://schemas.microsoft.com/office/drawing/2014/main" id="{3C042938-4446-4235-A758-65E04979E002}"/>
+              </a:ext>
+            </a:extLst>
+          </p:cNvPr>
+          <p:cNvCxnSpPr>
+            <a:cxnSpLocks/>
+            <a:stCxn id="38" idx="0"/>
+            <a:endCxn id="12" idx="4"/>
+          </p:cNvCxnSpPr>
+          <p:nvPr/>
+        </p:nvCxnSpPr>
+        <p:spPr>
+          <a:xfrm flipH="1" flipV="1">
+            <a:off x="3230880" y="3013793"/>
+            <a:ext cx="1837557" cy="525368"/>
+          </a:xfrm>
+          <a:prstGeom prst="straightConnector1">
+            <a:avLst/>
+          </a:prstGeom>
+          <a:ln>
+            <a:tailEnd type="triangle"/>
+          </a:ln>
+        </p:spPr>
+        <p:style>
+          <a:lnRef idx="1">
+            <a:schemeClr val="dk1"/>
+          </a:lnRef>
+          <a:fillRef idx="0">
+            <a:schemeClr val="dk1"/>
+          </a:fillRef>
+          <a:effectRef idx="0">
+            <a:schemeClr val="dk1"/>
+          </a:effectRef>
+          <a:fontRef idx="minor">
+            <a:schemeClr val="tx1"/>
+          </a:fontRef>
+        </p:style>
+      </p:cxnSp>
+      <p:sp>
+        <p:nvSpPr>
+          <p:cNvPr id="9" name="文本框 8">
+            <a:extLst>
+              <a:ext uri="{FF2B5EF4-FFF2-40B4-BE49-F238E27FC236}">
+                <a16:creationId xmlns:a16="http://schemas.microsoft.com/office/drawing/2014/main" id="{53E365FF-8C9B-48D2-803B-F73938BA8872}"/>
+              </a:ext>
+            </a:extLst>
+          </p:cNvPr>
+          <p:cNvSpPr txBox="1"/>
+          <p:nvPr/>
+        </p:nvSpPr>
+        <p:spPr>
+          <a:xfrm>
+            <a:off x="137541" y="1904567"/>
+            <a:ext cx="1716276" cy="369332"/>
+          </a:xfrm>
+          <a:prstGeom prst="rect">
+            <a:avLst/>
+          </a:prstGeom>
+          <a:noFill/>
+        </p:spPr>
+        <p:txBody>
+          <a:bodyPr wrap="square" rtlCol="0">
+            <a:spAutoFit/>
+          </a:bodyPr>
+          <a:lstStyle/>
+          <a:p>
+            <a:r>
+              <a:rPr lang="zh-CN" altLang="en-US" dirty="0">
+                <a:solidFill>
+                  <a:srgbClr val="FF0000"/>
+                </a:solidFill>
+                <a:latin typeface="微软雅黑" panose="020B0503020204020204" pitchFamily="34" charset="-122"/>
+                <a:ea typeface="微软雅黑" panose="020B0503020204020204" pitchFamily="34" charset="-122"/>
+              </a:rPr>
+              <a:t>第</a:t>
+            </a:r>
+            <a:r>
+              <a:rPr lang="en-US" altLang="zh-CN" dirty="0">
+                <a:solidFill>
+                  <a:srgbClr val="FF0000"/>
+                </a:solidFill>
+                <a:latin typeface="微软雅黑" panose="020B0503020204020204" pitchFamily="34" charset="-122"/>
+                <a:ea typeface="微软雅黑" panose="020B0503020204020204" pitchFamily="34" charset="-122"/>
+              </a:rPr>
+              <a:t>3</a:t>
+            </a:r>
+            <a:r>
+              <a:rPr lang="zh-CN" altLang="en-US" dirty="0">
+                <a:solidFill>
+                  <a:srgbClr val="FF0000"/>
+                </a:solidFill>
+                <a:latin typeface="微软雅黑" panose="020B0503020204020204" pitchFamily="34" charset="-122"/>
+                <a:ea typeface="微软雅黑" panose="020B0503020204020204" pitchFamily="34" charset="-122"/>
+              </a:rPr>
+              <a:t>个</a:t>
+            </a:r>
+            <a:r>
+              <a:rPr lang="en-US" altLang="zh-CN" dirty="0">
+                <a:solidFill>
+                  <a:srgbClr val="FF0000"/>
+                </a:solidFill>
+                <a:latin typeface="微软雅黑" panose="020B0503020204020204" pitchFamily="34" charset="-122"/>
+                <a:ea typeface="微软雅黑" panose="020B0503020204020204" pitchFamily="34" charset="-122"/>
+              </a:rPr>
+              <a:t>batch</a:t>
+            </a:r>
+            <a:r>
+              <a:rPr lang="zh-CN" altLang="en-US" dirty="0">
+                <a:solidFill>
+                  <a:srgbClr val="FF0000"/>
+                </a:solidFill>
+                <a:latin typeface="微软雅黑" panose="020B0503020204020204" pitchFamily="34" charset="-122"/>
+                <a:ea typeface="微软雅黑" panose="020B0503020204020204" pitchFamily="34" charset="-122"/>
+              </a:rPr>
+              <a:t>时</a:t>
+            </a:r>
+          </a:p>
+        </p:txBody>
+      </p:sp>
+      <p:pic>
+        <p:nvPicPr>
+          <p:cNvPr id="32" name="图片 31">
+            <a:extLst>
+              <a:ext uri="{FF2B5EF4-FFF2-40B4-BE49-F238E27FC236}">
+                <a16:creationId xmlns:a16="http://schemas.microsoft.com/office/drawing/2014/main" id="{D046BB20-701F-4BD7-9105-83E46376E98F}"/>
+              </a:ext>
+            </a:extLst>
+          </p:cNvPr>
+          <p:cNvPicPr>
+            <a:picLocks noChangeAspect="1"/>
+          </p:cNvPicPr>
+          <p:nvPr/>
+        </p:nvPicPr>
+        <p:blipFill>
+          <a:blip r:embed="rId2"/>
+          <a:stretch>
+            <a:fillRect/>
+          </a:stretch>
+        </p:blipFill>
+        <p:spPr>
+          <a:xfrm>
+            <a:off x="4251554" y="2488868"/>
+            <a:ext cx="2243660" cy="445582"/>
+          </a:xfrm>
+          <a:prstGeom prst="rect">
+            <a:avLst/>
+          </a:prstGeom>
+        </p:spPr>
+      </p:pic>
+      <p:pic>
+        <p:nvPicPr>
+          <p:cNvPr id="30" name="图片 29">
+            <a:extLst>
+              <a:ext uri="{FF2B5EF4-FFF2-40B4-BE49-F238E27FC236}">
+                <a16:creationId xmlns:a16="http://schemas.microsoft.com/office/drawing/2014/main" id="{17B0FD98-1371-4A3E-95E8-891C4C172276}"/>
+              </a:ext>
+            </a:extLst>
+          </p:cNvPr>
+          <p:cNvPicPr>
+            <a:picLocks noChangeAspect="1"/>
+          </p:cNvPicPr>
+          <p:nvPr/>
+        </p:nvPicPr>
+        <p:blipFill>
+          <a:blip r:embed="rId3"/>
+          <a:stretch>
+            <a:fillRect/>
+          </a:stretch>
+        </p:blipFill>
+        <p:spPr>
+          <a:xfrm>
+            <a:off x="4496647" y="305142"/>
+            <a:ext cx="1753474" cy="1990293"/>
+          </a:xfrm>
+          <a:prstGeom prst="rect">
+            <a:avLst/>
+          </a:prstGeom>
+        </p:spPr>
+      </p:pic>
+      <p:sp>
+        <p:nvSpPr>
+          <p:cNvPr id="31" name="流程图: 磁盘 30">
+            <a:extLst>
+              <a:ext uri="{FF2B5EF4-FFF2-40B4-BE49-F238E27FC236}">
+                <a16:creationId xmlns:a16="http://schemas.microsoft.com/office/drawing/2014/main" id="{3967B9DB-0066-45C8-8D77-828B28150C27}"/>
+              </a:ext>
+            </a:extLst>
+          </p:cNvPr>
+          <p:cNvSpPr/>
+          <p:nvPr/>
+        </p:nvSpPr>
+        <p:spPr>
+          <a:xfrm>
+            <a:off x="7249017" y="4423372"/>
+            <a:ext cx="2062480" cy="1327651"/>
+          </a:xfrm>
+          <a:prstGeom prst="flowChartMagneticDisk">
+            <a:avLst/>
+          </a:prstGeom>
+          <a:solidFill>
+            <a:schemeClr val="bg1">
+              <a:lumMod val="85000"/>
+            </a:schemeClr>
+          </a:solidFill>
+        </p:spPr>
+        <p:style>
+          <a:lnRef idx="2">
+            <a:schemeClr val="accent1">
+              <a:shade val="50000"/>
+            </a:schemeClr>
+          </a:lnRef>
+          <a:fillRef idx="1">
+            <a:schemeClr val="accent1"/>
+          </a:fillRef>
+          <a:effectRef idx="0">
+            <a:schemeClr val="accent1"/>
+          </a:effectRef>
+          <a:fontRef idx="minor">
+            <a:schemeClr val="lt1"/>
+          </a:fontRef>
+        </p:style>
+        <p:txBody>
+          <a:bodyPr rtlCol="0" anchor="ctr"/>
+          <a:lstStyle/>
+          <a:p>
+            <a:pPr algn="ctr"/>
+            <a:endParaRPr lang="zh-CN" altLang="en-US"/>
+          </a:p>
+        </p:txBody>
+      </p:sp>
+      <p:sp>
+        <p:nvSpPr>
+          <p:cNvPr id="2" name="箭头: 右 1">
+            <a:extLst>
+              <a:ext uri="{FF2B5EF4-FFF2-40B4-BE49-F238E27FC236}">
+                <a16:creationId xmlns:a16="http://schemas.microsoft.com/office/drawing/2014/main" id="{92211F31-E126-4975-BEC2-932E448B9B90}"/>
+              </a:ext>
+            </a:extLst>
+          </p:cNvPr>
+          <p:cNvSpPr/>
+          <p:nvPr/>
+        </p:nvSpPr>
+        <p:spPr>
+          <a:xfrm>
+            <a:off x="6088116" y="4856366"/>
+            <a:ext cx="1168785" cy="461665"/>
+          </a:xfrm>
+          <a:prstGeom prst="rightArrow">
+            <a:avLst/>
+          </a:prstGeom>
+        </p:spPr>
+        <p:style>
+          <a:lnRef idx="2">
+            <a:schemeClr val="accent1">
+              <a:shade val="50000"/>
+            </a:schemeClr>
+          </a:lnRef>
+          <a:fillRef idx="1">
+            <a:schemeClr val="accent1"/>
+          </a:fillRef>
+          <a:effectRef idx="0">
+            <a:schemeClr val="accent1"/>
+          </a:effectRef>
+          <a:fontRef idx="minor">
+            <a:schemeClr val="lt1"/>
+          </a:fontRef>
+        </p:style>
+        <p:txBody>
+          <a:bodyPr rtlCol="0" anchor="ctr"/>
+          <a:lstStyle/>
+          <a:p>
+            <a:pPr algn="ctr"/>
+            <a:endParaRPr lang="zh-CN" altLang="en-US"/>
+          </a:p>
+        </p:txBody>
+      </p:sp>
+      <p:sp>
+        <p:nvSpPr>
+          <p:cNvPr id="3" name="矩形 2">
+            <a:extLst>
+              <a:ext uri="{FF2B5EF4-FFF2-40B4-BE49-F238E27FC236}">
+                <a16:creationId xmlns:a16="http://schemas.microsoft.com/office/drawing/2014/main" id="{F204092D-C6F6-4457-AE92-8061952D1C50}"/>
+              </a:ext>
+            </a:extLst>
+          </p:cNvPr>
+          <p:cNvSpPr/>
+          <p:nvPr/>
+        </p:nvSpPr>
+        <p:spPr>
+          <a:xfrm>
+            <a:off x="7943441" y="4921062"/>
+            <a:ext cx="207155" cy="687928"/>
+          </a:xfrm>
+          <a:prstGeom prst="rect">
+            <a:avLst/>
+          </a:prstGeom>
+          <a:solidFill>
+            <a:schemeClr val="accent2">
+              <a:lumMod val="20000"/>
+              <a:lumOff val="80000"/>
+            </a:schemeClr>
+          </a:solidFill>
+        </p:spPr>
+        <p:style>
+          <a:lnRef idx="2">
+            <a:schemeClr val="accent1">
+              <a:shade val="50000"/>
+            </a:schemeClr>
+          </a:lnRef>
+          <a:fillRef idx="1">
+            <a:schemeClr val="accent1"/>
+          </a:fillRef>
+          <a:effectRef idx="0">
+            <a:schemeClr val="accent1"/>
+          </a:effectRef>
+          <a:fontRef idx="minor">
+            <a:schemeClr val="lt1"/>
+          </a:fontRef>
+        </p:style>
+        <p:txBody>
+          <a:bodyPr rtlCol="0" anchor="ctr"/>
+          <a:lstStyle/>
+          <a:p>
+            <a:pPr algn="ctr"/>
+            <a:endParaRPr lang="zh-CN" altLang="en-US"/>
+          </a:p>
+        </p:txBody>
+      </p:sp>
+      <p:sp>
+        <p:nvSpPr>
+          <p:cNvPr id="41" name="矩形 40">
+            <a:extLst>
+              <a:ext uri="{FF2B5EF4-FFF2-40B4-BE49-F238E27FC236}">
+                <a16:creationId xmlns:a16="http://schemas.microsoft.com/office/drawing/2014/main" id="{1FA715A6-DE74-4346-83A7-EE5EB9CC6749}"/>
+              </a:ext>
+            </a:extLst>
+          </p:cNvPr>
+          <p:cNvSpPr/>
+          <p:nvPr/>
+        </p:nvSpPr>
+        <p:spPr>
+          <a:xfrm>
+            <a:off x="8302996" y="4921062"/>
+            <a:ext cx="207155" cy="687928"/>
+          </a:xfrm>
+          <a:prstGeom prst="rect">
+            <a:avLst/>
+          </a:prstGeom>
+          <a:solidFill>
+            <a:schemeClr val="accent6">
+              <a:lumMod val="40000"/>
+              <a:lumOff val="60000"/>
+            </a:schemeClr>
+          </a:solidFill>
+        </p:spPr>
+        <p:style>
+          <a:lnRef idx="2">
+            <a:schemeClr val="accent1">
+              <a:shade val="50000"/>
+            </a:schemeClr>
+          </a:lnRef>
+          <a:fillRef idx="1">
+            <a:schemeClr val="accent1"/>
+          </a:fillRef>
+          <a:effectRef idx="0">
+            <a:schemeClr val="accent1"/>
+          </a:effectRef>
+          <a:fontRef idx="minor">
+            <a:schemeClr val="lt1"/>
+          </a:fontRef>
+        </p:style>
+        <p:txBody>
+          <a:bodyPr rtlCol="0" anchor="ctr"/>
+          <a:lstStyle/>
+          <a:p>
+            <a:pPr algn="ctr"/>
+            <a:endParaRPr lang="zh-CN" altLang="en-US"/>
+          </a:p>
+        </p:txBody>
+      </p:sp>
+      <p:sp>
+        <p:nvSpPr>
+          <p:cNvPr id="44" name="矩形 43">
+            <a:extLst>
+              <a:ext uri="{FF2B5EF4-FFF2-40B4-BE49-F238E27FC236}">
+                <a16:creationId xmlns:a16="http://schemas.microsoft.com/office/drawing/2014/main" id="{4622D5DF-113E-4AEA-9AAC-8163631F8940}"/>
+              </a:ext>
+            </a:extLst>
+          </p:cNvPr>
+          <p:cNvSpPr/>
+          <p:nvPr/>
+        </p:nvSpPr>
+        <p:spPr>
+          <a:xfrm>
+            <a:off x="8673184" y="4926201"/>
+            <a:ext cx="207155" cy="687928"/>
+          </a:xfrm>
+          <a:prstGeom prst="rect">
+            <a:avLst/>
+          </a:prstGeom>
+          <a:solidFill>
+            <a:schemeClr val="accent5">
+              <a:lumMod val="40000"/>
+              <a:lumOff val="60000"/>
+            </a:schemeClr>
+          </a:solidFill>
+        </p:spPr>
+        <p:style>
+          <a:lnRef idx="2">
+            <a:schemeClr val="accent1">
+              <a:shade val="50000"/>
+            </a:schemeClr>
+          </a:lnRef>
+          <a:fillRef idx="1">
+            <a:schemeClr val="accent1"/>
+          </a:fillRef>
+          <a:effectRef idx="0">
+            <a:schemeClr val="accent1"/>
+          </a:effectRef>
+          <a:fontRef idx="minor">
+            <a:schemeClr val="lt1"/>
+          </a:fontRef>
+        </p:style>
+        <p:txBody>
+          <a:bodyPr rtlCol="0" anchor="ctr"/>
+          <a:lstStyle/>
+          <a:p>
+            <a:pPr algn="ctr"/>
+            <a:endParaRPr lang="zh-CN" altLang="en-US"/>
+          </a:p>
+        </p:txBody>
+      </p:sp>
+      <p:sp>
+        <p:nvSpPr>
+          <p:cNvPr id="45" name="矩形 44">
+            <a:extLst>
+              <a:ext uri="{FF2B5EF4-FFF2-40B4-BE49-F238E27FC236}">
+                <a16:creationId xmlns:a16="http://schemas.microsoft.com/office/drawing/2014/main" id="{7C5B6C12-A544-4252-A95A-31D1B9FF16C2}"/>
+              </a:ext>
+            </a:extLst>
+          </p:cNvPr>
+          <p:cNvSpPr/>
+          <p:nvPr/>
+        </p:nvSpPr>
+        <p:spPr>
+          <a:xfrm>
+            <a:off x="9051499" y="4921062"/>
+            <a:ext cx="207155" cy="687928"/>
+          </a:xfrm>
+          <a:prstGeom prst="rect">
+            <a:avLst/>
+          </a:prstGeom>
+          <a:solidFill>
+            <a:schemeClr val="accent4">
+              <a:lumMod val="60000"/>
+              <a:lumOff val="40000"/>
+            </a:schemeClr>
+          </a:solidFill>
+        </p:spPr>
+        <p:style>
+          <a:lnRef idx="2">
+            <a:schemeClr val="accent1">
+              <a:shade val="50000"/>
+            </a:schemeClr>
+          </a:lnRef>
+          <a:fillRef idx="1">
+            <a:schemeClr val="accent1"/>
+          </a:fillRef>
+          <a:effectRef idx="0">
+            <a:schemeClr val="accent1"/>
+          </a:effectRef>
+          <a:fontRef idx="minor">
+            <a:schemeClr val="lt1"/>
+          </a:fontRef>
+        </p:style>
+        <p:txBody>
+          <a:bodyPr rtlCol="0" anchor="ctr"/>
+          <a:lstStyle/>
+          <a:p>
+            <a:pPr algn="ctr"/>
+            <a:endParaRPr lang="zh-CN" altLang="en-US"/>
+          </a:p>
+        </p:txBody>
+      </p:sp>
+      <p:sp>
+        <p:nvSpPr>
+          <p:cNvPr id="46" name="矩形 45">
+            <a:extLst>
+              <a:ext uri="{FF2B5EF4-FFF2-40B4-BE49-F238E27FC236}">
+                <a16:creationId xmlns:a16="http://schemas.microsoft.com/office/drawing/2014/main" id="{574226AB-63DB-4A57-9BC4-84C8F95B0149}"/>
+              </a:ext>
+            </a:extLst>
+          </p:cNvPr>
+          <p:cNvSpPr/>
+          <p:nvPr/>
+        </p:nvSpPr>
+        <p:spPr>
+          <a:xfrm rot="16200000">
+            <a:off x="7384559" y="5156431"/>
+            <a:ext cx="687927" cy="207154"/>
+          </a:xfrm>
+          <a:prstGeom prst="rect">
+            <a:avLst/>
+          </a:prstGeom>
+          <a:solidFill>
+            <a:schemeClr val="accent2">
+              <a:lumMod val="75000"/>
+            </a:schemeClr>
+          </a:solidFill>
+        </p:spPr>
+        <p:style>
+          <a:lnRef idx="2">
+            <a:schemeClr val="accent1">
+              <a:shade val="50000"/>
+            </a:schemeClr>
+          </a:lnRef>
+          <a:fillRef idx="1">
+            <a:schemeClr val="accent1"/>
+          </a:fillRef>
+          <a:effectRef idx="0">
+            <a:schemeClr val="accent1"/>
+          </a:effectRef>
+          <a:fontRef idx="minor">
+            <a:schemeClr val="lt1"/>
+          </a:fontRef>
+        </p:style>
+        <p:txBody>
+          <a:bodyPr rtlCol="0" anchor="ctr"/>
+          <a:lstStyle/>
+          <a:p>
+            <a:pPr algn="ctr"/>
+            <a:endParaRPr lang="zh-CN" altLang="en-US"/>
+          </a:p>
+        </p:txBody>
+      </p:sp>
+      <p:sp>
+        <p:nvSpPr>
+          <p:cNvPr id="48" name="矩形 47">
+            <a:extLst>
+              <a:ext uri="{FF2B5EF4-FFF2-40B4-BE49-F238E27FC236}">
+                <a16:creationId xmlns:a16="http://schemas.microsoft.com/office/drawing/2014/main" id="{9BE56B6B-40BE-476F-B885-BA0F85DDA51D}"/>
+              </a:ext>
+            </a:extLst>
+          </p:cNvPr>
+          <p:cNvSpPr/>
+          <p:nvPr/>
+        </p:nvSpPr>
+        <p:spPr>
+          <a:xfrm rot="16200000">
+            <a:off x="7075359" y="5149135"/>
+            <a:ext cx="687927" cy="207154"/>
+          </a:xfrm>
+          <a:prstGeom prst="rect">
+            <a:avLst/>
+          </a:prstGeom>
+          <a:solidFill>
+            <a:schemeClr val="accent1">
+              <a:lumMod val="75000"/>
+            </a:schemeClr>
+          </a:solidFill>
+        </p:spPr>
+        <p:style>
+          <a:lnRef idx="2">
+            <a:schemeClr val="accent1">
+              <a:shade val="50000"/>
+            </a:schemeClr>
+          </a:lnRef>
+          <a:fillRef idx="1">
+            <a:schemeClr val="accent1"/>
+          </a:fillRef>
+          <a:effectRef idx="0">
+            <a:schemeClr val="accent1"/>
+          </a:effectRef>
+          <a:fontRef idx="minor">
+            <a:schemeClr val="lt1"/>
+          </a:fontRef>
+        </p:style>
+        <p:txBody>
+          <a:bodyPr rtlCol="0" anchor="ctr"/>
+          <a:lstStyle/>
+          <a:p>
+            <a:pPr algn="ctr"/>
+            <a:endParaRPr lang="zh-CN" altLang="en-US"/>
+          </a:p>
+        </p:txBody>
+      </p:sp>
+      <p:sp>
+        <p:nvSpPr>
+          <p:cNvPr id="4" name="文本框 3">
+            <a:extLst>
+              <a:ext uri="{FF2B5EF4-FFF2-40B4-BE49-F238E27FC236}">
+                <a16:creationId xmlns:a16="http://schemas.microsoft.com/office/drawing/2014/main" id="{A538FDFA-96F8-4AB5-98F7-A2BDDE9AA746}"/>
+              </a:ext>
+            </a:extLst>
+          </p:cNvPr>
+          <p:cNvSpPr txBox="1"/>
+          <p:nvPr/>
+        </p:nvSpPr>
+        <p:spPr>
+          <a:xfrm>
+            <a:off x="7869033" y="5922335"/>
+            <a:ext cx="2571192" cy="584775"/>
+          </a:xfrm>
+          <a:prstGeom prst="rect">
+            <a:avLst/>
+          </a:prstGeom>
+          <a:noFill/>
+        </p:spPr>
+        <p:txBody>
+          <a:bodyPr wrap="square" rtlCol="0">
+            <a:spAutoFit/>
+          </a:bodyPr>
+          <a:lstStyle/>
+          <a:p>
+            <a:pPr algn="l"/>
+            <a:r>
+              <a:rPr lang="zh-CN" altLang="en-US" sz="1600" dirty="0">
+                <a:latin typeface="微软雅黑" panose="020B0503020204020204" pitchFamily="34" charset="-122"/>
+                <a:ea typeface="微软雅黑" panose="020B0503020204020204" pitchFamily="34" charset="-122"/>
+              </a:rPr>
+              <a:t>前两个</a:t>
+            </a:r>
+            <a:r>
+              <a:rPr lang="en-US" altLang="zh-CN" sz="1600" dirty="0">
+                <a:latin typeface="微软雅黑" panose="020B0503020204020204" pitchFamily="34" charset="-122"/>
+                <a:ea typeface="微软雅黑" panose="020B0503020204020204" pitchFamily="34" charset="-122"/>
+              </a:rPr>
+              <a:t>batch(4</a:t>
+            </a:r>
+            <a:r>
+              <a:rPr lang="zh-CN" altLang="en-US" sz="1600" dirty="0">
+                <a:latin typeface="微软雅黑" panose="020B0503020204020204" pitchFamily="34" charset="-122"/>
+                <a:ea typeface="微软雅黑" panose="020B0503020204020204" pitchFamily="34" charset="-122"/>
+              </a:rPr>
+              <a:t>个句子</a:t>
+            </a:r>
+            <a:r>
+              <a:rPr lang="en-US" altLang="zh-CN" sz="1600" dirty="0">
+                <a:latin typeface="微软雅黑" panose="020B0503020204020204" pitchFamily="34" charset="-122"/>
+                <a:ea typeface="微软雅黑" panose="020B0503020204020204" pitchFamily="34" charset="-122"/>
+              </a:rPr>
+              <a:t>)</a:t>
+            </a:r>
+            <a:r>
+              <a:rPr lang="zh-CN" altLang="en-US" sz="1600" dirty="0">
+                <a:latin typeface="微软雅黑" panose="020B0503020204020204" pitchFamily="34" charset="-122"/>
+                <a:ea typeface="微软雅黑" panose="020B0503020204020204" pitchFamily="34" charset="-122"/>
+              </a:rPr>
+              <a:t>的句向量</a:t>
+            </a:r>
+          </a:p>
+        </p:txBody>
+      </p:sp>
+      <p:sp>
+        <p:nvSpPr>
+          <p:cNvPr id="7" name="左大括号 6">
+            <a:extLst>
+              <a:ext uri="{FF2B5EF4-FFF2-40B4-BE49-F238E27FC236}">
+                <a16:creationId xmlns:a16="http://schemas.microsoft.com/office/drawing/2014/main" id="{6CB3DFE1-716E-4A64-9E5F-70A90FD1A594}"/>
+              </a:ext>
+            </a:extLst>
+          </p:cNvPr>
+          <p:cNvSpPr/>
+          <p:nvPr/>
+        </p:nvSpPr>
+        <p:spPr>
+          <a:xfrm rot="16200000">
+            <a:off x="8437217" y="5100901"/>
+            <a:ext cx="318363" cy="1324503"/>
+          </a:xfrm>
+          <a:prstGeom prst="leftBrace">
+            <a:avLst/>
+          </a:prstGeom>
+          <a:ln w="12700">
+            <a:solidFill>
+              <a:schemeClr val="tx1"/>
+            </a:solidFill>
+          </a:ln>
+        </p:spPr>
+        <p:style>
+          <a:lnRef idx="1">
+            <a:schemeClr val="accent1"/>
+          </a:lnRef>
+          <a:fillRef idx="0">
+            <a:schemeClr val="accent1"/>
+          </a:fillRef>
+          <a:effectRef idx="0">
+            <a:schemeClr val="accent1"/>
+          </a:effectRef>
+          <a:fontRef idx="minor">
+            <a:schemeClr val="tx1"/>
+          </a:fontRef>
+        </p:style>
+        <p:txBody>
+          <a:bodyPr rtlCol="0" anchor="ctr"/>
+          <a:lstStyle/>
+          <a:p>
+            <a:pPr algn="ctr"/>
+            <a:endParaRPr lang="zh-CN" altLang="en-US"/>
+          </a:p>
+        </p:txBody>
+      </p:sp>
+    </p:spTree>
+    <p:extLst>
+      <p:ext uri="{BB962C8B-B14F-4D97-AF65-F5344CB8AC3E}">
+        <p14:creationId xmlns:p14="http://schemas.microsoft.com/office/powerpoint/2010/main" val="2582188399"/>
+      </p:ext>
+    </p:extLst>
+  </p:cSld>
+  <p:clrMapOvr>
+    <a:masterClrMapping/>
+  </p:clrMapOvr>
+</p:sld>
+</file>
+
+<file path=ppt/slides/slide13.xml><?xml version="1.0" encoding="utf-8"?>
+<p:sld xmlns:a="http://schemas.openxmlformats.org/drawingml/2006/main" xmlns:r="http://schemas.openxmlformats.org/officeDocument/2006/relationships" xmlns:p="http://schemas.openxmlformats.org/presentationml/2006/main">
+  <p:cSld>
+    <p:spTree>
+      <p:nvGrpSpPr>
+        <p:cNvPr id="1" name=""/>
+        <p:cNvGrpSpPr/>
+        <p:nvPr/>
+      </p:nvGrpSpPr>
+      <p:grpSpPr>
+        <a:xfrm>
+          <a:off x="0" y="0"/>
+          <a:ext cx="0" cy="0"/>
+          <a:chOff x="0" y="0"/>
+          <a:chExt cx="0" cy="0"/>
+        </a:xfrm>
+      </p:grpSpPr>
+      <p:sp>
+        <p:nvSpPr>
+          <p:cNvPr id="12" name="椭圆 11">
+            <a:extLst>
+              <a:ext uri="{FF2B5EF4-FFF2-40B4-BE49-F238E27FC236}">
+                <a16:creationId xmlns:a16="http://schemas.microsoft.com/office/drawing/2014/main" id="{22B371A5-7801-48AF-8291-1E4FC2944016}"/>
+              </a:ext>
+            </a:extLst>
+          </p:cNvPr>
+          <p:cNvSpPr/>
+          <p:nvPr/>
+        </p:nvSpPr>
+        <p:spPr>
+          <a:xfrm>
+            <a:off x="2428240" y="2343233"/>
+            <a:ext cx="1605280" cy="670560"/>
+          </a:xfrm>
+          <a:prstGeom prst="ellipse">
+            <a:avLst/>
+          </a:prstGeom>
+          <a:solidFill>
+            <a:schemeClr val="accent4">
+              <a:lumMod val="40000"/>
+              <a:lumOff val="60000"/>
+            </a:schemeClr>
+          </a:solidFill>
+        </p:spPr>
+        <p:style>
+          <a:lnRef idx="2">
+            <a:schemeClr val="accent1">
+              <a:shade val="50000"/>
+            </a:schemeClr>
+          </a:lnRef>
+          <a:fillRef idx="1">
+            <a:schemeClr val="accent1"/>
+          </a:fillRef>
+          <a:effectRef idx="0">
+            <a:schemeClr val="accent1"/>
+          </a:effectRef>
+          <a:fontRef idx="minor">
+            <a:schemeClr val="lt1"/>
+          </a:fontRef>
+        </p:style>
+        <p:txBody>
+          <a:bodyPr rtlCol="0" anchor="ctr"/>
+          <a:lstStyle/>
+          <a:p>
+            <a:pPr algn="ctr"/>
+            <a:r>
+              <a:rPr lang="en-US" altLang="zh-CN" sz="1400" dirty="0">
+                <a:ln w="0"/>
+                <a:solidFill>
+                  <a:schemeClr val="tx1"/>
+                </a:solidFill>
+                <a:effectLst>
+                  <a:outerShdw blurRad="38100" dist="19050" dir="2700000" algn="tl" rotWithShape="0">
+                    <a:schemeClr val="dk1">
+                      <a:alpha val="40000"/>
+                    </a:schemeClr>
+                  </a:outerShdw>
+                </a:effectLst>
+              </a:rPr>
+              <a:t>Contrastive loss</a:t>
+            </a:r>
+            <a:endParaRPr lang="zh-CN" altLang="en-US" sz="1400" dirty="0">
+              <a:ln w="0"/>
+              <a:solidFill>
+                <a:schemeClr val="tx1"/>
+              </a:solidFill>
+              <a:effectLst>
+                <a:outerShdw blurRad="38100" dist="19050" dir="2700000" algn="tl" rotWithShape="0">
+                  <a:schemeClr val="dk1">
+                    <a:alpha val="40000"/>
+                  </a:schemeClr>
+                </a:outerShdw>
+              </a:effectLst>
+            </a:endParaRPr>
+          </a:p>
+        </p:txBody>
+      </p:sp>
+      <p:cxnSp>
+        <p:nvCxnSpPr>
+          <p:cNvPr id="13" name="直接箭头连接符 12">
+            <a:extLst>
+              <a:ext uri="{FF2B5EF4-FFF2-40B4-BE49-F238E27FC236}">
+                <a16:creationId xmlns:a16="http://schemas.microsoft.com/office/drawing/2014/main" id="{8B811C52-4F0A-4A19-8A04-AB1A5FC69BE0}"/>
+              </a:ext>
+            </a:extLst>
+          </p:cNvPr>
+          <p:cNvCxnSpPr>
+            <a:cxnSpLocks/>
+          </p:cNvCxnSpPr>
+          <p:nvPr/>
+        </p:nvCxnSpPr>
+        <p:spPr>
+          <a:xfrm flipV="1">
+            <a:off x="1726268" y="5650381"/>
+            <a:ext cx="0" cy="562135"/>
+          </a:xfrm>
+          <a:prstGeom prst="straightConnector1">
+            <a:avLst/>
+          </a:prstGeom>
+          <a:ln>
+            <a:tailEnd type="triangle"/>
+          </a:ln>
+        </p:spPr>
+        <p:style>
+          <a:lnRef idx="1">
+            <a:schemeClr val="dk1"/>
+          </a:lnRef>
+          <a:fillRef idx="0">
+            <a:schemeClr val="dk1"/>
+          </a:fillRef>
+          <a:effectRef idx="0">
+            <a:schemeClr val="dk1"/>
+          </a:effectRef>
+          <a:fontRef idx="minor">
+            <a:schemeClr val="tx1"/>
+          </a:fontRef>
+        </p:style>
+      </p:cxnSp>
+      <p:sp>
+        <p:nvSpPr>
+          <p:cNvPr id="18" name="矩形 17">
+            <a:extLst>
+              <a:ext uri="{FF2B5EF4-FFF2-40B4-BE49-F238E27FC236}">
+                <a16:creationId xmlns:a16="http://schemas.microsoft.com/office/drawing/2014/main" id="{3DA81C02-6319-4A94-9FF9-420825B524F8}"/>
+              </a:ext>
+            </a:extLst>
+          </p:cNvPr>
+          <p:cNvSpPr/>
+          <p:nvPr/>
+        </p:nvSpPr>
+        <p:spPr>
+          <a:xfrm>
+            <a:off x="1360151" y="3560194"/>
+            <a:ext cx="732234" cy="162560"/>
+          </a:xfrm>
+          <a:prstGeom prst="rect">
+            <a:avLst/>
+          </a:prstGeom>
+          <a:solidFill>
+            <a:schemeClr val="accent6">
+              <a:lumMod val="40000"/>
+              <a:lumOff val="60000"/>
+            </a:schemeClr>
+          </a:solidFill>
+        </p:spPr>
+        <p:style>
+          <a:lnRef idx="2">
+            <a:schemeClr val="accent1">
+              <a:shade val="50000"/>
+            </a:schemeClr>
+          </a:lnRef>
+          <a:fillRef idx="1">
+            <a:schemeClr val="accent1"/>
+          </a:fillRef>
+          <a:effectRef idx="0">
+            <a:schemeClr val="accent1"/>
+          </a:effectRef>
+          <a:fontRef idx="minor">
+            <a:schemeClr val="lt1"/>
+          </a:fontRef>
+        </p:style>
+        <p:txBody>
+          <a:bodyPr rtlCol="0" anchor="ctr"/>
+          <a:lstStyle/>
+          <a:p>
+            <a:pPr algn="ctr"/>
+            <a:endParaRPr lang="zh-CN" altLang="en-US"/>
+          </a:p>
+        </p:txBody>
+      </p:sp>
+      <p:sp>
+        <p:nvSpPr>
+          <p:cNvPr id="19" name="矩形 18">
+            <a:extLst>
+              <a:ext uri="{FF2B5EF4-FFF2-40B4-BE49-F238E27FC236}">
+                <a16:creationId xmlns:a16="http://schemas.microsoft.com/office/drawing/2014/main" id="{06BE92E1-EAEC-4CBC-A610-A1D8CCC31FFA}"/>
+              </a:ext>
+            </a:extLst>
+          </p:cNvPr>
+          <p:cNvSpPr/>
+          <p:nvPr/>
+        </p:nvSpPr>
+        <p:spPr>
+          <a:xfrm>
+            <a:off x="1360416" y="3814194"/>
+            <a:ext cx="732234" cy="162560"/>
+          </a:xfrm>
+          <a:prstGeom prst="rect">
+            <a:avLst/>
+          </a:prstGeom>
+          <a:solidFill>
+            <a:schemeClr val="tx2">
+              <a:lumMod val="40000"/>
+              <a:lumOff val="60000"/>
+            </a:schemeClr>
+          </a:solidFill>
+        </p:spPr>
+        <p:style>
+          <a:lnRef idx="2">
+            <a:schemeClr val="accent1">
+              <a:shade val="50000"/>
+            </a:schemeClr>
+          </a:lnRef>
+          <a:fillRef idx="1">
+            <a:schemeClr val="accent1"/>
+          </a:fillRef>
+          <a:effectRef idx="0">
+            <a:schemeClr val="accent1"/>
+          </a:effectRef>
+          <a:fontRef idx="minor">
+            <a:schemeClr val="lt1"/>
+          </a:fontRef>
+        </p:style>
+        <p:txBody>
+          <a:bodyPr rtlCol="0" anchor="ctr"/>
+          <a:lstStyle/>
+          <a:p>
+            <a:pPr algn="ctr"/>
+            <a:endParaRPr lang="zh-CN" altLang="en-US"/>
+          </a:p>
+        </p:txBody>
+      </p:sp>
+      <p:sp>
+        <p:nvSpPr>
+          <p:cNvPr id="28" name="矩形: 圆角 27">
+            <a:extLst>
+              <a:ext uri="{FF2B5EF4-FFF2-40B4-BE49-F238E27FC236}">
+                <a16:creationId xmlns:a16="http://schemas.microsoft.com/office/drawing/2014/main" id="{7C9E0140-1D60-4892-8847-1DC3DAF24BF4}"/>
+              </a:ext>
+            </a:extLst>
+          </p:cNvPr>
+          <p:cNvSpPr/>
+          <p:nvPr/>
+        </p:nvSpPr>
+        <p:spPr>
+          <a:xfrm>
+            <a:off x="702511" y="4544320"/>
+            <a:ext cx="2062480" cy="1085758"/>
+          </a:xfrm>
+          <a:prstGeom prst="roundRect">
+            <a:avLst/>
+          </a:prstGeom>
+          <a:solidFill>
+            <a:schemeClr val="accent6">
+              <a:lumMod val="20000"/>
+              <a:lumOff val="80000"/>
+            </a:schemeClr>
+          </a:solidFill>
+        </p:spPr>
+        <p:style>
+          <a:lnRef idx="2">
+            <a:schemeClr val="accent1">
+              <a:shade val="50000"/>
+            </a:schemeClr>
+          </a:lnRef>
+          <a:fillRef idx="1">
+            <a:schemeClr val="accent1"/>
+          </a:fillRef>
+          <a:effectRef idx="0">
+            <a:schemeClr val="accent1"/>
+          </a:effectRef>
+          <a:fontRef idx="minor">
+            <a:schemeClr val="lt1"/>
+          </a:fontRef>
+        </p:style>
+        <p:txBody>
+          <a:bodyPr rtlCol="0" anchor="ctr"/>
+          <a:lstStyle/>
+          <a:p>
+            <a:pPr algn="ctr"/>
+            <a:r>
+              <a:rPr lang="en-US" altLang="zh-CN" sz="2400" dirty="0" err="1">
+                <a:solidFill>
+                  <a:schemeClr val="tx1"/>
+                </a:solidFill>
+                <a:latin typeface="微软雅黑" panose="020B0503020204020204" pitchFamily="34" charset="-122"/>
+                <a:ea typeface="微软雅黑" panose="020B0503020204020204" pitchFamily="34" charset="-122"/>
+              </a:rPr>
+              <a:t>BERTq</a:t>
+            </a:r>
+            <a:endParaRPr lang="zh-CN" altLang="en-US" sz="2400" dirty="0">
+              <a:solidFill>
+                <a:schemeClr val="tx1"/>
+              </a:solidFill>
+              <a:latin typeface="微软雅黑" panose="020B0503020204020204" pitchFamily="34" charset="-122"/>
+              <a:ea typeface="微软雅黑" panose="020B0503020204020204" pitchFamily="34" charset="-122"/>
+            </a:endParaRPr>
+          </a:p>
+        </p:txBody>
+      </p:sp>
+      <p:cxnSp>
+        <p:nvCxnSpPr>
+          <p:cNvPr id="33" name="直接箭头连接符 32">
+            <a:extLst>
+              <a:ext uri="{FF2B5EF4-FFF2-40B4-BE49-F238E27FC236}">
+                <a16:creationId xmlns:a16="http://schemas.microsoft.com/office/drawing/2014/main" id="{4CEB84A4-1568-4C17-A7C1-12D318E58351}"/>
+              </a:ext>
+            </a:extLst>
+          </p:cNvPr>
+          <p:cNvCxnSpPr>
+            <a:cxnSpLocks/>
+          </p:cNvCxnSpPr>
+          <p:nvPr/>
+        </p:nvCxnSpPr>
+        <p:spPr>
+          <a:xfrm flipV="1">
+            <a:off x="5068702" y="5630078"/>
+            <a:ext cx="0" cy="562135"/>
+          </a:xfrm>
+          <a:prstGeom prst="straightConnector1">
+            <a:avLst/>
+          </a:prstGeom>
+          <a:ln>
+            <a:tailEnd type="triangle"/>
+          </a:ln>
+        </p:spPr>
+        <p:style>
+          <a:lnRef idx="1">
+            <a:schemeClr val="dk1"/>
+          </a:lnRef>
+          <a:fillRef idx="0">
+            <a:schemeClr val="dk1"/>
+          </a:fillRef>
+          <a:effectRef idx="0">
+            <a:schemeClr val="dk1"/>
+          </a:effectRef>
+          <a:fontRef idx="minor">
+            <a:schemeClr val="tx1"/>
+          </a:fontRef>
+        </p:style>
+      </p:cxnSp>
+      <p:cxnSp>
+        <p:nvCxnSpPr>
+          <p:cNvPr id="36" name="直接箭头连接符 35">
+            <a:extLst>
+              <a:ext uri="{FF2B5EF4-FFF2-40B4-BE49-F238E27FC236}">
+                <a16:creationId xmlns:a16="http://schemas.microsoft.com/office/drawing/2014/main" id="{604944CA-0449-433C-9DD8-BFC1F51E3F38}"/>
+              </a:ext>
+            </a:extLst>
+          </p:cNvPr>
+          <p:cNvCxnSpPr>
+            <a:cxnSpLocks/>
+          </p:cNvCxnSpPr>
+          <p:nvPr/>
+        </p:nvCxnSpPr>
+        <p:spPr>
+          <a:xfrm flipV="1">
+            <a:off x="1726268" y="3983066"/>
+            <a:ext cx="0" cy="562135"/>
+          </a:xfrm>
+          <a:prstGeom prst="straightConnector1">
+            <a:avLst/>
+          </a:prstGeom>
+          <a:ln>
+            <a:tailEnd type="triangle"/>
+          </a:ln>
+        </p:spPr>
+        <p:style>
+          <a:lnRef idx="1">
+            <a:schemeClr val="dk1"/>
+          </a:lnRef>
+          <a:fillRef idx="0">
+            <a:schemeClr val="dk1"/>
+          </a:fillRef>
+          <a:effectRef idx="0">
+            <a:schemeClr val="dk1"/>
+          </a:effectRef>
+          <a:fontRef idx="minor">
+            <a:schemeClr val="tx1"/>
+          </a:fontRef>
+        </p:style>
+      </p:cxnSp>
+      <p:cxnSp>
+        <p:nvCxnSpPr>
+          <p:cNvPr id="43" name="直接箭头连接符 42">
+            <a:extLst>
+              <a:ext uri="{FF2B5EF4-FFF2-40B4-BE49-F238E27FC236}">
+                <a16:creationId xmlns:a16="http://schemas.microsoft.com/office/drawing/2014/main" id="{DD4CBC82-F477-49B4-97BB-21C18D6C2009}"/>
+              </a:ext>
+            </a:extLst>
+          </p:cNvPr>
+          <p:cNvCxnSpPr>
+            <a:cxnSpLocks/>
+          </p:cNvCxnSpPr>
+          <p:nvPr/>
+        </p:nvCxnSpPr>
+        <p:spPr>
+          <a:xfrm flipV="1">
+            <a:off x="5068728" y="3963091"/>
+            <a:ext cx="0" cy="562135"/>
+          </a:xfrm>
+          <a:prstGeom prst="straightConnector1">
+            <a:avLst/>
+          </a:prstGeom>
+          <a:ln>
+            <a:tailEnd type="triangle"/>
+          </a:ln>
+        </p:spPr>
+        <p:style>
+          <a:lnRef idx="1">
+            <a:schemeClr val="dk1"/>
+          </a:lnRef>
+          <a:fillRef idx="0">
+            <a:schemeClr val="dk1"/>
+          </a:fillRef>
+          <a:effectRef idx="0">
+            <a:schemeClr val="dk1"/>
+          </a:effectRef>
+          <a:fontRef idx="minor">
+            <a:schemeClr val="tx1"/>
+          </a:fontRef>
+        </p:style>
+      </p:cxnSp>
+      <p:cxnSp>
+        <p:nvCxnSpPr>
+          <p:cNvPr id="47" name="直接箭头连接符 46">
+            <a:extLst>
+              <a:ext uri="{FF2B5EF4-FFF2-40B4-BE49-F238E27FC236}">
+                <a16:creationId xmlns:a16="http://schemas.microsoft.com/office/drawing/2014/main" id="{3C5541EF-0E30-407E-A84E-8A08317C91A1}"/>
+              </a:ext>
+            </a:extLst>
+          </p:cNvPr>
+          <p:cNvCxnSpPr>
+            <a:cxnSpLocks/>
+            <a:stCxn id="18" idx="0"/>
+            <a:endCxn id="12" idx="4"/>
+          </p:cNvCxnSpPr>
+          <p:nvPr/>
+        </p:nvCxnSpPr>
+        <p:spPr>
+          <a:xfrm flipV="1">
+            <a:off x="1726268" y="3013793"/>
+            <a:ext cx="1504612" cy="546401"/>
+          </a:xfrm>
+          <a:prstGeom prst="straightConnector1">
+            <a:avLst/>
+          </a:prstGeom>
+          <a:ln>
+            <a:tailEnd type="triangle"/>
+          </a:ln>
+        </p:spPr>
+        <p:style>
+          <a:lnRef idx="1">
+            <a:schemeClr val="dk1"/>
+          </a:lnRef>
+          <a:fillRef idx="0">
+            <a:schemeClr val="dk1"/>
+          </a:fillRef>
+          <a:effectRef idx="0">
+            <a:schemeClr val="dk1"/>
+          </a:effectRef>
+          <a:fontRef idx="minor">
+            <a:schemeClr val="tx1"/>
+          </a:fontRef>
+        </p:style>
+      </p:cxnSp>
+      <p:sp>
+        <p:nvSpPr>
+          <p:cNvPr id="50" name="矩形: 圆角 49">
+            <a:extLst>
+              <a:ext uri="{FF2B5EF4-FFF2-40B4-BE49-F238E27FC236}">
+                <a16:creationId xmlns:a16="http://schemas.microsoft.com/office/drawing/2014/main" id="{F3F8AC26-3BF8-4303-AA27-549E62523C96}"/>
+              </a:ext>
+            </a:extLst>
+          </p:cNvPr>
+          <p:cNvSpPr/>
+          <p:nvPr/>
+        </p:nvSpPr>
+        <p:spPr>
+          <a:xfrm>
+            <a:off x="4033520" y="4544320"/>
+            <a:ext cx="2062480" cy="1085758"/>
+          </a:xfrm>
+          <a:prstGeom prst="roundRect">
+            <a:avLst/>
+          </a:prstGeom>
+          <a:solidFill>
+            <a:schemeClr val="accent2">
+              <a:lumMod val="20000"/>
+              <a:lumOff val="80000"/>
+            </a:schemeClr>
+          </a:solidFill>
+        </p:spPr>
+        <p:style>
+          <a:lnRef idx="2">
+            <a:schemeClr val="accent1">
+              <a:shade val="50000"/>
+            </a:schemeClr>
+          </a:lnRef>
+          <a:fillRef idx="1">
+            <a:schemeClr val="accent1"/>
+          </a:fillRef>
+          <a:effectRef idx="0">
+            <a:schemeClr val="accent1"/>
+          </a:effectRef>
+          <a:fontRef idx="minor">
+            <a:schemeClr val="lt1"/>
+          </a:fontRef>
+        </p:style>
+        <p:txBody>
+          <a:bodyPr rtlCol="0" anchor="ctr"/>
+          <a:lstStyle/>
+          <a:p>
+            <a:pPr algn="ctr"/>
+            <a:r>
+              <a:rPr lang="en-US" altLang="zh-CN" sz="2400" dirty="0" err="1">
+                <a:solidFill>
+                  <a:schemeClr val="tx1"/>
+                </a:solidFill>
+                <a:latin typeface="微软雅黑" panose="020B0503020204020204" pitchFamily="34" charset="-122"/>
+                <a:ea typeface="微软雅黑" panose="020B0503020204020204" pitchFamily="34" charset="-122"/>
+              </a:rPr>
+              <a:t>BERTk</a:t>
+            </a:r>
+            <a:endParaRPr lang="zh-CN" altLang="en-US" sz="2400" dirty="0">
+              <a:solidFill>
+                <a:schemeClr val="tx1"/>
+              </a:solidFill>
+              <a:latin typeface="微软雅黑" panose="020B0503020204020204" pitchFamily="34" charset="-122"/>
+              <a:ea typeface="微软雅黑" panose="020B0503020204020204" pitchFamily="34" charset="-122"/>
+            </a:endParaRPr>
+          </a:p>
+        </p:txBody>
+      </p:sp>
+      <p:sp>
+        <p:nvSpPr>
+          <p:cNvPr id="24" name="文本框 23">
+            <a:extLst>
+              <a:ext uri="{FF2B5EF4-FFF2-40B4-BE49-F238E27FC236}">
+                <a16:creationId xmlns:a16="http://schemas.microsoft.com/office/drawing/2014/main" id="{85A40CCF-0426-4A3C-B56E-FCDD8E05853B}"/>
+              </a:ext>
+            </a:extLst>
+          </p:cNvPr>
+          <p:cNvSpPr txBox="1"/>
+          <p:nvPr/>
+        </p:nvSpPr>
+        <p:spPr>
+          <a:xfrm>
+            <a:off x="459783" y="6157031"/>
+            <a:ext cx="3281675" cy="461665"/>
+          </a:xfrm>
+          <a:prstGeom prst="rect">
+            <a:avLst/>
+          </a:prstGeom>
+          <a:noFill/>
+        </p:spPr>
+        <p:txBody>
+          <a:bodyPr wrap="square" rtlCol="0">
+            <a:spAutoFit/>
+          </a:bodyPr>
+          <a:lstStyle/>
+          <a:p>
+            <a:r>
+              <a:rPr lang="zh-CN" altLang="en-US" sz="1200" dirty="0">
+                <a:latin typeface="微软雅黑" panose="020B0503020204020204" pitchFamily="34" charset="-122"/>
+                <a:ea typeface="微软雅黑" panose="020B0503020204020204" pitchFamily="34" charset="-122"/>
+              </a:rPr>
+              <a:t>网易新闻和腾讯新闻哪个强</a:t>
+            </a:r>
+            <a:endParaRPr lang="en-US" altLang="zh-CN" sz="1200" dirty="0">
+              <a:latin typeface="微软雅黑" panose="020B0503020204020204" pitchFamily="34" charset="-122"/>
+              <a:ea typeface="微软雅黑" panose="020B0503020204020204" pitchFamily="34" charset="-122"/>
+            </a:endParaRPr>
+          </a:p>
+          <a:p>
+            <a:r>
+              <a:rPr lang="zh-CN" altLang="en-US" sz="1200" dirty="0">
+                <a:latin typeface="微软雅黑" panose="020B0503020204020204" pitchFamily="34" charset="-122"/>
+                <a:ea typeface="微软雅黑" panose="020B0503020204020204" pitchFamily="34" charset="-122"/>
+              </a:rPr>
+              <a:t>去哪儿网特价机票怎样订	</a:t>
+            </a:r>
+            <a:endParaRPr lang="en-US" altLang="zh-CN" sz="1200" dirty="0">
+              <a:latin typeface="微软雅黑" panose="020B0503020204020204" pitchFamily="34" charset="-122"/>
+              <a:ea typeface="微软雅黑" panose="020B0503020204020204" pitchFamily="34" charset="-122"/>
+            </a:endParaRPr>
+          </a:p>
+        </p:txBody>
+      </p:sp>
+      <p:sp>
+        <p:nvSpPr>
+          <p:cNvPr id="38" name="矩形 37">
+            <a:extLst>
+              <a:ext uri="{FF2B5EF4-FFF2-40B4-BE49-F238E27FC236}">
+                <a16:creationId xmlns:a16="http://schemas.microsoft.com/office/drawing/2014/main" id="{A52B223D-5FE7-4E40-8B84-1B49F19E54E3}"/>
+              </a:ext>
+            </a:extLst>
+          </p:cNvPr>
+          <p:cNvSpPr/>
+          <p:nvPr/>
+        </p:nvSpPr>
+        <p:spPr>
+          <a:xfrm>
+            <a:off x="4702320" y="3539161"/>
+            <a:ext cx="732234" cy="162560"/>
+          </a:xfrm>
+          <a:prstGeom prst="rect">
+            <a:avLst/>
+          </a:prstGeom>
+          <a:solidFill>
+            <a:schemeClr val="accent2">
+              <a:lumMod val="75000"/>
+            </a:schemeClr>
+          </a:solidFill>
+        </p:spPr>
+        <p:style>
+          <a:lnRef idx="2">
+            <a:schemeClr val="accent1">
+              <a:shade val="50000"/>
+            </a:schemeClr>
+          </a:lnRef>
+          <a:fillRef idx="1">
+            <a:schemeClr val="accent1"/>
+          </a:fillRef>
+          <a:effectRef idx="0">
+            <a:schemeClr val="accent1"/>
+          </a:effectRef>
+          <a:fontRef idx="minor">
+            <a:schemeClr val="lt1"/>
+          </a:fontRef>
+        </p:style>
+        <p:txBody>
+          <a:bodyPr rtlCol="0" anchor="ctr"/>
+          <a:lstStyle/>
+          <a:p>
+            <a:pPr algn="ctr"/>
+            <a:endParaRPr lang="zh-CN" altLang="en-US"/>
+          </a:p>
+        </p:txBody>
+      </p:sp>
+      <p:sp>
+        <p:nvSpPr>
+          <p:cNvPr id="39" name="矩形 38">
+            <a:extLst>
+              <a:ext uri="{FF2B5EF4-FFF2-40B4-BE49-F238E27FC236}">
+                <a16:creationId xmlns:a16="http://schemas.microsoft.com/office/drawing/2014/main" id="{25B06C1E-4D01-46CA-A7A4-1048D047556A}"/>
+              </a:ext>
+            </a:extLst>
+          </p:cNvPr>
+          <p:cNvSpPr/>
+          <p:nvPr/>
+        </p:nvSpPr>
+        <p:spPr>
+          <a:xfrm>
+            <a:off x="4702585" y="3793161"/>
+            <a:ext cx="732234" cy="162560"/>
+          </a:xfrm>
+          <a:prstGeom prst="rect">
+            <a:avLst/>
+          </a:prstGeom>
+          <a:solidFill>
+            <a:schemeClr val="accent1">
+              <a:lumMod val="75000"/>
+            </a:schemeClr>
+          </a:solidFill>
+        </p:spPr>
+        <p:style>
+          <a:lnRef idx="2">
+            <a:schemeClr val="accent1">
+              <a:shade val="50000"/>
+            </a:schemeClr>
+          </a:lnRef>
+          <a:fillRef idx="1">
+            <a:schemeClr val="accent1"/>
+          </a:fillRef>
+          <a:effectRef idx="0">
+            <a:schemeClr val="accent1"/>
+          </a:effectRef>
+          <a:fontRef idx="minor">
+            <a:schemeClr val="lt1"/>
+          </a:fontRef>
+        </p:style>
+        <p:txBody>
+          <a:bodyPr rtlCol="0" anchor="ctr"/>
+          <a:lstStyle/>
+          <a:p>
+            <a:pPr algn="ctr"/>
+            <a:endParaRPr lang="zh-CN" altLang="en-US" b="1" dirty="0"/>
+          </a:p>
+        </p:txBody>
+      </p:sp>
+      <p:sp>
+        <p:nvSpPr>
+          <p:cNvPr id="42" name="文本框 41">
+            <a:extLst>
+              <a:ext uri="{FF2B5EF4-FFF2-40B4-BE49-F238E27FC236}">
+                <a16:creationId xmlns:a16="http://schemas.microsoft.com/office/drawing/2014/main" id="{92E25C4F-4A11-4D4A-A2A9-F70F19AAE19F}"/>
+              </a:ext>
+            </a:extLst>
+          </p:cNvPr>
+          <p:cNvSpPr txBox="1"/>
+          <p:nvPr/>
+        </p:nvSpPr>
+        <p:spPr>
+          <a:xfrm>
+            <a:off x="3776380" y="6157031"/>
+            <a:ext cx="3194008" cy="461665"/>
+          </a:xfrm>
+          <a:prstGeom prst="rect">
+            <a:avLst/>
+          </a:prstGeom>
+          <a:noFill/>
+        </p:spPr>
+        <p:txBody>
+          <a:bodyPr wrap="square" rtlCol="0">
+            <a:spAutoFit/>
+          </a:bodyPr>
+          <a:lstStyle/>
+          <a:p>
+            <a:r>
+              <a:rPr lang="zh-CN" altLang="en-US" sz="1200" dirty="0">
+                <a:latin typeface="微软雅黑" panose="020B0503020204020204" pitchFamily="34" charset="-122"/>
+                <a:ea typeface="微软雅黑" panose="020B0503020204020204" pitchFamily="34" charset="-122"/>
+              </a:rPr>
+              <a:t>网易新闻闻和和腾讯新闻哪哪个强强</a:t>
+            </a:r>
+            <a:endParaRPr lang="en-US" altLang="zh-CN" sz="1200" dirty="0">
+              <a:latin typeface="微软雅黑" panose="020B0503020204020204" pitchFamily="34" charset="-122"/>
+              <a:ea typeface="微软雅黑" panose="020B0503020204020204" pitchFamily="34" charset="-122"/>
+            </a:endParaRPr>
+          </a:p>
+          <a:p>
+            <a:r>
+              <a:rPr lang="zh-CN" altLang="en-US" sz="1200" dirty="0">
+                <a:latin typeface="微软雅黑" panose="020B0503020204020204" pitchFamily="34" charset="-122"/>
+                <a:ea typeface="微软雅黑" panose="020B0503020204020204" pitchFamily="34" charset="-122"/>
+              </a:rPr>
+              <a:t>去去哪儿网网特特价机票怎样订订	</a:t>
+            </a:r>
+            <a:endParaRPr lang="en-US" altLang="zh-CN" sz="1200" dirty="0">
+              <a:latin typeface="微软雅黑" panose="020B0503020204020204" pitchFamily="34" charset="-122"/>
+              <a:ea typeface="微软雅黑" panose="020B0503020204020204" pitchFamily="34" charset="-122"/>
+            </a:endParaRPr>
+          </a:p>
+        </p:txBody>
+      </p:sp>
+      <p:sp>
+        <p:nvSpPr>
+          <p:cNvPr id="34" name="文本框 33">
+            <a:extLst>
+              <a:ext uri="{FF2B5EF4-FFF2-40B4-BE49-F238E27FC236}">
+                <a16:creationId xmlns:a16="http://schemas.microsoft.com/office/drawing/2014/main" id="{8F4DA72E-9BA4-4E70-A534-495A4445BA19}"/>
+              </a:ext>
+            </a:extLst>
+          </p:cNvPr>
+          <p:cNvSpPr txBox="1"/>
+          <p:nvPr/>
+        </p:nvSpPr>
+        <p:spPr>
+          <a:xfrm>
+            <a:off x="200781" y="204017"/>
+            <a:ext cx="3281675" cy="1631216"/>
+          </a:xfrm>
+          <a:prstGeom prst="rect">
+            <a:avLst/>
+          </a:prstGeom>
+          <a:solidFill>
+            <a:schemeClr val="bg1">
+              <a:lumMod val="95000"/>
+            </a:schemeClr>
+          </a:solidFill>
+        </p:spPr>
+        <p:txBody>
+          <a:bodyPr wrap="square" rtlCol="0">
+            <a:spAutoFit/>
+          </a:bodyPr>
+          <a:lstStyle/>
+          <a:p>
+            <a:r>
+              <a:rPr lang="zh-CN" altLang="en-US" sz="1600" b="1" dirty="0">
+                <a:latin typeface="微软雅黑" panose="020B0503020204020204" pitchFamily="34" charset="-122"/>
+                <a:ea typeface="微软雅黑" panose="020B0503020204020204" pitchFamily="34" charset="-122"/>
+              </a:rPr>
+              <a:t>所有数据</a:t>
+            </a:r>
+            <a:r>
+              <a:rPr lang="zh-CN" altLang="en-US" sz="1200" dirty="0">
+                <a:latin typeface="微软雅黑" panose="020B0503020204020204" pitchFamily="34" charset="-122"/>
+                <a:ea typeface="微软雅黑" panose="020B0503020204020204" pitchFamily="34" charset="-122"/>
+              </a:rPr>
+              <a:t>：</a:t>
+            </a:r>
+            <a:endParaRPr lang="en-US" altLang="zh-CN" sz="1200" dirty="0">
+              <a:latin typeface="微软雅黑" panose="020B0503020204020204" pitchFamily="34" charset="-122"/>
+              <a:ea typeface="微软雅黑" panose="020B0503020204020204" pitchFamily="34" charset="-122"/>
+            </a:endParaRPr>
+          </a:p>
+          <a:p>
+            <a:r>
+              <a:rPr lang="zh-CN" altLang="en-US" sz="1200" dirty="0">
+                <a:latin typeface="微软雅黑" panose="020B0503020204020204" pitchFamily="34" charset="-122"/>
+                <a:ea typeface="微软雅黑" panose="020B0503020204020204" pitchFamily="34" charset="-122"/>
+              </a:rPr>
+              <a:t>喜欢打篮球的男生喜欢什么样的女生	</a:t>
+            </a:r>
+            <a:endParaRPr lang="en-US" altLang="zh-CN" sz="1200" dirty="0">
+              <a:latin typeface="微软雅黑" panose="020B0503020204020204" pitchFamily="34" charset="-122"/>
+              <a:ea typeface="微软雅黑" panose="020B0503020204020204" pitchFamily="34" charset="-122"/>
+            </a:endParaRPr>
+          </a:p>
+          <a:p>
+            <a:r>
+              <a:rPr lang="zh-CN" altLang="en-US" sz="1200" dirty="0">
+                <a:latin typeface="微软雅黑" panose="020B0503020204020204" pitchFamily="34" charset="-122"/>
+                <a:ea typeface="微软雅黑" panose="020B0503020204020204" pitchFamily="34" charset="-122"/>
+              </a:rPr>
+              <a:t>我手机丢了，我想换个手机	</a:t>
+            </a:r>
+            <a:endParaRPr lang="en-US" altLang="zh-CN" sz="1200" dirty="0">
+              <a:latin typeface="微软雅黑" panose="020B0503020204020204" pitchFamily="34" charset="-122"/>
+              <a:ea typeface="微软雅黑" panose="020B0503020204020204" pitchFamily="34" charset="-122"/>
+            </a:endParaRPr>
+          </a:p>
+          <a:p>
+            <a:r>
+              <a:rPr lang="zh-CN" altLang="en-US" sz="1200" dirty="0">
+                <a:latin typeface="微软雅黑" panose="020B0503020204020204" pitchFamily="34" charset="-122"/>
+                <a:ea typeface="微软雅黑" panose="020B0503020204020204" pitchFamily="34" charset="-122"/>
+              </a:rPr>
+              <a:t>红豆薏米粥减肥靠谱吗	</a:t>
+            </a:r>
+            <a:endParaRPr lang="en-US" altLang="zh-CN" sz="1200" dirty="0">
+              <a:latin typeface="微软雅黑" panose="020B0503020204020204" pitchFamily="34" charset="-122"/>
+              <a:ea typeface="微软雅黑" panose="020B0503020204020204" pitchFamily="34" charset="-122"/>
+            </a:endParaRPr>
+          </a:p>
+          <a:p>
+            <a:r>
+              <a:rPr lang="zh-CN" altLang="en-US" sz="1200" dirty="0">
+                <a:latin typeface="微软雅黑" panose="020B0503020204020204" pitchFamily="34" charset="-122"/>
+                <a:ea typeface="微软雅黑" panose="020B0503020204020204" pitchFamily="34" charset="-122"/>
+              </a:rPr>
+              <a:t>大写的万字，怎么写？	</a:t>
+            </a:r>
+            <a:endParaRPr lang="en-US" altLang="zh-CN" sz="1200" dirty="0">
+              <a:latin typeface="微软雅黑" panose="020B0503020204020204" pitchFamily="34" charset="-122"/>
+              <a:ea typeface="微软雅黑" panose="020B0503020204020204" pitchFamily="34" charset="-122"/>
+            </a:endParaRPr>
+          </a:p>
+          <a:p>
+            <a:r>
+              <a:rPr lang="zh-CN" altLang="en-US" sz="1200" dirty="0">
+                <a:latin typeface="微软雅黑" panose="020B0503020204020204" pitchFamily="34" charset="-122"/>
+                <a:ea typeface="微软雅黑" panose="020B0503020204020204" pitchFamily="34" charset="-122"/>
+              </a:rPr>
+              <a:t>网易新闻和腾讯新闻哪个强</a:t>
+            </a:r>
+            <a:endParaRPr lang="en-US" altLang="zh-CN" sz="1200" dirty="0">
+              <a:latin typeface="微软雅黑" panose="020B0503020204020204" pitchFamily="34" charset="-122"/>
+              <a:ea typeface="微软雅黑" panose="020B0503020204020204" pitchFamily="34" charset="-122"/>
+            </a:endParaRPr>
+          </a:p>
+          <a:p>
+            <a:r>
+              <a:rPr lang="zh-CN" altLang="en-US" sz="1200" dirty="0">
+                <a:latin typeface="微软雅黑" panose="020B0503020204020204" pitchFamily="34" charset="-122"/>
+                <a:ea typeface="微软雅黑" panose="020B0503020204020204" pitchFamily="34" charset="-122"/>
+              </a:rPr>
+              <a:t>去哪儿网特价机票怎样订	</a:t>
+            </a:r>
+            <a:endParaRPr lang="en-US" altLang="zh-CN" sz="1200" dirty="0">
+              <a:latin typeface="微软雅黑" panose="020B0503020204020204" pitchFamily="34" charset="-122"/>
+              <a:ea typeface="微软雅黑" panose="020B0503020204020204" pitchFamily="34" charset="-122"/>
+            </a:endParaRPr>
+          </a:p>
+          <a:p>
+            <a:r>
+              <a:rPr lang="zh-CN" altLang="en-US" sz="1200" dirty="0">
+                <a:latin typeface="微软雅黑" panose="020B0503020204020204" pitchFamily="34" charset="-122"/>
+                <a:ea typeface="微软雅黑" panose="020B0503020204020204" pitchFamily="34" charset="-122"/>
+              </a:rPr>
+              <a:t>时空猎人腾讯版怎么刷龙影</a:t>
+            </a:r>
+          </a:p>
+        </p:txBody>
+      </p:sp>
+      <p:cxnSp>
+        <p:nvCxnSpPr>
+          <p:cNvPr id="35" name="直接箭头连接符 34">
+            <a:extLst>
+              <a:ext uri="{FF2B5EF4-FFF2-40B4-BE49-F238E27FC236}">
+                <a16:creationId xmlns:a16="http://schemas.microsoft.com/office/drawing/2014/main" id="{3C042938-4446-4235-A758-65E04979E002}"/>
+              </a:ext>
+            </a:extLst>
+          </p:cNvPr>
+          <p:cNvCxnSpPr>
+            <a:cxnSpLocks/>
+            <a:stCxn id="38" idx="0"/>
+            <a:endCxn id="12" idx="4"/>
+          </p:cNvCxnSpPr>
+          <p:nvPr/>
+        </p:nvCxnSpPr>
+        <p:spPr>
+          <a:xfrm flipH="1" flipV="1">
+            <a:off x="3230880" y="3013793"/>
+            <a:ext cx="1837557" cy="525368"/>
+          </a:xfrm>
+          <a:prstGeom prst="straightConnector1">
+            <a:avLst/>
+          </a:prstGeom>
+          <a:ln>
+            <a:tailEnd type="triangle"/>
+          </a:ln>
+        </p:spPr>
+        <p:style>
+          <a:lnRef idx="1">
+            <a:schemeClr val="dk1"/>
+          </a:lnRef>
+          <a:fillRef idx="0">
+            <a:schemeClr val="dk1"/>
+          </a:fillRef>
+          <a:effectRef idx="0">
+            <a:schemeClr val="dk1"/>
+          </a:effectRef>
+          <a:fontRef idx="minor">
+            <a:schemeClr val="tx1"/>
+          </a:fontRef>
+        </p:style>
+      </p:cxnSp>
+      <p:sp>
+        <p:nvSpPr>
+          <p:cNvPr id="9" name="文本框 8">
+            <a:extLst>
+              <a:ext uri="{FF2B5EF4-FFF2-40B4-BE49-F238E27FC236}">
+                <a16:creationId xmlns:a16="http://schemas.microsoft.com/office/drawing/2014/main" id="{53E365FF-8C9B-48D2-803B-F73938BA8872}"/>
+              </a:ext>
+            </a:extLst>
+          </p:cNvPr>
+          <p:cNvSpPr txBox="1"/>
+          <p:nvPr/>
+        </p:nvSpPr>
+        <p:spPr>
+          <a:xfrm>
+            <a:off x="137541" y="1904567"/>
+            <a:ext cx="1716276" cy="369332"/>
+          </a:xfrm>
+          <a:prstGeom prst="rect">
+            <a:avLst/>
+          </a:prstGeom>
+          <a:noFill/>
+        </p:spPr>
+        <p:txBody>
+          <a:bodyPr wrap="square" rtlCol="0">
+            <a:spAutoFit/>
+          </a:bodyPr>
+          <a:lstStyle/>
+          <a:p>
+            <a:r>
+              <a:rPr lang="zh-CN" altLang="en-US" dirty="0">
+                <a:solidFill>
+                  <a:srgbClr val="FF0000"/>
+                </a:solidFill>
+                <a:latin typeface="微软雅黑" panose="020B0503020204020204" pitchFamily="34" charset="-122"/>
+                <a:ea typeface="微软雅黑" panose="020B0503020204020204" pitchFamily="34" charset="-122"/>
+              </a:rPr>
+              <a:t>第</a:t>
+            </a:r>
+            <a:r>
+              <a:rPr lang="en-US" altLang="zh-CN" dirty="0">
+                <a:solidFill>
+                  <a:srgbClr val="FF0000"/>
+                </a:solidFill>
+                <a:latin typeface="微软雅黑" panose="020B0503020204020204" pitchFamily="34" charset="-122"/>
+                <a:ea typeface="微软雅黑" panose="020B0503020204020204" pitchFamily="34" charset="-122"/>
+              </a:rPr>
+              <a:t>3</a:t>
+            </a:r>
+            <a:r>
+              <a:rPr lang="zh-CN" altLang="en-US" dirty="0">
+                <a:solidFill>
+                  <a:srgbClr val="FF0000"/>
+                </a:solidFill>
+                <a:latin typeface="微软雅黑" panose="020B0503020204020204" pitchFamily="34" charset="-122"/>
+                <a:ea typeface="微软雅黑" panose="020B0503020204020204" pitchFamily="34" charset="-122"/>
+              </a:rPr>
+              <a:t>个</a:t>
+            </a:r>
+            <a:r>
+              <a:rPr lang="en-US" altLang="zh-CN" dirty="0">
+                <a:solidFill>
+                  <a:srgbClr val="FF0000"/>
+                </a:solidFill>
+                <a:latin typeface="微软雅黑" panose="020B0503020204020204" pitchFamily="34" charset="-122"/>
+                <a:ea typeface="微软雅黑" panose="020B0503020204020204" pitchFamily="34" charset="-122"/>
+              </a:rPr>
+              <a:t>batch</a:t>
+            </a:r>
+            <a:r>
+              <a:rPr lang="zh-CN" altLang="en-US" dirty="0">
+                <a:solidFill>
+                  <a:srgbClr val="FF0000"/>
+                </a:solidFill>
+                <a:latin typeface="微软雅黑" panose="020B0503020204020204" pitchFamily="34" charset="-122"/>
+                <a:ea typeface="微软雅黑" panose="020B0503020204020204" pitchFamily="34" charset="-122"/>
+              </a:rPr>
+              <a:t>时</a:t>
+            </a:r>
+          </a:p>
+        </p:txBody>
+      </p:sp>
+      <p:pic>
+        <p:nvPicPr>
+          <p:cNvPr id="32" name="图片 31">
+            <a:extLst>
+              <a:ext uri="{FF2B5EF4-FFF2-40B4-BE49-F238E27FC236}">
+                <a16:creationId xmlns:a16="http://schemas.microsoft.com/office/drawing/2014/main" id="{D046BB20-701F-4BD7-9105-83E46376E98F}"/>
+              </a:ext>
+            </a:extLst>
+          </p:cNvPr>
+          <p:cNvPicPr>
+            <a:picLocks noChangeAspect="1"/>
+          </p:cNvPicPr>
+          <p:nvPr/>
+        </p:nvPicPr>
+        <p:blipFill>
+          <a:blip r:embed="rId2"/>
+          <a:stretch>
+            <a:fillRect/>
+          </a:stretch>
+        </p:blipFill>
+        <p:spPr>
+          <a:xfrm>
+            <a:off x="4251554" y="2488868"/>
+            <a:ext cx="2243660" cy="445582"/>
+          </a:xfrm>
+          <a:prstGeom prst="rect">
+            <a:avLst/>
+          </a:prstGeom>
+        </p:spPr>
+      </p:pic>
+      <p:pic>
+        <p:nvPicPr>
+          <p:cNvPr id="30" name="图片 29">
+            <a:extLst>
+              <a:ext uri="{FF2B5EF4-FFF2-40B4-BE49-F238E27FC236}">
+                <a16:creationId xmlns:a16="http://schemas.microsoft.com/office/drawing/2014/main" id="{17B0FD98-1371-4A3E-95E8-891C4C172276}"/>
+              </a:ext>
+            </a:extLst>
+          </p:cNvPr>
+          <p:cNvPicPr>
+            <a:picLocks noChangeAspect="1"/>
+          </p:cNvPicPr>
+          <p:nvPr/>
+        </p:nvPicPr>
+        <p:blipFill>
+          <a:blip r:embed="rId3"/>
+          <a:stretch>
+            <a:fillRect/>
+          </a:stretch>
+        </p:blipFill>
+        <p:spPr>
+          <a:xfrm>
+            <a:off x="4496647" y="305142"/>
+            <a:ext cx="1753474" cy="1990293"/>
+          </a:xfrm>
+          <a:prstGeom prst="rect">
+            <a:avLst/>
+          </a:prstGeom>
+        </p:spPr>
+      </p:pic>
+      <p:sp>
+        <p:nvSpPr>
+          <p:cNvPr id="31" name="流程图: 磁盘 30">
+            <a:extLst>
+              <a:ext uri="{FF2B5EF4-FFF2-40B4-BE49-F238E27FC236}">
+                <a16:creationId xmlns:a16="http://schemas.microsoft.com/office/drawing/2014/main" id="{3967B9DB-0066-45C8-8D77-828B28150C27}"/>
+              </a:ext>
+            </a:extLst>
+          </p:cNvPr>
+          <p:cNvSpPr/>
+          <p:nvPr/>
+        </p:nvSpPr>
+        <p:spPr>
+          <a:xfrm>
+            <a:off x="7249017" y="4423372"/>
+            <a:ext cx="2062480" cy="1327651"/>
+          </a:xfrm>
+          <a:prstGeom prst="flowChartMagneticDisk">
+            <a:avLst/>
+          </a:prstGeom>
+          <a:solidFill>
+            <a:schemeClr val="bg1">
+              <a:lumMod val="85000"/>
+            </a:schemeClr>
+          </a:solidFill>
+        </p:spPr>
+        <p:style>
+          <a:lnRef idx="2">
+            <a:schemeClr val="accent1">
+              <a:shade val="50000"/>
+            </a:schemeClr>
+          </a:lnRef>
+          <a:fillRef idx="1">
+            <a:schemeClr val="accent1"/>
+          </a:fillRef>
+          <a:effectRef idx="0">
+            <a:schemeClr val="accent1"/>
+          </a:effectRef>
+          <a:fontRef idx="minor">
+            <a:schemeClr val="lt1"/>
+          </a:fontRef>
+        </p:style>
+        <p:txBody>
+          <a:bodyPr rtlCol="0" anchor="ctr"/>
+          <a:lstStyle/>
+          <a:p>
+            <a:pPr algn="ctr"/>
+            <a:endParaRPr lang="zh-CN" altLang="en-US"/>
+          </a:p>
+        </p:txBody>
+      </p:sp>
+      <p:sp>
+        <p:nvSpPr>
+          <p:cNvPr id="2" name="箭头: 右 1">
+            <a:extLst>
+              <a:ext uri="{FF2B5EF4-FFF2-40B4-BE49-F238E27FC236}">
+                <a16:creationId xmlns:a16="http://schemas.microsoft.com/office/drawing/2014/main" id="{92211F31-E126-4975-BEC2-932E448B9B90}"/>
+              </a:ext>
+            </a:extLst>
+          </p:cNvPr>
+          <p:cNvSpPr/>
+          <p:nvPr/>
+        </p:nvSpPr>
+        <p:spPr>
+          <a:xfrm>
+            <a:off x="6088116" y="4856366"/>
+            <a:ext cx="1168785" cy="461665"/>
+          </a:xfrm>
+          <a:prstGeom prst="rightArrow">
+            <a:avLst/>
+          </a:prstGeom>
+        </p:spPr>
+        <p:style>
+          <a:lnRef idx="2">
+            <a:schemeClr val="accent1">
+              <a:shade val="50000"/>
+            </a:schemeClr>
+          </a:lnRef>
+          <a:fillRef idx="1">
+            <a:schemeClr val="accent1"/>
+          </a:fillRef>
+          <a:effectRef idx="0">
+            <a:schemeClr val="accent1"/>
+          </a:effectRef>
+          <a:fontRef idx="minor">
+            <a:schemeClr val="lt1"/>
+          </a:fontRef>
+        </p:style>
+        <p:txBody>
+          <a:bodyPr rtlCol="0" anchor="ctr"/>
+          <a:lstStyle/>
+          <a:p>
+            <a:pPr algn="ctr"/>
+            <a:endParaRPr lang="zh-CN" altLang="en-US"/>
+          </a:p>
+        </p:txBody>
+      </p:sp>
+      <p:sp>
+        <p:nvSpPr>
+          <p:cNvPr id="3" name="矩形 2">
+            <a:extLst>
+              <a:ext uri="{FF2B5EF4-FFF2-40B4-BE49-F238E27FC236}">
+                <a16:creationId xmlns:a16="http://schemas.microsoft.com/office/drawing/2014/main" id="{F204092D-C6F6-4457-AE92-8061952D1C50}"/>
+              </a:ext>
+            </a:extLst>
+          </p:cNvPr>
+          <p:cNvSpPr/>
+          <p:nvPr/>
+        </p:nvSpPr>
+        <p:spPr>
+          <a:xfrm>
+            <a:off x="7943441" y="4921062"/>
+            <a:ext cx="207155" cy="687928"/>
+          </a:xfrm>
+          <a:prstGeom prst="rect">
+            <a:avLst/>
+          </a:prstGeom>
+          <a:solidFill>
+            <a:schemeClr val="accent2">
+              <a:lumMod val="20000"/>
+              <a:lumOff val="80000"/>
+            </a:schemeClr>
+          </a:solidFill>
+        </p:spPr>
+        <p:style>
+          <a:lnRef idx="2">
+            <a:schemeClr val="accent1">
+              <a:shade val="50000"/>
+            </a:schemeClr>
+          </a:lnRef>
+          <a:fillRef idx="1">
+            <a:schemeClr val="accent1"/>
+          </a:fillRef>
+          <a:effectRef idx="0">
+            <a:schemeClr val="accent1"/>
+          </a:effectRef>
+          <a:fontRef idx="minor">
+            <a:schemeClr val="lt1"/>
+          </a:fontRef>
+        </p:style>
+        <p:txBody>
+          <a:bodyPr rtlCol="0" anchor="ctr"/>
+          <a:lstStyle/>
+          <a:p>
+            <a:pPr algn="ctr"/>
+            <a:endParaRPr lang="zh-CN" altLang="en-US"/>
+          </a:p>
+        </p:txBody>
+      </p:sp>
+      <p:sp>
+        <p:nvSpPr>
+          <p:cNvPr id="41" name="矩形 40">
+            <a:extLst>
+              <a:ext uri="{FF2B5EF4-FFF2-40B4-BE49-F238E27FC236}">
+                <a16:creationId xmlns:a16="http://schemas.microsoft.com/office/drawing/2014/main" id="{1FA715A6-DE74-4346-83A7-EE5EB9CC6749}"/>
+              </a:ext>
+            </a:extLst>
+          </p:cNvPr>
+          <p:cNvSpPr/>
+          <p:nvPr/>
+        </p:nvSpPr>
+        <p:spPr>
+          <a:xfrm>
+            <a:off x="8302996" y="4921062"/>
+            <a:ext cx="207155" cy="687928"/>
+          </a:xfrm>
+          <a:prstGeom prst="rect">
+            <a:avLst/>
+          </a:prstGeom>
+          <a:solidFill>
+            <a:schemeClr val="accent6">
+              <a:lumMod val="40000"/>
+              <a:lumOff val="60000"/>
+            </a:schemeClr>
+          </a:solidFill>
+        </p:spPr>
+        <p:style>
+          <a:lnRef idx="2">
+            <a:schemeClr val="accent1">
+              <a:shade val="50000"/>
+            </a:schemeClr>
+          </a:lnRef>
+          <a:fillRef idx="1">
+            <a:schemeClr val="accent1"/>
+          </a:fillRef>
+          <a:effectRef idx="0">
+            <a:schemeClr val="accent1"/>
+          </a:effectRef>
+          <a:fontRef idx="minor">
+            <a:schemeClr val="lt1"/>
+          </a:fontRef>
+        </p:style>
+        <p:txBody>
+          <a:bodyPr rtlCol="0" anchor="ctr"/>
+          <a:lstStyle/>
+          <a:p>
+            <a:pPr algn="ctr"/>
+            <a:endParaRPr lang="zh-CN" altLang="en-US"/>
+          </a:p>
+        </p:txBody>
+      </p:sp>
+      <p:sp>
+        <p:nvSpPr>
+          <p:cNvPr id="44" name="矩形 43">
+            <a:extLst>
+              <a:ext uri="{FF2B5EF4-FFF2-40B4-BE49-F238E27FC236}">
+                <a16:creationId xmlns:a16="http://schemas.microsoft.com/office/drawing/2014/main" id="{4622D5DF-113E-4AEA-9AAC-8163631F8940}"/>
+              </a:ext>
+            </a:extLst>
+          </p:cNvPr>
+          <p:cNvSpPr/>
+          <p:nvPr/>
+        </p:nvSpPr>
+        <p:spPr>
+          <a:xfrm>
+            <a:off x="8673184" y="4926201"/>
+            <a:ext cx="207155" cy="687928"/>
+          </a:xfrm>
+          <a:prstGeom prst="rect">
+            <a:avLst/>
+          </a:prstGeom>
+          <a:solidFill>
+            <a:schemeClr val="accent5">
+              <a:lumMod val="40000"/>
+              <a:lumOff val="60000"/>
+            </a:schemeClr>
+          </a:solidFill>
+        </p:spPr>
+        <p:style>
+          <a:lnRef idx="2">
+            <a:schemeClr val="accent1">
+              <a:shade val="50000"/>
+            </a:schemeClr>
+          </a:lnRef>
+          <a:fillRef idx="1">
+            <a:schemeClr val="accent1"/>
+          </a:fillRef>
+          <a:effectRef idx="0">
+            <a:schemeClr val="accent1"/>
+          </a:effectRef>
+          <a:fontRef idx="minor">
+            <a:schemeClr val="lt1"/>
+          </a:fontRef>
+        </p:style>
+        <p:txBody>
+          <a:bodyPr rtlCol="0" anchor="ctr"/>
+          <a:lstStyle/>
+          <a:p>
+            <a:pPr algn="ctr"/>
+            <a:endParaRPr lang="zh-CN" altLang="en-US"/>
+          </a:p>
+        </p:txBody>
+      </p:sp>
+      <p:sp>
+        <p:nvSpPr>
+          <p:cNvPr id="45" name="矩形 44">
+            <a:extLst>
+              <a:ext uri="{FF2B5EF4-FFF2-40B4-BE49-F238E27FC236}">
+                <a16:creationId xmlns:a16="http://schemas.microsoft.com/office/drawing/2014/main" id="{7C5B6C12-A544-4252-A95A-31D1B9FF16C2}"/>
+              </a:ext>
+            </a:extLst>
+          </p:cNvPr>
+          <p:cNvSpPr/>
+          <p:nvPr/>
+        </p:nvSpPr>
+        <p:spPr>
+          <a:xfrm>
+            <a:off x="9051499" y="4921062"/>
+            <a:ext cx="207155" cy="687928"/>
+          </a:xfrm>
+          <a:prstGeom prst="rect">
+            <a:avLst/>
+          </a:prstGeom>
+          <a:solidFill>
+            <a:schemeClr val="accent4">
+              <a:lumMod val="60000"/>
+              <a:lumOff val="40000"/>
+            </a:schemeClr>
+          </a:solidFill>
+        </p:spPr>
+        <p:style>
+          <a:lnRef idx="2">
+            <a:schemeClr val="accent1">
+              <a:shade val="50000"/>
+            </a:schemeClr>
+          </a:lnRef>
+          <a:fillRef idx="1">
+            <a:schemeClr val="accent1"/>
+          </a:fillRef>
+          <a:effectRef idx="0">
+            <a:schemeClr val="accent1"/>
+          </a:effectRef>
+          <a:fontRef idx="minor">
+            <a:schemeClr val="lt1"/>
+          </a:fontRef>
+        </p:style>
+        <p:txBody>
+          <a:bodyPr rtlCol="0" anchor="ctr"/>
+          <a:lstStyle/>
+          <a:p>
+            <a:pPr algn="ctr"/>
+            <a:endParaRPr lang="zh-CN" altLang="en-US"/>
+          </a:p>
+        </p:txBody>
+      </p:sp>
+      <p:sp>
+        <p:nvSpPr>
+          <p:cNvPr id="46" name="矩形 45">
+            <a:extLst>
+              <a:ext uri="{FF2B5EF4-FFF2-40B4-BE49-F238E27FC236}">
+                <a16:creationId xmlns:a16="http://schemas.microsoft.com/office/drawing/2014/main" id="{574226AB-63DB-4A57-9BC4-84C8F95B0149}"/>
+              </a:ext>
+            </a:extLst>
+          </p:cNvPr>
+          <p:cNvSpPr/>
+          <p:nvPr/>
+        </p:nvSpPr>
+        <p:spPr>
+          <a:xfrm rot="16200000">
+            <a:off x="7384559" y="5156431"/>
+            <a:ext cx="687927" cy="207154"/>
+          </a:xfrm>
+          <a:prstGeom prst="rect">
+            <a:avLst/>
+          </a:prstGeom>
+          <a:solidFill>
+            <a:schemeClr val="accent2">
+              <a:lumMod val="75000"/>
+            </a:schemeClr>
+          </a:solidFill>
+        </p:spPr>
+        <p:style>
+          <a:lnRef idx="2">
+            <a:schemeClr val="accent1">
+              <a:shade val="50000"/>
+            </a:schemeClr>
+          </a:lnRef>
+          <a:fillRef idx="1">
+            <a:schemeClr val="accent1"/>
+          </a:fillRef>
+          <a:effectRef idx="0">
+            <a:schemeClr val="accent1"/>
+          </a:effectRef>
+          <a:fontRef idx="minor">
+            <a:schemeClr val="lt1"/>
+          </a:fontRef>
+        </p:style>
+        <p:txBody>
+          <a:bodyPr rtlCol="0" anchor="ctr"/>
+          <a:lstStyle/>
+          <a:p>
+            <a:pPr algn="ctr"/>
+            <a:endParaRPr lang="zh-CN" altLang="en-US"/>
+          </a:p>
+        </p:txBody>
+      </p:sp>
+      <p:sp>
+        <p:nvSpPr>
+          <p:cNvPr id="48" name="矩形 47">
+            <a:extLst>
+              <a:ext uri="{FF2B5EF4-FFF2-40B4-BE49-F238E27FC236}">
+                <a16:creationId xmlns:a16="http://schemas.microsoft.com/office/drawing/2014/main" id="{9BE56B6B-40BE-476F-B885-BA0F85DDA51D}"/>
+              </a:ext>
+            </a:extLst>
+          </p:cNvPr>
+          <p:cNvSpPr/>
+          <p:nvPr/>
+        </p:nvSpPr>
+        <p:spPr>
+          <a:xfrm rot="16200000">
+            <a:off x="7075359" y="5149135"/>
+            <a:ext cx="687927" cy="207154"/>
+          </a:xfrm>
+          <a:prstGeom prst="rect">
+            <a:avLst/>
+          </a:prstGeom>
+          <a:solidFill>
+            <a:schemeClr val="accent1">
+              <a:lumMod val="75000"/>
+            </a:schemeClr>
+          </a:solidFill>
+        </p:spPr>
+        <p:style>
+          <a:lnRef idx="2">
+            <a:schemeClr val="accent1">
+              <a:shade val="50000"/>
+            </a:schemeClr>
+          </a:lnRef>
+          <a:fillRef idx="1">
+            <a:schemeClr val="accent1"/>
+          </a:fillRef>
+          <a:effectRef idx="0">
+            <a:schemeClr val="accent1"/>
+          </a:effectRef>
+          <a:fontRef idx="minor">
+            <a:schemeClr val="lt1"/>
+          </a:fontRef>
+        </p:style>
+        <p:txBody>
+          <a:bodyPr rtlCol="0" anchor="ctr"/>
+          <a:lstStyle/>
+          <a:p>
+            <a:pPr algn="ctr"/>
+            <a:endParaRPr lang="zh-CN" altLang="en-US"/>
+          </a:p>
+        </p:txBody>
+      </p:sp>
+      <p:sp>
+        <p:nvSpPr>
+          <p:cNvPr id="4" name="文本框 3">
+            <a:extLst>
+              <a:ext uri="{FF2B5EF4-FFF2-40B4-BE49-F238E27FC236}">
+                <a16:creationId xmlns:a16="http://schemas.microsoft.com/office/drawing/2014/main" id="{A538FDFA-96F8-4AB5-98F7-A2BDDE9AA746}"/>
+              </a:ext>
+            </a:extLst>
+          </p:cNvPr>
+          <p:cNvSpPr txBox="1"/>
+          <p:nvPr/>
+        </p:nvSpPr>
+        <p:spPr>
+          <a:xfrm>
+            <a:off x="7869033" y="5922335"/>
+            <a:ext cx="2571192" cy="584775"/>
+          </a:xfrm>
+          <a:prstGeom prst="rect">
+            <a:avLst/>
+          </a:prstGeom>
+          <a:noFill/>
+        </p:spPr>
+        <p:txBody>
+          <a:bodyPr wrap="square" rtlCol="0">
+            <a:spAutoFit/>
+          </a:bodyPr>
+          <a:lstStyle/>
+          <a:p>
+            <a:pPr algn="l"/>
+            <a:r>
+              <a:rPr lang="zh-CN" altLang="en-US" sz="1600" dirty="0">
+                <a:latin typeface="微软雅黑" panose="020B0503020204020204" pitchFamily="34" charset="-122"/>
+                <a:ea typeface="微软雅黑" panose="020B0503020204020204" pitchFamily="34" charset="-122"/>
+              </a:rPr>
+              <a:t>前两个</a:t>
+            </a:r>
+            <a:r>
+              <a:rPr lang="en-US" altLang="zh-CN" sz="1600" dirty="0">
+                <a:latin typeface="微软雅黑" panose="020B0503020204020204" pitchFamily="34" charset="-122"/>
+                <a:ea typeface="微软雅黑" panose="020B0503020204020204" pitchFamily="34" charset="-122"/>
+              </a:rPr>
+              <a:t>batch(4</a:t>
+            </a:r>
+            <a:r>
+              <a:rPr lang="zh-CN" altLang="en-US" sz="1600" dirty="0">
+                <a:latin typeface="微软雅黑" panose="020B0503020204020204" pitchFamily="34" charset="-122"/>
+                <a:ea typeface="微软雅黑" panose="020B0503020204020204" pitchFamily="34" charset="-122"/>
+              </a:rPr>
+              <a:t>个句子</a:t>
+            </a:r>
+            <a:r>
+              <a:rPr lang="en-US" altLang="zh-CN" sz="1600" dirty="0">
+                <a:latin typeface="微软雅黑" panose="020B0503020204020204" pitchFamily="34" charset="-122"/>
+                <a:ea typeface="微软雅黑" panose="020B0503020204020204" pitchFamily="34" charset="-122"/>
+              </a:rPr>
+              <a:t>)</a:t>
+            </a:r>
+            <a:r>
+              <a:rPr lang="zh-CN" altLang="en-US" sz="1600" dirty="0">
+                <a:latin typeface="微软雅黑" panose="020B0503020204020204" pitchFamily="34" charset="-122"/>
+                <a:ea typeface="微软雅黑" panose="020B0503020204020204" pitchFamily="34" charset="-122"/>
+              </a:rPr>
+              <a:t>的句向量</a:t>
+            </a:r>
+          </a:p>
+        </p:txBody>
+      </p:sp>
+      <p:sp>
+        <p:nvSpPr>
+          <p:cNvPr id="7" name="左大括号 6">
+            <a:extLst>
+              <a:ext uri="{FF2B5EF4-FFF2-40B4-BE49-F238E27FC236}">
+                <a16:creationId xmlns:a16="http://schemas.microsoft.com/office/drawing/2014/main" id="{6CB3DFE1-716E-4A64-9E5F-70A90FD1A594}"/>
+              </a:ext>
+            </a:extLst>
+          </p:cNvPr>
+          <p:cNvSpPr/>
+          <p:nvPr/>
+        </p:nvSpPr>
+        <p:spPr>
+          <a:xfrm rot="16200000">
+            <a:off x="8437217" y="5100901"/>
+            <a:ext cx="318363" cy="1324503"/>
+          </a:xfrm>
+          <a:prstGeom prst="leftBrace">
+            <a:avLst/>
+          </a:prstGeom>
+          <a:ln w="12700">
+            <a:solidFill>
+              <a:schemeClr val="tx1"/>
+            </a:solidFill>
+          </a:ln>
+        </p:spPr>
+        <p:style>
+          <a:lnRef idx="1">
+            <a:schemeClr val="accent1"/>
+          </a:lnRef>
+          <a:fillRef idx="0">
+            <a:schemeClr val="accent1"/>
+          </a:fillRef>
+          <a:effectRef idx="0">
+            <a:schemeClr val="accent1"/>
+          </a:effectRef>
+          <a:fontRef idx="minor">
+            <a:schemeClr val="tx1"/>
+          </a:fontRef>
+        </p:style>
+        <p:txBody>
+          <a:bodyPr rtlCol="0" anchor="ctr"/>
+          <a:lstStyle/>
+          <a:p>
+            <a:pPr algn="ctr"/>
+            <a:endParaRPr lang="zh-CN" altLang="en-US"/>
+          </a:p>
+        </p:txBody>
+      </p:sp>
+      <p:pic>
+        <p:nvPicPr>
+          <p:cNvPr id="5" name="图片 4">
+            <a:extLst>
+              <a:ext uri="{FF2B5EF4-FFF2-40B4-BE49-F238E27FC236}">
+                <a16:creationId xmlns:a16="http://schemas.microsoft.com/office/drawing/2014/main" id="{1735D516-0542-4E80-92CB-09007705D087}"/>
+              </a:ext>
+            </a:extLst>
+          </p:cNvPr>
+          <p:cNvPicPr>
+            <a:picLocks noChangeAspect="1"/>
+          </p:cNvPicPr>
+          <p:nvPr/>
+        </p:nvPicPr>
+        <p:blipFill>
+          <a:blip r:embed="rId4"/>
+          <a:stretch>
+            <a:fillRect/>
+          </a:stretch>
+        </p:blipFill>
+        <p:spPr>
+          <a:xfrm>
+            <a:off x="7387526" y="198736"/>
+            <a:ext cx="1923971" cy="902996"/>
+          </a:xfrm>
+          <a:prstGeom prst="rect">
+            <a:avLst/>
+          </a:prstGeom>
+        </p:spPr>
+      </p:pic>
+      <p:cxnSp>
+        <p:nvCxnSpPr>
+          <p:cNvPr id="10" name="直接箭头连接符 9">
+            <a:extLst>
+              <a:ext uri="{FF2B5EF4-FFF2-40B4-BE49-F238E27FC236}">
+                <a16:creationId xmlns:a16="http://schemas.microsoft.com/office/drawing/2014/main" id="{46477FBB-C8B5-4119-9E78-944420C6C673}"/>
+              </a:ext>
+            </a:extLst>
+          </p:cNvPr>
+          <p:cNvCxnSpPr>
+            <a:stCxn id="18" idx="3"/>
+            <a:endCxn id="38" idx="1"/>
+          </p:cNvCxnSpPr>
+          <p:nvPr/>
+        </p:nvCxnSpPr>
+        <p:spPr>
+          <a:xfrm flipV="1">
+            <a:off x="2092385" y="3620441"/>
+            <a:ext cx="2609935" cy="21033"/>
+          </a:xfrm>
+          <a:prstGeom prst="straightConnector1">
+            <a:avLst/>
+          </a:prstGeom>
+          <a:ln w="12700">
+            <a:solidFill>
+              <a:srgbClr val="FF0000"/>
+            </a:solidFill>
+            <a:tailEnd type="triangle"/>
+          </a:ln>
+        </p:spPr>
+        <p:style>
+          <a:lnRef idx="3">
+            <a:schemeClr val="accent2"/>
+          </a:lnRef>
+          <a:fillRef idx="0">
+            <a:schemeClr val="accent2"/>
+          </a:fillRef>
+          <a:effectRef idx="2">
+            <a:schemeClr val="accent2"/>
+          </a:effectRef>
+          <a:fontRef idx="minor">
+            <a:schemeClr val="tx1"/>
+          </a:fontRef>
+        </p:style>
+      </p:cxnSp>
+      <p:cxnSp>
+        <p:nvCxnSpPr>
+          <p:cNvPr id="37" name="直接箭头连接符 36">
+            <a:extLst>
+              <a:ext uri="{FF2B5EF4-FFF2-40B4-BE49-F238E27FC236}">
+                <a16:creationId xmlns:a16="http://schemas.microsoft.com/office/drawing/2014/main" id="{35894796-C98D-422D-B5D2-A54F9A683844}"/>
+              </a:ext>
+            </a:extLst>
+          </p:cNvPr>
+          <p:cNvCxnSpPr/>
+          <p:nvPr/>
+        </p:nvCxnSpPr>
+        <p:spPr>
+          <a:xfrm flipV="1">
+            <a:off x="2100620" y="3881278"/>
+            <a:ext cx="2609935" cy="21033"/>
+          </a:xfrm>
+          <a:prstGeom prst="straightConnector1">
+            <a:avLst/>
+          </a:prstGeom>
+          <a:ln w="12700">
+            <a:solidFill>
+              <a:srgbClr val="FF0000"/>
+            </a:solidFill>
+            <a:tailEnd type="triangle"/>
+          </a:ln>
+        </p:spPr>
+        <p:style>
+          <a:lnRef idx="3">
+            <a:schemeClr val="accent2"/>
+          </a:lnRef>
+          <a:fillRef idx="0">
+            <a:schemeClr val="accent2"/>
+          </a:fillRef>
+          <a:effectRef idx="2">
+            <a:schemeClr val="accent2"/>
+          </a:effectRef>
+          <a:fontRef idx="minor">
+            <a:schemeClr val="tx1"/>
+          </a:fontRef>
+        </p:style>
+      </p:cxnSp>
+      <p:sp>
+        <p:nvSpPr>
+          <p:cNvPr id="11" name="文本框 10">
+            <a:extLst>
+              <a:ext uri="{FF2B5EF4-FFF2-40B4-BE49-F238E27FC236}">
+                <a16:creationId xmlns:a16="http://schemas.microsoft.com/office/drawing/2014/main" id="{266333E1-351F-4F38-BB5A-6DBD6F56990D}"/>
+              </a:ext>
+            </a:extLst>
+          </p:cNvPr>
+          <p:cNvSpPr txBox="1"/>
+          <p:nvPr/>
+        </p:nvSpPr>
+        <p:spPr>
+          <a:xfrm>
+            <a:off x="2734423" y="3597442"/>
+            <a:ext cx="1636489" cy="276999"/>
+          </a:xfrm>
+          <a:prstGeom prst="rect">
+            <a:avLst/>
+          </a:prstGeom>
+          <a:noFill/>
+        </p:spPr>
+        <p:txBody>
+          <a:bodyPr wrap="square" rtlCol="0">
+            <a:spAutoFit/>
+          </a:bodyPr>
+          <a:lstStyle/>
+          <a:p>
+            <a:pPr algn="l"/>
+            <a:r>
+              <a:rPr lang="zh-CN" altLang="en-US" sz="1200" b="1" dirty="0">
+                <a:latin typeface="微软雅黑" panose="020B0503020204020204" pitchFamily="34" charset="-122"/>
+                <a:ea typeface="微软雅黑" panose="020B0503020204020204" pitchFamily="34" charset="-122"/>
+              </a:rPr>
+              <a:t>计算</a:t>
+            </a:r>
+            <a:r>
+              <a:rPr lang="en-US" altLang="zh-CN" sz="1200" b="1" dirty="0">
+                <a:latin typeface="微软雅黑" panose="020B0503020204020204" pitchFamily="34" charset="-122"/>
+                <a:ea typeface="微软雅黑" panose="020B0503020204020204" pitchFamily="34" charset="-122"/>
+              </a:rPr>
+              <a:t>pos similarity</a:t>
+            </a:r>
+            <a:endParaRPr lang="zh-CN" altLang="en-US" sz="1200" b="1" dirty="0">
+              <a:latin typeface="微软雅黑" panose="020B0503020204020204" pitchFamily="34" charset="-122"/>
+              <a:ea typeface="微软雅黑" panose="020B0503020204020204" pitchFamily="34" charset="-122"/>
+            </a:endParaRPr>
+          </a:p>
+        </p:txBody>
+      </p:sp>
+    </p:spTree>
+    <p:extLst>
+      <p:ext uri="{BB962C8B-B14F-4D97-AF65-F5344CB8AC3E}">
+        <p14:creationId xmlns:p14="http://schemas.microsoft.com/office/powerpoint/2010/main" val="3928334166"/>
+      </p:ext>
+    </p:extLst>
+  </p:cSld>
+  <p:clrMapOvr>
+    <a:masterClrMapping/>
+  </p:clrMapOvr>
+</p:sld>
+</file>
+
 <file path=ppt/slides/slide2.xml><?xml version="1.0" encoding="utf-8"?>
 <p:sld xmlns:a="http://schemas.openxmlformats.org/drawingml/2006/main" xmlns:r="http://schemas.openxmlformats.org/officeDocument/2006/relationships" xmlns:p="http://schemas.openxmlformats.org/presentationml/2006/main">
   <p:cSld>
